--- a/Auto Layout.pptx
+++ b/Auto Layout.pptx
@@ -365,7 +365,7 @@
           <a:p>
             <a:fld id="{D1C70EB2-8ABA-AB49-AF1C-BD2EB557A3B8}" type="datetimeFigureOut">
               <a:rPr kumimoji="1" lang="zh-CN" altLang="en-US" smtClean="0"/>
-              <a:t>17/8/22</a:t>
+              <a:t>17/8/23</a:t>
             </a:fld>
             <a:endParaRPr kumimoji="1" lang="zh-CN" altLang="en-US"/>
           </a:p>
@@ -678,7 +678,7 @@
           <a:p>
             <a:fld id="{D1C70EB2-8ABA-AB49-AF1C-BD2EB557A3B8}" type="datetimeFigureOut">
               <a:rPr kumimoji="1" lang="zh-CN" altLang="en-US" smtClean="0"/>
-              <a:t>17/8/22</a:t>
+              <a:t>17/8/23</a:t>
             </a:fld>
             <a:endParaRPr kumimoji="1" lang="zh-CN" altLang="en-US"/>
           </a:p>
@@ -885,7 +885,7 @@
           <a:p>
             <a:fld id="{D1C70EB2-8ABA-AB49-AF1C-BD2EB557A3B8}" type="datetimeFigureOut">
               <a:rPr kumimoji="1" lang="zh-CN" altLang="en-US" smtClean="0"/>
-              <a:t>17/8/22</a:t>
+              <a:t>17/8/23</a:t>
             </a:fld>
             <a:endParaRPr kumimoji="1" lang="zh-CN" altLang="en-US"/>
           </a:p>
@@ -1090,7 +1090,7 @@
           <a:p>
             <a:fld id="{D1C70EB2-8ABA-AB49-AF1C-BD2EB557A3B8}" type="datetimeFigureOut">
               <a:rPr kumimoji="1" lang="zh-CN" altLang="en-US" smtClean="0"/>
-              <a:t>17/8/22</a:t>
+              <a:t>17/8/23</a:t>
             </a:fld>
             <a:endParaRPr kumimoji="1" lang="zh-CN" altLang="en-US"/>
           </a:p>
@@ -1285,7 +1285,7 @@
           <a:p>
             <a:fld id="{D1C70EB2-8ABA-AB49-AF1C-BD2EB557A3B8}" type="datetimeFigureOut">
               <a:rPr kumimoji="1" lang="zh-CN" altLang="en-US" smtClean="0"/>
-              <a:t>17/8/22</a:t>
+              <a:t>17/8/23</a:t>
             </a:fld>
             <a:endParaRPr kumimoji="1" lang="zh-CN" altLang="en-US"/>
           </a:p>
@@ -1555,7 +1555,7 @@
           <a:p>
             <a:fld id="{D1C70EB2-8ABA-AB49-AF1C-BD2EB557A3B8}" type="datetimeFigureOut">
               <a:rPr kumimoji="1" lang="zh-CN" altLang="en-US" smtClean="0"/>
-              <a:t>17/8/22</a:t>
+              <a:t>17/8/23</a:t>
             </a:fld>
             <a:endParaRPr kumimoji="1" lang="zh-CN" altLang="en-US"/>
           </a:p>
@@ -1866,7 +1866,7 @@
           <a:p>
             <a:fld id="{D1C70EB2-8ABA-AB49-AF1C-BD2EB557A3B8}" type="datetimeFigureOut">
               <a:rPr kumimoji="1" lang="zh-CN" altLang="en-US" smtClean="0"/>
-              <a:t>17/8/22</a:t>
+              <a:t>17/8/23</a:t>
             </a:fld>
             <a:endParaRPr kumimoji="1" lang="zh-CN" altLang="en-US"/>
           </a:p>
@@ -2327,7 +2327,7 @@
           <a:p>
             <a:fld id="{D1C70EB2-8ABA-AB49-AF1C-BD2EB557A3B8}" type="datetimeFigureOut">
               <a:rPr kumimoji="1" lang="zh-CN" altLang="en-US" smtClean="0"/>
-              <a:t>17/8/22</a:t>
+              <a:t>17/8/23</a:t>
             </a:fld>
             <a:endParaRPr kumimoji="1" lang="zh-CN" altLang="en-US"/>
           </a:p>
@@ -2466,7 +2466,7 @@
           <a:p>
             <a:fld id="{D1C70EB2-8ABA-AB49-AF1C-BD2EB557A3B8}" type="datetimeFigureOut">
               <a:rPr kumimoji="1" lang="zh-CN" altLang="en-US" smtClean="0"/>
-              <a:t>17/8/22</a:t>
+              <a:t>17/8/23</a:t>
             </a:fld>
             <a:endParaRPr kumimoji="1" lang="zh-CN" altLang="en-US"/>
           </a:p>
@@ -2582,7 +2582,7 @@
           <a:p>
             <a:fld id="{D1C70EB2-8ABA-AB49-AF1C-BD2EB557A3B8}" type="datetimeFigureOut">
               <a:rPr kumimoji="1" lang="zh-CN" altLang="en-US" smtClean="0"/>
-              <a:t>17/8/22</a:t>
+              <a:t>17/8/23</a:t>
             </a:fld>
             <a:endParaRPr kumimoji="1" lang="zh-CN" altLang="en-US"/>
           </a:p>
@@ -2868,7 +2868,7 @@
           <a:p>
             <a:fld id="{D1C70EB2-8ABA-AB49-AF1C-BD2EB557A3B8}" type="datetimeFigureOut">
               <a:rPr kumimoji="1" lang="zh-CN" altLang="en-US" smtClean="0"/>
-              <a:t>17/8/22</a:t>
+              <a:t>17/8/23</a:t>
             </a:fld>
             <a:endParaRPr kumimoji="1" lang="zh-CN" altLang="en-US"/>
           </a:p>
@@ -3206,7 +3206,7 @@
           <a:p>
             <a:fld id="{D1C70EB2-8ABA-AB49-AF1C-BD2EB557A3B8}" type="datetimeFigureOut">
               <a:rPr kumimoji="1" lang="zh-CN" altLang="en-US" smtClean="0"/>
-              <a:t>17/8/22</a:t>
+              <a:t>17/8/23</a:t>
             </a:fld>
             <a:endParaRPr kumimoji="1" lang="zh-CN" altLang="en-US"/>
           </a:p>
@@ -3482,7 +3482,7 @@
           <a:p>
             <a:fld id="{D1C70EB2-8ABA-AB49-AF1C-BD2EB557A3B8}" type="datetimeFigureOut">
               <a:rPr kumimoji="1" lang="zh-CN" altLang="en-US" smtClean="0"/>
-              <a:t>17/8/22</a:t>
+              <a:t>17/8/23</a:t>
             </a:fld>
             <a:endParaRPr kumimoji="1" lang="zh-CN" altLang="en-US"/>
           </a:p>
@@ -4175,7 +4175,7 @@
             </a:r>
             <a:r>
               <a:rPr kumimoji="1" lang="zh-CN" altLang="en-US" sz="2800" dirty="0" smtClean="0"/>
-              <a:t>的如何使用</a:t>
+              <a:t>用法和演示</a:t>
             </a:r>
             <a:endParaRPr kumimoji="1" lang="en-US" altLang="zh-CN" sz="2800" dirty="0" smtClean="0"/>
           </a:p>
@@ -4201,7 +4201,7 @@
             </a:r>
             <a:r>
               <a:rPr kumimoji="1" lang="zh-CN" altLang="en-US" sz="2800" dirty="0" smtClean="0"/>
-              <a:t>冲突的解决方法</a:t>
+              <a:t>冲突的定位、分析、解决</a:t>
             </a:r>
             <a:endParaRPr kumimoji="1" lang="en-US" altLang="zh-CN" sz="2800" dirty="0" smtClean="0"/>
           </a:p>
@@ -4372,49 +4372,7 @@
                   </a:outerShdw>
                 </a:effectLst>
               </a:rPr>
-              <a:t> </a:t>
-            </a:r>
-            <a:r>
-              <a:rPr lang="zh-CN" altLang="en-US" sz="2000" dirty="0" smtClean="0">
-                <a:ln w="18415" cmpd="sng">
-                  <a:solidFill>
-                    <a:srgbClr val="FFFFFF"/>
-                  </a:solidFill>
-                  <a:prstDash val="solid"/>
-                </a:ln>
-                <a:solidFill>
-                  <a:srgbClr val="FFFFFF"/>
-                </a:solidFill>
-                <a:effectLst>
-                  <a:outerShdw blurRad="63500" dir="3600000" algn="tl" rotWithShape="0">
-                    <a:srgbClr val="000000">
-                      <a:alpha val="70000"/>
-                    </a:srgbClr>
-                  </a:outerShdw>
-                </a:effectLst>
-              </a:rPr>
-              <a:t>通过</a:t>
-            </a:r>
-            <a:r>
-              <a:rPr lang="zh-CN" altLang="en-US" sz="2000" dirty="0" smtClean="0">
-                <a:ln w="18415" cmpd="sng">
-                  <a:solidFill>
-                    <a:srgbClr val="FFFFFF"/>
-                  </a:solidFill>
-                  <a:prstDash val="solid"/>
-                </a:ln>
-                <a:solidFill>
-                  <a:srgbClr val="FFFFFF"/>
-                </a:solidFill>
-                <a:effectLst>
-                  <a:outerShdw blurRad="63500" dir="3600000" algn="tl" rotWithShape="0">
-                    <a:srgbClr val="000000">
-                      <a:alpha val="70000"/>
-                    </a:srgbClr>
-                  </a:outerShdw>
-                </a:effectLst>
-              </a:rPr>
-              <a:t>设置视图层次中每个视图</a:t>
+              <a:t> 通过设置视图层次中每个视图</a:t>
             </a:r>
             <a:r>
               <a:rPr lang="en-US" altLang="zh-CN" sz="2000" dirty="0" smtClean="0">
@@ -5134,24 +5092,6 @@
               </a:rPr>
               <a:t>写法增加了很大的工作量，且代码难以阅读和维护。</a:t>
             </a:r>
-            <a:endParaRPr lang="zh-CN" altLang="en-US" dirty="0">
-              <a:ln w="18415" cmpd="sng">
-                <a:solidFill>
-                  <a:srgbClr val="FFFFFF"/>
-                </a:solidFill>
-                <a:prstDash val="solid"/>
-              </a:ln>
-              <a:solidFill>
-                <a:srgbClr val="FFFFFF"/>
-              </a:solidFill>
-              <a:effectLst>
-                <a:outerShdw blurRad="63500" dir="3600000" algn="tl" rotWithShape="0">
-                  <a:srgbClr val="000000">
-                    <a:alpha val="70000"/>
-                  </a:srgbClr>
-                </a:outerShdw>
-              </a:effectLst>
-            </a:endParaRPr>
           </a:p>
         </p:txBody>
       </p:sp>
@@ -5575,49 +5515,7 @@
                   </a:outerShdw>
                 </a:effectLst>
               </a:rPr>
-              <a:t>然</a:t>
-            </a:r>
-            <a:r>
-              <a:rPr lang="zh-CN" altLang="en-US" dirty="0" smtClean="0">
-                <a:ln w="18415" cmpd="sng">
-                  <a:solidFill>
-                    <a:srgbClr val="FFFFFF"/>
-                  </a:solidFill>
-                  <a:prstDash val="solid"/>
-                </a:ln>
-                <a:solidFill>
-                  <a:srgbClr val="FFFFFF"/>
-                </a:solidFill>
-                <a:effectLst>
-                  <a:outerShdw blurRad="63500" dir="3600000" algn="tl" rotWithShape="0">
-                    <a:srgbClr val="000000">
-                      <a:alpha val="70000"/>
-                    </a:srgbClr>
-                  </a:outerShdw>
-                </a:effectLst>
-              </a:rPr>
-              <a:t>而</a:t>
-            </a:r>
-            <a:r>
-              <a:rPr lang="zh-CN" altLang="en-US" dirty="0" smtClean="0">
-                <a:ln w="18415" cmpd="sng">
-                  <a:solidFill>
-                    <a:srgbClr val="FFFFFF"/>
-                  </a:solidFill>
-                  <a:prstDash val="solid"/>
-                </a:ln>
-                <a:solidFill>
-                  <a:srgbClr val="FFFFFF"/>
-                </a:solidFill>
-                <a:effectLst>
-                  <a:outerShdw blurRad="63500" dir="3600000" algn="tl" rotWithShape="0">
-                    <a:srgbClr val="000000">
-                      <a:alpha val="70000"/>
-                    </a:srgbClr>
-                  </a:outerShdw>
-                </a:effectLst>
-              </a:rPr>
-              <a:t>，</a:t>
+              <a:t>然而，</a:t>
             </a:r>
             <a:r>
               <a:rPr lang="en-US" altLang="zh-CN" dirty="0" err="1">
@@ -5915,10 +5813,10 @@
                   </a:outerShdw>
                 </a:effectLst>
               </a:rPr>
-              <a:t>3</a:t>
-            </a:r>
-            <a:r>
-              <a:rPr lang="en-US" altLang="zh-CN" sz="2000" dirty="0" smtClean="0">
+              <a:t>3.</a:t>
+            </a:r>
+            <a:r>
+              <a:rPr lang="zh-CN" altLang="en-US" sz="2000" dirty="0" smtClean="0">
                 <a:ln w="18415" cmpd="sng">
                   <a:solidFill>
                     <a:srgbClr val="FFFFFF"/>
@@ -5936,49 +5834,7 @@
                   </a:outerShdw>
                 </a:effectLst>
               </a:rPr>
-              <a:t>.</a:t>
-            </a:r>
-            <a:r>
-              <a:rPr lang="zh-CN" altLang="en-US" sz="2000" dirty="0" smtClean="0">
-                <a:ln w="18415" cmpd="sng">
-                  <a:solidFill>
-                    <a:srgbClr val="FFFFFF"/>
-                  </a:solidFill>
-                  <a:prstDash val="solid"/>
-                </a:ln>
-                <a:solidFill>
-                  <a:srgbClr val="FFFFFF"/>
-                </a:solidFill>
-                <a:effectLst>
-                  <a:outerShdw blurRad="63500" dir="3600000" algn="tl" rotWithShape="0">
-                    <a:srgbClr val="000000">
-                      <a:alpha val="70000"/>
-                    </a:srgbClr>
-                  </a:outerShdw>
-                </a:effectLst>
-              </a:rPr>
-              <a:t> </a:t>
-            </a:r>
-            <a:r>
-              <a:rPr lang="zh-CN" altLang="en-US" sz="2000" dirty="0" smtClean="0">
-                <a:ln w="18415" cmpd="sng">
-                  <a:solidFill>
-                    <a:srgbClr val="FFFFFF"/>
-                  </a:solidFill>
-                  <a:prstDash val="solid"/>
-                </a:ln>
-                <a:solidFill>
-                  <a:srgbClr val="FFFFFF"/>
-                </a:solidFill>
-                <a:effectLst>
-                  <a:outerShdw blurRad="63500" dir="3600000" algn="tl" rotWithShape="0">
-                    <a:srgbClr val="000000">
-                      <a:alpha val="70000"/>
-                    </a:srgbClr>
-                  </a:outerShdw>
-                </a:effectLst>
-              </a:rPr>
-              <a:t>使用</a:t>
+              <a:t> 使用</a:t>
             </a:r>
             <a:r>
               <a:rPr lang="en-US" altLang="zh-CN" sz="2000" dirty="0" smtClean="0">
@@ -6278,7 +6134,11 @@
           <a:lstStyle/>
           <a:p>
             <a:r>
-              <a:rPr kumimoji="1" lang="en-US" altLang="zh-CN" dirty="0" err="1"/>
+              <a:rPr kumimoji="1" lang="en-US" altLang="zh-CN" dirty="0" smtClean="0"/>
+              <a:t>	</a:t>
+            </a:r>
+            <a:r>
+              <a:rPr kumimoji="1" lang="en-US" altLang="zh-CN" dirty="0" err="1" smtClean="0"/>
               <a:t>autolayout</a:t>
             </a:r>
             <a:r>
@@ -6331,8 +6191,16 @@
           </a:p>
           <a:p>
             <a:r>
+              <a:rPr kumimoji="1" lang="en-US" altLang="zh-CN" dirty="0" smtClean="0"/>
+              <a:t>	</a:t>
+            </a:r>
+            <a:r>
+              <a:rPr kumimoji="1" lang="zh-CN" altLang="en-US" dirty="0" smtClean="0"/>
+              <a:t>根据那些视图上设置</a:t>
+            </a:r>
+            <a:r>
               <a:rPr kumimoji="1" lang="zh-CN" altLang="en-US" dirty="0"/>
-              <a:t>根据那些视图上设置的各种约束</a:t>
+              <a:t>的各种约束</a:t>
             </a:r>
             <a:r>
               <a:rPr kumimoji="1" lang="en-US" altLang="zh-CN" dirty="0"/>
@@ -6377,8 +6245,16 @@
           </a:p>
           <a:p>
             <a:r>
+              <a:rPr kumimoji="1" lang="en-US" altLang="zh-CN" dirty="0" smtClean="0"/>
+              <a:t>	</a:t>
+            </a:r>
+            <a:r>
+              <a:rPr kumimoji="1" lang="zh-CN" altLang="en-US" dirty="0" smtClean="0"/>
+              <a:t>这种基于约束</a:t>
+            </a:r>
+            <a:r>
               <a:rPr kumimoji="1" lang="zh-CN" altLang="en-US" dirty="0"/>
-              <a:t>这种基于约束方法的设计让你构建的用户界面可以动态地响应来自内部和外部的改变</a:t>
+              <a:t>方法的设计让你构建的用户界面可以动态地响应来自内部和外部的改变</a:t>
             </a:r>
             <a:r>
               <a:rPr kumimoji="1" lang="zh-CN" altLang="en-US" dirty="0" smtClean="0"/>
@@ -6391,8 +6267,16 @@
           </a:p>
           <a:p>
             <a:r>
+              <a:rPr kumimoji="1" lang="en-US" altLang="zh-CN" dirty="0" smtClean="0"/>
+              <a:t>	</a:t>
+            </a:r>
+            <a:r>
               <a:rPr kumimoji="1" lang="zh-CN" altLang="en-US" dirty="0" smtClean="0"/>
-              <a:t>外部变化：例如设备旋转、不同屏幕尺寸、</a:t>
+              <a:t>外部变化</a:t>
+            </a:r>
+            <a:r>
+              <a:rPr kumimoji="1" lang="zh-CN" altLang="en-US" dirty="0" smtClean="0"/>
+              <a:t>：例如设备旋转、不同屏幕尺寸、</a:t>
             </a:r>
             <a:r>
               <a:rPr kumimoji="1" lang="en-US" altLang="zh-CN" dirty="0" err="1" smtClean="0"/>
@@ -6405,9 +6289,18 @@
             <a:endParaRPr kumimoji="1" lang="en-US" altLang="zh-CN" dirty="0" smtClean="0"/>
           </a:p>
           <a:p>
+            <a:pPr lvl="1"/>
             <a:r>
               <a:rPr kumimoji="1" lang="zh-CN" altLang="en-US" dirty="0" smtClean="0"/>
-              <a:t>内部变化：例如视图中的控件尺寸发生变化、应用程序显示的内容发生变化、支持国际化等</a:t>
+              <a:t>内部变化：例如视图中的控件尺寸发生变化、应用程序显示</a:t>
+            </a:r>
+            <a:r>
+              <a:rPr kumimoji="1" lang="zh-CN" altLang="en-US" dirty="0" smtClean="0"/>
+              <a:t>的内容发生变化</a:t>
+            </a:r>
+            <a:r>
+              <a:rPr kumimoji="1" lang="zh-CN" altLang="en-US" dirty="0" smtClean="0"/>
+              <a:t>、支持国际化等</a:t>
             </a:r>
             <a:endParaRPr kumimoji="1" lang="zh-CN" altLang="en-US" dirty="0"/>
           </a:p>
@@ -6466,13 +6359,279 @@
         <p:spPr>
           <a:xfrm>
             <a:off x="-23550" y="-9329"/>
-            <a:ext cx="9167550" cy="6867329"/>
+            <a:ext cx="9167550" cy="7504325"/>
           </a:xfrm>
           <a:prstGeom prst="rect">
             <a:avLst/>
           </a:prstGeom>
         </p:spPr>
       </p:pic>
+      <p:sp>
+        <p:nvSpPr>
+          <p:cNvPr id="2" name="文字方塊 1"/>
+          <p:cNvSpPr txBox="1"/>
+          <p:nvPr/>
+        </p:nvSpPr>
+        <p:spPr>
+          <a:xfrm>
+            <a:off x="846594" y="391999"/>
+            <a:ext cx="6349456" cy="646331"/>
+          </a:xfrm>
+          <a:prstGeom prst="rect">
+            <a:avLst/>
+          </a:prstGeom>
+          <a:noFill/>
+        </p:spPr>
+        <p:txBody>
+          <a:bodyPr wrap="square" rtlCol="0">
+            <a:spAutoFit/>
+          </a:bodyPr>
+          <a:lstStyle/>
+          <a:p>
+            <a:r>
+              <a:rPr kumimoji="1" lang="en-US" altLang="zh-TW" sz="3600" dirty="0" smtClean="0"/>
+              <a:t>Auto</a:t>
+            </a:r>
+            <a:r>
+              <a:rPr kumimoji="1" lang="zh-CN" altLang="en-US" sz="3600" dirty="0" smtClean="0"/>
+              <a:t> </a:t>
+            </a:r>
+            <a:r>
+              <a:rPr kumimoji="1" lang="en-US" altLang="zh-CN" sz="3600" dirty="0" smtClean="0"/>
+              <a:t>Layout</a:t>
+            </a:r>
+            <a:r>
+              <a:rPr kumimoji="1" lang="zh-CN" altLang="en-US" sz="3600" dirty="0" smtClean="0"/>
+              <a:t>的用法和演示</a:t>
+            </a:r>
+            <a:endParaRPr kumimoji="1" lang="zh-TW" altLang="en-US" sz="3600" dirty="0"/>
+          </a:p>
+        </p:txBody>
+      </p:sp>
+      <p:sp>
+        <p:nvSpPr>
+          <p:cNvPr id="3" name="文字方塊 2"/>
+          <p:cNvSpPr txBox="1"/>
+          <p:nvPr/>
+        </p:nvSpPr>
+        <p:spPr>
+          <a:xfrm>
+            <a:off x="846594" y="1180359"/>
+            <a:ext cx="4734656" cy="461665"/>
+          </a:xfrm>
+          <a:prstGeom prst="rect">
+            <a:avLst/>
+          </a:prstGeom>
+          <a:noFill/>
+        </p:spPr>
+        <p:txBody>
+          <a:bodyPr wrap="square" rtlCol="0">
+            <a:spAutoFit/>
+          </a:bodyPr>
+          <a:lstStyle/>
+          <a:p>
+            <a:pPr marL="342900" indent="-342900">
+              <a:buFont typeface="Arial"/>
+              <a:buChar char="•"/>
+            </a:pPr>
+            <a:r>
+              <a:rPr kumimoji="1" lang="zh-CN" altLang="en-US" sz="2400" dirty="0" smtClean="0"/>
+              <a:t>剖析约束</a:t>
+            </a:r>
+            <a:endParaRPr kumimoji="1" lang="zh-TW" altLang="en-US" sz="2400" dirty="0"/>
+          </a:p>
+        </p:txBody>
+      </p:sp>
+      <p:sp>
+        <p:nvSpPr>
+          <p:cNvPr id="4" name="文字方塊 3"/>
+          <p:cNvSpPr txBox="1"/>
+          <p:nvPr/>
+        </p:nvSpPr>
+        <p:spPr>
+          <a:xfrm>
+            <a:off x="846594" y="1810175"/>
+            <a:ext cx="7666380" cy="923330"/>
+          </a:xfrm>
+          <a:prstGeom prst="rect">
+            <a:avLst/>
+          </a:prstGeom>
+          <a:noFill/>
+        </p:spPr>
+        <p:txBody>
+          <a:bodyPr wrap="square" rtlCol="0">
+            <a:spAutoFit/>
+          </a:bodyPr>
+          <a:lstStyle/>
+          <a:p>
+            <a:r>
+              <a:rPr kumimoji="1" lang="en-US" altLang="zh-CN" dirty="0" smtClean="0"/>
+              <a:t>	</a:t>
+            </a:r>
+            <a:r>
+              <a:rPr kumimoji="1" lang="zh-CN" altLang="en-US" dirty="0" smtClean="0"/>
+              <a:t>视图层</a:t>
+            </a:r>
+            <a:r>
+              <a:rPr kumimoji="1" lang="zh-CN" altLang="en-US" dirty="0" smtClean="0"/>
+              <a:t>次中的布局是以一系列的线性方程来定义的。每个约束表示一个方程。你的目标就是声明一系列的方程，并且每个方程有且仅有一个可能的解决方法。以下是一个方程：</a:t>
+            </a:r>
+            <a:endParaRPr kumimoji="1" lang="zh-TW" altLang="en-US" dirty="0"/>
+          </a:p>
+        </p:txBody>
+      </p:sp>
+      <p:pic>
+        <p:nvPicPr>
+          <p:cNvPr id="5" name="圖片 4" descr="view_formula_2x.png"/>
+          <p:cNvPicPr>
+            <a:picLocks noChangeAspect="1"/>
+          </p:cNvPicPr>
+          <p:nvPr/>
+        </p:nvPicPr>
+        <p:blipFill>
+          <a:blip r:embed="rId3">
+            <a:extLst>
+              <a:ext uri="{28A0092B-C50C-407E-A947-70E740481C1C}">
+                <a14:useLocalDpi xmlns:a14="http://schemas.microsoft.com/office/drawing/2010/main" val="0"/>
+              </a:ext>
+            </a:extLst>
+          </a:blip>
+          <a:stretch>
+            <a:fillRect/>
+          </a:stretch>
+        </p:blipFill>
+        <p:spPr>
+          <a:xfrm>
+            <a:off x="1568177" y="2853032"/>
+            <a:ext cx="5925749" cy="2525177"/>
+          </a:xfrm>
+          <a:prstGeom prst="rect">
+            <a:avLst/>
+          </a:prstGeom>
+        </p:spPr>
+      </p:pic>
+      <p:sp>
+        <p:nvSpPr>
+          <p:cNvPr id="6" name="文字方塊 5"/>
+          <p:cNvSpPr txBox="1"/>
+          <p:nvPr/>
+        </p:nvSpPr>
+        <p:spPr>
+          <a:xfrm>
+            <a:off x="846594" y="5657671"/>
+            <a:ext cx="7666380" cy="1200329"/>
+          </a:xfrm>
+          <a:prstGeom prst="rect">
+            <a:avLst/>
+          </a:prstGeom>
+          <a:noFill/>
+        </p:spPr>
+        <p:txBody>
+          <a:bodyPr wrap="square" rtlCol="0">
+            <a:spAutoFit/>
+          </a:bodyPr>
+          <a:lstStyle/>
+          <a:p>
+            <a:r>
+              <a:rPr kumimoji="1" lang="en-US" altLang="zh-CN" dirty="0" smtClean="0"/>
+              <a:t>	</a:t>
+            </a:r>
+            <a:r>
+              <a:rPr kumimoji="1" lang="zh-CN" altLang="en-US" dirty="0" smtClean="0"/>
+              <a:t>大多数约束定义</a:t>
+            </a:r>
+            <a:r>
+              <a:rPr kumimoji="1" lang="zh-CN" altLang="en-US" dirty="0" smtClean="0"/>
+              <a:t>了</a:t>
+            </a:r>
+            <a:r>
+              <a:rPr kumimoji="1" lang="en-US" altLang="zh-CN" dirty="0" smtClean="0"/>
+              <a:t>2</a:t>
+            </a:r>
+            <a:r>
+              <a:rPr kumimoji="1" lang="zh-CN" altLang="en-US" dirty="0" smtClean="0"/>
+              <a:t>个对象之间的一种关系。约束也可以定义一个对象中两个不同属性的关系，比如设置长宽比，或者设置宽高为一个常量值。当对象的属性是常量值时，</a:t>
+            </a:r>
+            <a:r>
+              <a:rPr kumimoji="1" lang="en-US" altLang="zh-CN" dirty="0" smtClean="0"/>
+              <a:t>item2</a:t>
+            </a:r>
+            <a:r>
+              <a:rPr kumimoji="1" lang="zh-CN" altLang="en-US" dirty="0" smtClean="0"/>
+              <a:t>留空，属性</a:t>
+            </a:r>
+            <a:r>
+              <a:rPr kumimoji="1" lang="en-US" altLang="zh-CN" dirty="0" smtClean="0"/>
+              <a:t>2</a:t>
+            </a:r>
+            <a:r>
+              <a:rPr kumimoji="1" lang="zh-CN" altLang="en-US" dirty="0" smtClean="0"/>
+              <a:t>被设为</a:t>
+            </a:r>
+            <a:r>
+              <a:rPr lang="en-US" altLang="zh-TW" dirty="0"/>
+              <a:t>Not An </a:t>
+            </a:r>
+            <a:r>
+              <a:rPr lang="en-US" altLang="zh-TW" dirty="0" smtClean="0"/>
+              <a:t>Attribute</a:t>
+            </a:r>
+            <a:r>
+              <a:rPr lang="zh-CN" altLang="en-US" dirty="0" smtClean="0"/>
+              <a:t>，</a:t>
+            </a:r>
+            <a:r>
+              <a:rPr lang="en-US" altLang="zh-CN" dirty="0" err="1" smtClean="0"/>
+              <a:t>Mutipiler</a:t>
+            </a:r>
+            <a:r>
+              <a:rPr lang="zh-CN" altLang="en-US" dirty="0" smtClean="0"/>
+              <a:t>设为</a:t>
+            </a:r>
+            <a:r>
+              <a:rPr lang="en-US" altLang="zh-CN" dirty="0" smtClean="0"/>
+              <a:t>0</a:t>
+            </a:r>
+            <a:r>
+              <a:rPr lang="zh-CN" altLang="zh-CN" dirty="0" smtClean="0"/>
+              <a:t>（</a:t>
+            </a:r>
+            <a:r>
+              <a:rPr lang="en-US" altLang="zh-CN" dirty="0" err="1" smtClean="0"/>
+              <a:t>RedView</a:t>
+            </a:r>
+            <a:r>
+              <a:rPr lang="en-US" altLang="zh-CN" dirty="0" err="1" smtClean="0"/>
+              <a:t>.height</a:t>
+            </a:r>
+            <a:r>
+              <a:rPr lang="en-US" altLang="zh-CN" dirty="0" smtClean="0"/>
+              <a:t> &gt;= </a:t>
+            </a:r>
+            <a:r>
+              <a:rPr lang="en-US" altLang="zh-CN" dirty="0"/>
+              <a:t>0.0 * </a:t>
+            </a:r>
+            <a:r>
+              <a:rPr lang="en-US" altLang="zh-CN" dirty="0" err="1"/>
+              <a:t>NotAnAttribute</a:t>
+            </a:r>
+            <a:r>
+              <a:rPr lang="en-US" altLang="zh-CN" dirty="0"/>
+              <a:t> + </a:t>
+            </a:r>
+            <a:r>
+              <a:rPr lang="en-US" altLang="zh-CN" dirty="0" smtClean="0"/>
+              <a:t>8.0</a:t>
+            </a:r>
+            <a:r>
+              <a:rPr lang="zh-CN" altLang="en-US" dirty="0" smtClean="0"/>
+              <a:t>）。</a:t>
+            </a:r>
+            <a:endParaRPr kumimoji="1" lang="zh-TW" altLang="en-US" dirty="0"/>
+          </a:p>
+        </p:txBody>
+      </p:sp>
     </p:spTree>
     <p:extLst>
       <p:ext uri="{BB962C8B-B14F-4D97-AF65-F5344CB8AC3E}">
@@ -6527,6 +6686,192 @@
           <a:xfrm>
             <a:off x="-23550" y="-9329"/>
             <a:ext cx="9167550" cy="6867329"/>
+          </a:xfrm>
+          <a:prstGeom prst="rect">
+            <a:avLst/>
+          </a:prstGeom>
+        </p:spPr>
+      </p:pic>
+      <p:sp>
+        <p:nvSpPr>
+          <p:cNvPr id="3" name="文字方塊 2"/>
+          <p:cNvSpPr txBox="1"/>
+          <p:nvPr/>
+        </p:nvSpPr>
+        <p:spPr>
+          <a:xfrm>
+            <a:off x="846594" y="459084"/>
+            <a:ext cx="4734656" cy="461665"/>
+          </a:xfrm>
+          <a:prstGeom prst="rect">
+            <a:avLst/>
+          </a:prstGeom>
+          <a:noFill/>
+        </p:spPr>
+        <p:txBody>
+          <a:bodyPr wrap="square" rtlCol="0">
+            <a:spAutoFit/>
+          </a:bodyPr>
+          <a:lstStyle/>
+          <a:p>
+            <a:pPr marL="342900" indent="-342900">
+              <a:buFont typeface="Arial"/>
+              <a:buChar char="•"/>
+            </a:pPr>
+            <a:r>
+              <a:rPr lang="en-US" altLang="zh-TW" sz="2400" dirty="0"/>
+              <a:t>Auto Layout Attributes</a:t>
+            </a:r>
+            <a:endParaRPr kumimoji="1" lang="zh-TW" altLang="en-US" sz="2400" dirty="0"/>
+          </a:p>
+        </p:txBody>
+      </p:sp>
+      <p:sp>
+        <p:nvSpPr>
+          <p:cNvPr id="2" name="文字方塊 1"/>
+          <p:cNvSpPr txBox="1"/>
+          <p:nvPr/>
+        </p:nvSpPr>
+        <p:spPr>
+          <a:xfrm>
+            <a:off x="846594" y="1144633"/>
+            <a:ext cx="7337149" cy="923330"/>
+          </a:xfrm>
+          <a:prstGeom prst="rect">
+            <a:avLst/>
+          </a:prstGeom>
+          <a:noFill/>
+        </p:spPr>
+        <p:txBody>
+          <a:bodyPr wrap="square" rtlCol="0">
+            <a:spAutoFit/>
+          </a:bodyPr>
+          <a:lstStyle/>
+          <a:p>
+            <a:r>
+              <a:rPr kumimoji="1" lang="en-US" altLang="zh-CN" dirty="0" smtClean="0"/>
+              <a:t>	</a:t>
+            </a:r>
+            <a:r>
+              <a:rPr kumimoji="1" lang="zh-CN" altLang="en-US" dirty="0" smtClean="0"/>
+              <a:t>自动</a:t>
+            </a:r>
+            <a:r>
+              <a:rPr kumimoji="1" lang="zh-CN" altLang="en-US" dirty="0" smtClean="0"/>
+              <a:t>布局中，属性定义了可以被约束的特征。通常，这些约束包括四条边（上下左右），高度宽度，以及纵向横向中心等。文本对象还有一个或多个</a:t>
+            </a:r>
+            <a:r>
+              <a:rPr kumimoji="1" lang="en-US" altLang="zh-CN" dirty="0" smtClean="0"/>
+              <a:t>baseline</a:t>
+            </a:r>
+            <a:r>
+              <a:rPr kumimoji="1" lang="zh-CN" altLang="en-US" dirty="0" smtClean="0"/>
+              <a:t>属性。</a:t>
+            </a:r>
+            <a:endParaRPr kumimoji="1" lang="zh-TW" altLang="en-US" dirty="0"/>
+          </a:p>
+        </p:txBody>
+      </p:sp>
+      <p:pic>
+        <p:nvPicPr>
+          <p:cNvPr id="4" name="圖片 3" descr="attributes_2x.png"/>
+          <p:cNvPicPr>
+            <a:picLocks noChangeAspect="1"/>
+          </p:cNvPicPr>
+          <p:nvPr/>
+        </p:nvPicPr>
+        <p:blipFill>
+          <a:blip r:embed="rId3">
+            <a:extLst>
+              <a:ext uri="{28A0092B-C50C-407E-A947-70E740481C1C}">
+                <a14:useLocalDpi xmlns:a14="http://schemas.microsoft.com/office/drawing/2010/main" val="0"/>
+              </a:ext>
+            </a:extLst>
+          </a:blip>
+          <a:stretch>
+            <a:fillRect/>
+          </a:stretch>
+        </p:blipFill>
+        <p:spPr>
+          <a:xfrm>
+            <a:off x="219488" y="2067963"/>
+            <a:ext cx="3266795" cy="2883244"/>
+          </a:xfrm>
+          <a:prstGeom prst="rect">
+            <a:avLst/>
+          </a:prstGeom>
+        </p:spPr>
+      </p:pic>
+      <p:sp>
+        <p:nvSpPr>
+          <p:cNvPr id="5" name="文字方塊 4"/>
+          <p:cNvSpPr txBox="1"/>
+          <p:nvPr/>
+        </p:nvSpPr>
+        <p:spPr>
+          <a:xfrm>
+            <a:off x="846594" y="5053942"/>
+            <a:ext cx="7337149" cy="1200329"/>
+          </a:xfrm>
+          <a:prstGeom prst="rect">
+            <a:avLst/>
+          </a:prstGeom>
+          <a:noFill/>
+        </p:spPr>
+        <p:txBody>
+          <a:bodyPr wrap="square" rtlCol="0">
+            <a:spAutoFit/>
+          </a:bodyPr>
+          <a:lstStyle/>
+          <a:p>
+            <a:r>
+              <a:rPr kumimoji="1" lang="en-US" altLang="zh-CN" dirty="0" smtClean="0"/>
+              <a:t>	</a:t>
+            </a:r>
+            <a:r>
+              <a:rPr kumimoji="1" lang="zh-CN" altLang="en-US" dirty="0" smtClean="0"/>
+              <a:t>根据这些</a:t>
+            </a:r>
+            <a:r>
+              <a:rPr kumimoji="1" lang="zh-CN" altLang="en-US" dirty="0" smtClean="0"/>
+              <a:t>属性特性可以分为两种，尺寸属性（高</a:t>
+            </a:r>
+            <a:r>
+              <a:rPr kumimoji="1" lang="zh-CN" altLang="zh-CN" dirty="0" smtClean="0"/>
+              <a:t>、</a:t>
+            </a:r>
+            <a:r>
+              <a:rPr kumimoji="1" lang="zh-CN" altLang="en-US" dirty="0" smtClean="0"/>
+              <a:t>宽）和位置属性（上下左右）。尺寸属性用来指定对象多大，位置属性用来指定对象相对于别的对象的位置。一般来说，约束必须同时定义每个视图的尺寸和位置。</a:t>
+            </a:r>
+            <a:endParaRPr kumimoji="1" lang="zh-TW" altLang="en-US" dirty="0"/>
+          </a:p>
+        </p:txBody>
+      </p:sp>
+      <p:pic>
+        <p:nvPicPr>
+          <p:cNvPr id="6" name="圖片 5" descr="屏幕快照 2017-08-23 上午9.50.17.png"/>
+          <p:cNvPicPr>
+            <a:picLocks noChangeAspect="1"/>
+          </p:cNvPicPr>
+          <p:nvPr/>
+        </p:nvPicPr>
+        <p:blipFill>
+          <a:blip r:embed="rId4">
+            <a:extLst>
+              <a:ext uri="{28A0092B-C50C-407E-A947-70E740481C1C}">
+                <a14:useLocalDpi xmlns:a14="http://schemas.microsoft.com/office/drawing/2010/main" val="0"/>
+              </a:ext>
+            </a:extLst>
+          </a:blip>
+          <a:stretch>
+            <a:fillRect/>
+          </a:stretch>
+        </p:blipFill>
+        <p:spPr>
+          <a:xfrm>
+            <a:off x="3690092" y="2067963"/>
+            <a:ext cx="5216472" cy="2883244"/>
           </a:xfrm>
           <a:prstGeom prst="rect">
             <a:avLst/>
@@ -6593,6 +6938,250 @@
           </a:prstGeom>
         </p:spPr>
       </p:pic>
+      <p:sp>
+        <p:nvSpPr>
+          <p:cNvPr id="3" name="文字方塊 2"/>
+          <p:cNvSpPr txBox="1"/>
+          <p:nvPr/>
+        </p:nvSpPr>
+        <p:spPr>
+          <a:xfrm>
+            <a:off x="846594" y="459084"/>
+            <a:ext cx="4734656" cy="461665"/>
+          </a:xfrm>
+          <a:prstGeom prst="rect">
+            <a:avLst/>
+          </a:prstGeom>
+          <a:noFill/>
+        </p:spPr>
+        <p:txBody>
+          <a:bodyPr wrap="square" rtlCol="0">
+            <a:spAutoFit/>
+          </a:bodyPr>
+          <a:lstStyle/>
+          <a:p>
+            <a:pPr marL="342900" indent="-342900">
+              <a:buFont typeface="Arial"/>
+              <a:buChar char="•"/>
+            </a:pPr>
+            <a:r>
+              <a:rPr lang="en-US" altLang="zh-TW" sz="2400" dirty="0"/>
+              <a:t>Constraint Priorities</a:t>
+            </a:r>
+            <a:endParaRPr kumimoji="1" lang="zh-TW" altLang="en-US" sz="2400" dirty="0"/>
+          </a:p>
+        </p:txBody>
+      </p:sp>
+      <p:sp>
+        <p:nvSpPr>
+          <p:cNvPr id="5" name="文字方塊 4"/>
+          <p:cNvSpPr txBox="1"/>
+          <p:nvPr/>
+        </p:nvSpPr>
+        <p:spPr>
+          <a:xfrm>
+            <a:off x="862272" y="1175993"/>
+            <a:ext cx="7337149" cy="4247317"/>
+          </a:xfrm>
+          <a:prstGeom prst="rect">
+            <a:avLst/>
+          </a:prstGeom>
+          <a:noFill/>
+        </p:spPr>
+        <p:txBody>
+          <a:bodyPr wrap="square" rtlCol="0">
+            <a:spAutoFit/>
+          </a:bodyPr>
+          <a:lstStyle/>
+          <a:p>
+            <a:r>
+              <a:rPr kumimoji="1" lang="en-US" altLang="zh-CN" dirty="0" smtClean="0">
+                <a:latin typeface="宋体"/>
+                <a:ea typeface="宋体"/>
+                <a:cs typeface="宋体"/>
+              </a:rPr>
+              <a:t>	</a:t>
+            </a:r>
+            <a:r>
+              <a:rPr kumimoji="1" lang="zh-CN" altLang="en-US" dirty="0" smtClean="0">
+                <a:latin typeface="宋体"/>
+                <a:ea typeface="宋体"/>
+                <a:cs typeface="宋体"/>
+              </a:rPr>
+              <a:t>默认情况下</a:t>
+            </a:r>
+            <a:r>
+              <a:rPr kumimoji="1" lang="zh-CN" altLang="en-US" dirty="0">
+                <a:latin typeface="宋体"/>
+                <a:ea typeface="宋体"/>
+                <a:cs typeface="宋体"/>
+              </a:rPr>
+              <a:t>，所有的约束都需要。 自动布局必须计算一种方法来满足所有的约束。 如果不可能，则会发生一个错误。 自动布局把不满足的约束打印到</a:t>
+            </a:r>
+            <a:r>
+              <a:rPr kumimoji="1" lang="en-US" altLang="zh-CN" dirty="0">
+                <a:latin typeface="宋体"/>
+                <a:ea typeface="宋体"/>
+                <a:cs typeface="宋体"/>
+              </a:rPr>
+              <a:t>console(</a:t>
+            </a:r>
+            <a:r>
+              <a:rPr kumimoji="1" lang="zh-CN" altLang="en-US" dirty="0">
+                <a:latin typeface="宋体"/>
+                <a:ea typeface="宋体"/>
+                <a:cs typeface="宋体"/>
+              </a:rPr>
+              <a:t>控制台</a:t>
+            </a:r>
+            <a:r>
+              <a:rPr kumimoji="1" lang="en-US" altLang="zh-CN" dirty="0">
+                <a:latin typeface="宋体"/>
+                <a:ea typeface="宋体"/>
+                <a:cs typeface="宋体"/>
+              </a:rPr>
+              <a:t>)</a:t>
+            </a:r>
+            <a:r>
+              <a:rPr kumimoji="1" lang="zh-CN" altLang="en-US" dirty="0">
+                <a:latin typeface="宋体"/>
+                <a:ea typeface="宋体"/>
+                <a:cs typeface="宋体"/>
+              </a:rPr>
+              <a:t>，同时选择它们中的一个约束打破它。 然后，自动布局重新计算满足所有约束，除了被打破约束之外所有约束的方法</a:t>
+            </a:r>
+            <a:r>
+              <a:rPr kumimoji="1" lang="zh-CN" altLang="en-US" dirty="0" smtClean="0">
+                <a:latin typeface="宋体"/>
+                <a:ea typeface="宋体"/>
+                <a:cs typeface="宋体"/>
+              </a:rPr>
+              <a:t>。</a:t>
+            </a:r>
+            <a:endParaRPr kumimoji="1" lang="en-US" altLang="zh-CN" dirty="0" smtClean="0">
+              <a:latin typeface="宋体"/>
+              <a:ea typeface="宋体"/>
+              <a:cs typeface="宋体"/>
+            </a:endParaRPr>
+          </a:p>
+          <a:p>
+            <a:r>
+              <a:rPr kumimoji="1" lang="en-US" altLang="zh-TW" dirty="0" smtClean="0">
+                <a:latin typeface="宋体"/>
+                <a:ea typeface="宋体"/>
+                <a:cs typeface="宋体"/>
+              </a:rPr>
+              <a:t>	</a:t>
+            </a:r>
+            <a:r>
+              <a:rPr kumimoji="1" lang="zh-TW" altLang="en-US" dirty="0" smtClean="0">
+                <a:latin typeface="宋体"/>
+                <a:ea typeface="宋体"/>
+                <a:cs typeface="宋体"/>
+              </a:rPr>
+              <a:t>你还可以创建可选</a:t>
+            </a:r>
+            <a:r>
+              <a:rPr kumimoji="1" lang="zh-TW" altLang="en-US" dirty="0">
+                <a:latin typeface="宋体"/>
+                <a:ea typeface="宋体"/>
+                <a:cs typeface="宋体"/>
+              </a:rPr>
+              <a:t>的约束。 所有的约束都有一个</a:t>
+            </a:r>
+            <a:r>
+              <a:rPr kumimoji="1" lang="en-US" altLang="zh-TW" dirty="0">
+                <a:latin typeface="宋体"/>
+                <a:ea typeface="宋体"/>
+                <a:cs typeface="宋体"/>
+              </a:rPr>
+              <a:t>1-1000</a:t>
+            </a:r>
+            <a:r>
+              <a:rPr kumimoji="1" lang="zh-TW" altLang="en-US" dirty="0">
+                <a:latin typeface="宋体"/>
+                <a:ea typeface="宋体"/>
+                <a:cs typeface="宋体"/>
+              </a:rPr>
+              <a:t>之间的优先值。 优先值为</a:t>
+            </a:r>
+            <a:r>
+              <a:rPr kumimoji="1" lang="en-US" altLang="zh-TW" dirty="0">
+                <a:latin typeface="宋体"/>
+                <a:ea typeface="宋体"/>
+                <a:cs typeface="宋体"/>
+              </a:rPr>
+              <a:t>1000</a:t>
+            </a:r>
+            <a:r>
+              <a:rPr kumimoji="1" lang="zh-TW" altLang="en-US" dirty="0">
+                <a:latin typeface="宋体"/>
+                <a:ea typeface="宋体"/>
+                <a:cs typeface="宋体"/>
+              </a:rPr>
+              <a:t>的约束是必要约束，其它约束为可选约束。</a:t>
+            </a:r>
+          </a:p>
+          <a:p>
+            <a:r>
+              <a:rPr kumimoji="1" lang="zh-TW" altLang="en-US" dirty="0" smtClean="0">
+                <a:latin typeface="宋体"/>
+                <a:ea typeface="宋体"/>
+                <a:cs typeface="宋体"/>
+              </a:rPr>
+              <a:t>当自动布局计算解决方法时</a:t>
+            </a:r>
+            <a:r>
+              <a:rPr kumimoji="1" lang="zh-TW" altLang="en-US" dirty="0">
+                <a:latin typeface="宋体"/>
+                <a:ea typeface="宋体"/>
+                <a:cs typeface="宋体"/>
+              </a:rPr>
+              <a:t>，它会从优先值高的约束开始尝试满足所有的约束。如果它不能满足一个可选的约束，它就会跳过这个约束继续满足下个约束。</a:t>
+            </a:r>
+          </a:p>
+          <a:p>
+            <a:r>
+              <a:rPr kumimoji="1" lang="en-US" altLang="zh-TW" dirty="0" smtClean="0">
+                <a:latin typeface="宋体"/>
+                <a:ea typeface="宋体"/>
+                <a:cs typeface="宋体"/>
+              </a:rPr>
+              <a:t>	</a:t>
+            </a:r>
+            <a:r>
+              <a:rPr kumimoji="1" lang="zh-TW" altLang="en-US" dirty="0" smtClean="0">
+                <a:latin typeface="宋体"/>
+                <a:ea typeface="宋体"/>
+                <a:cs typeface="宋体"/>
+              </a:rPr>
+              <a:t>即使一个可选约</a:t>
+            </a:r>
+            <a:r>
+              <a:rPr kumimoji="1" lang="zh-TW" altLang="en-US" dirty="0">
+                <a:latin typeface="宋体"/>
+                <a:ea typeface="宋体"/>
+                <a:cs typeface="宋体"/>
+              </a:rPr>
+              <a:t>束不能被满足，它也还是影响着布局。如果自动布局跳过可选约束后，布局变成模棱两可，系统会选择最接近约束的解决方法。 这个方法，不满足的可选约束就像一个拉力把视图拉向它们。</a:t>
+            </a:r>
+          </a:p>
+          <a:p>
+            <a:endParaRPr kumimoji="1" lang="zh-TW" altLang="en-US" dirty="0">
+              <a:latin typeface="宋体"/>
+              <a:ea typeface="宋体"/>
+              <a:cs typeface="宋体"/>
+            </a:endParaRPr>
+          </a:p>
+          <a:p>
+            <a:endParaRPr kumimoji="1" lang="en-US" altLang="zh-CN" dirty="0" smtClean="0">
+              <a:latin typeface="宋体"/>
+              <a:ea typeface="宋体"/>
+              <a:cs typeface="宋体"/>
+            </a:endParaRPr>
+          </a:p>
+        </p:txBody>
+      </p:sp>
     </p:spTree>
     <p:extLst>
       <p:ext uri="{BB962C8B-B14F-4D97-AF65-F5344CB8AC3E}">
@@ -6603,6 +7192,13 @@
   <p:clrMapOvr>
     <a:masterClrMapping/>
   </p:clrMapOvr>
+  <p:timing>
+    <p:tnLst>
+      <p:par>
+        <p:cTn xmlns:p14="http://schemas.microsoft.com/office/powerpoint/2010/main" id="1" dur="indefinite" restart="never" nodeType="tmRoot"/>
+      </p:par>
+    </p:tnLst>
+  </p:timing>
 </p:sld>
 </file>
 
@@ -6646,7 +7242,317 @@
         <p:spPr>
           <a:xfrm>
             <a:off x="-23550" y="-9329"/>
-            <a:ext cx="9167550" cy="6867329"/>
+            <a:ext cx="9167550" cy="7395649"/>
+          </a:xfrm>
+          <a:prstGeom prst="rect">
+            <a:avLst/>
+          </a:prstGeom>
+        </p:spPr>
+      </p:pic>
+      <p:sp>
+        <p:nvSpPr>
+          <p:cNvPr id="3" name="文字方塊 2"/>
+          <p:cNvSpPr txBox="1"/>
+          <p:nvPr/>
+        </p:nvSpPr>
+        <p:spPr>
+          <a:xfrm>
+            <a:off x="846594" y="459084"/>
+            <a:ext cx="4734656" cy="461665"/>
+          </a:xfrm>
+          <a:prstGeom prst="rect">
+            <a:avLst/>
+          </a:prstGeom>
+          <a:noFill/>
+        </p:spPr>
+        <p:txBody>
+          <a:bodyPr wrap="square" rtlCol="0">
+            <a:spAutoFit/>
+          </a:bodyPr>
+          <a:lstStyle/>
+          <a:p>
+            <a:pPr marL="342900" indent="-342900">
+              <a:buFont typeface="Arial"/>
+              <a:buChar char="•"/>
+            </a:pPr>
+            <a:r>
+              <a:rPr lang="en-US" altLang="zh-TW" sz="2400" dirty="0"/>
+              <a:t>Intrinsic Content Size</a:t>
+            </a:r>
+            <a:endParaRPr kumimoji="1" lang="zh-TW" altLang="en-US" sz="2400" dirty="0"/>
+          </a:p>
+        </p:txBody>
+      </p:sp>
+      <p:sp>
+        <p:nvSpPr>
+          <p:cNvPr id="5" name="文字方塊 4"/>
+          <p:cNvSpPr txBox="1"/>
+          <p:nvPr/>
+        </p:nvSpPr>
+        <p:spPr>
+          <a:xfrm>
+            <a:off x="862272" y="1175993"/>
+            <a:ext cx="7823156" cy="2308324"/>
+          </a:xfrm>
+          <a:prstGeom prst="rect">
+            <a:avLst/>
+          </a:prstGeom>
+          <a:noFill/>
+        </p:spPr>
+        <p:txBody>
+          <a:bodyPr wrap="square" rtlCol="0">
+            <a:spAutoFit/>
+          </a:bodyPr>
+          <a:lstStyle/>
+          <a:p>
+            <a:r>
+              <a:rPr kumimoji="1" lang="en-US" altLang="zh-CN" dirty="0" smtClean="0">
+                <a:latin typeface="宋体"/>
+                <a:ea typeface="宋体"/>
+                <a:cs typeface="宋体"/>
+              </a:rPr>
+              <a:t>	</a:t>
+            </a:r>
+            <a:r>
+              <a:rPr kumimoji="1" lang="zh-TW" altLang="en-US" dirty="0">
+                <a:latin typeface="宋体"/>
+                <a:ea typeface="宋体"/>
+                <a:cs typeface="宋体"/>
+              </a:rPr>
+              <a:t>到目前为止，所有的示例都使用约束来定义视图的位置和它的尺寸。 但是，一些视图本身就有一个内在的内容尺寸。 这就是它们的内在内容尺寸。 比如，一个按钮的内在内容尺寸是它的标题尺寸</a:t>
+            </a:r>
+            <a:r>
+              <a:rPr kumimoji="1" lang="en-US" altLang="zh-TW" dirty="0">
+                <a:latin typeface="宋体"/>
+                <a:ea typeface="宋体"/>
+                <a:cs typeface="宋体"/>
+              </a:rPr>
+              <a:t>+</a:t>
+            </a:r>
+            <a:r>
+              <a:rPr kumimoji="1" lang="zh-TW" altLang="en-US" dirty="0">
+                <a:latin typeface="宋体"/>
+                <a:ea typeface="宋体"/>
+                <a:cs typeface="宋体"/>
+              </a:rPr>
+              <a:t>一个小边距。</a:t>
+            </a:r>
+          </a:p>
+          <a:p>
+            <a:endParaRPr kumimoji="1" lang="zh-TW" altLang="en-US" dirty="0">
+              <a:latin typeface="宋体"/>
+              <a:ea typeface="宋体"/>
+              <a:cs typeface="宋体"/>
+            </a:endParaRPr>
+          </a:p>
+          <a:p>
+            <a:r>
+              <a:rPr kumimoji="1" lang="en-US" altLang="zh-TW" dirty="0" smtClean="0">
+                <a:latin typeface="宋体"/>
+                <a:ea typeface="宋体"/>
+                <a:cs typeface="宋体"/>
+              </a:rPr>
+              <a:t>	</a:t>
+            </a:r>
+            <a:r>
+              <a:rPr kumimoji="1" lang="zh-TW" altLang="en-US" dirty="0" smtClean="0">
+                <a:latin typeface="宋体"/>
+                <a:ea typeface="宋体"/>
+                <a:cs typeface="宋体"/>
+              </a:rPr>
+              <a:t>并</a:t>
+            </a:r>
+            <a:r>
+              <a:rPr kumimoji="1" lang="zh-TW" altLang="en-US" dirty="0">
+                <a:latin typeface="宋体"/>
+                <a:ea typeface="宋体"/>
+                <a:cs typeface="宋体"/>
+              </a:rPr>
+              <a:t>不是所有的视图都有一个内在内容尺寸。 对于有内在内容尺寸的视图，该尺寸会定义视图的高度，它的宽度或者两</a:t>
+            </a:r>
+            <a:r>
+              <a:rPr kumimoji="1" lang="zh-TW" altLang="en-US" dirty="0" smtClean="0">
+                <a:latin typeface="宋体"/>
+                <a:ea typeface="宋体"/>
+                <a:cs typeface="宋体"/>
+              </a:rPr>
+              <a:t>者都定义</a:t>
+            </a:r>
+            <a:r>
+              <a:rPr kumimoji="1" lang="zh-TW" altLang="en-US" dirty="0" smtClean="0">
+                <a:latin typeface="宋体"/>
+                <a:ea typeface="宋体"/>
+                <a:cs typeface="宋体"/>
+              </a:rPr>
+              <a:t>，</a:t>
+            </a:r>
+            <a:r>
+              <a:rPr kumimoji="1" lang="zh-CN" altLang="en-US" dirty="0" smtClean="0">
+                <a:latin typeface="宋体"/>
+                <a:ea typeface="宋体"/>
+                <a:cs typeface="宋体"/>
+              </a:rPr>
+              <a:t>如下图：</a:t>
+            </a:r>
+            <a:endParaRPr kumimoji="1" lang="zh-TW" altLang="en-US" dirty="0">
+              <a:latin typeface="宋体"/>
+              <a:ea typeface="宋体"/>
+              <a:cs typeface="宋体"/>
+            </a:endParaRPr>
+          </a:p>
+          <a:p>
+            <a:endParaRPr kumimoji="1" lang="zh-TW" altLang="en-US" dirty="0">
+              <a:latin typeface="宋体"/>
+              <a:ea typeface="宋体"/>
+              <a:cs typeface="宋体"/>
+            </a:endParaRPr>
+          </a:p>
+          <a:p>
+            <a:endParaRPr kumimoji="1" lang="en-US" altLang="zh-CN" dirty="0" smtClean="0">
+              <a:latin typeface="宋体"/>
+              <a:ea typeface="宋体"/>
+              <a:cs typeface="宋体"/>
+            </a:endParaRPr>
+          </a:p>
+        </p:txBody>
+      </p:sp>
+      <p:pic>
+        <p:nvPicPr>
+          <p:cNvPr id="2" name="圖片 1" descr="屏幕快照 2017-08-23 下午1.47.40.png"/>
+          <p:cNvPicPr>
+            <a:picLocks noChangeAspect="1"/>
+          </p:cNvPicPr>
+          <p:nvPr/>
+        </p:nvPicPr>
+        <p:blipFill>
+          <a:blip r:embed="rId3">
+            <a:extLst>
+              <a:ext uri="{28A0092B-C50C-407E-A947-70E740481C1C}">
+                <a14:useLocalDpi xmlns:a14="http://schemas.microsoft.com/office/drawing/2010/main" val="0"/>
+              </a:ext>
+            </a:extLst>
+          </a:blip>
+          <a:stretch>
+            <a:fillRect/>
+          </a:stretch>
+        </p:blipFill>
+        <p:spPr>
+          <a:xfrm>
+            <a:off x="846594" y="3273337"/>
+            <a:ext cx="7207384" cy="1054318"/>
+          </a:xfrm>
+          <a:prstGeom prst="rect">
+            <a:avLst/>
+          </a:prstGeom>
+        </p:spPr>
+      </p:pic>
+      <p:sp>
+        <p:nvSpPr>
+          <p:cNvPr id="6" name="矩形 5"/>
+          <p:cNvSpPr/>
+          <p:nvPr/>
+        </p:nvSpPr>
+        <p:spPr>
+          <a:xfrm>
+            <a:off x="846594" y="4619340"/>
+            <a:ext cx="7838834" cy="1200329"/>
+          </a:xfrm>
+          <a:prstGeom prst="rect">
+            <a:avLst/>
+          </a:prstGeom>
+        </p:spPr>
+        <p:txBody>
+          <a:bodyPr wrap="square">
+            <a:spAutoFit/>
+          </a:bodyPr>
+          <a:lstStyle/>
+          <a:p>
+            <a:r>
+              <a:rPr lang="en-US" altLang="zh-TW" dirty="0" smtClean="0">
+                <a:latin typeface="宋体"/>
+                <a:ea typeface="宋体"/>
+                <a:cs typeface="宋体"/>
+              </a:rPr>
+              <a:t>	</a:t>
+            </a:r>
+            <a:r>
+              <a:rPr lang="zh-TW" altLang="en-US" dirty="0" smtClean="0">
+                <a:latin typeface="宋体"/>
+                <a:ea typeface="宋体"/>
+                <a:cs typeface="宋体"/>
+              </a:rPr>
+              <a:t>自动布局用给每个尺寸指定一对约</a:t>
+            </a:r>
+            <a:r>
+              <a:rPr lang="zh-TW" altLang="en-US" dirty="0">
+                <a:latin typeface="宋体"/>
+                <a:ea typeface="宋体"/>
+                <a:cs typeface="宋体"/>
+              </a:rPr>
+              <a:t>束来表示一个视图的内在内容尺寸。 </a:t>
+            </a:r>
+            <a:r>
+              <a:rPr lang="en-US" altLang="zh-TW" dirty="0">
+                <a:latin typeface="宋体"/>
+                <a:ea typeface="宋体"/>
+                <a:cs typeface="宋体"/>
+              </a:rPr>
+              <a:t>content hugging </a:t>
+            </a:r>
+            <a:r>
+              <a:rPr lang="zh-TW" altLang="en-US" dirty="0">
+                <a:latin typeface="宋体"/>
+                <a:ea typeface="宋体"/>
+                <a:cs typeface="宋体"/>
+              </a:rPr>
+              <a:t>把视图拉紧，是它紧紧围绕在内容周围。 </a:t>
+            </a:r>
+            <a:r>
+              <a:rPr lang="en-US" altLang="zh-TW" dirty="0">
+                <a:latin typeface="宋体"/>
+                <a:ea typeface="宋体"/>
+                <a:cs typeface="宋体"/>
+              </a:rPr>
+              <a:t>compression resistance </a:t>
+            </a:r>
+            <a:r>
+              <a:rPr lang="zh-TW" altLang="en-US" dirty="0">
+                <a:latin typeface="宋体"/>
+                <a:ea typeface="宋体"/>
+                <a:cs typeface="宋体"/>
+              </a:rPr>
+              <a:t>把视图往外推，这样它就不会把内容剪掉。</a:t>
+            </a:r>
+          </a:p>
+          <a:p>
+            <a:endParaRPr lang="zh-TW" altLang="en-US" dirty="0"/>
+          </a:p>
+        </p:txBody>
+      </p:sp>
+      <p:pic>
+        <p:nvPicPr>
+          <p:cNvPr id="7" name="圖片 6" descr="intrinsic_content_size_2x.png"/>
+          <p:cNvPicPr>
+            <a:picLocks noChangeAspect="1"/>
+          </p:cNvPicPr>
+          <p:nvPr/>
+        </p:nvPicPr>
+        <p:blipFill>
+          <a:blip r:embed="rId4">
+            <a:extLst>
+              <a:ext uri="{28A0092B-C50C-407E-A947-70E740481C1C}">
+                <a14:useLocalDpi xmlns:a14="http://schemas.microsoft.com/office/drawing/2010/main" val="0"/>
+              </a:ext>
+            </a:extLst>
+          </a:blip>
+          <a:stretch>
+            <a:fillRect/>
+          </a:stretch>
+        </p:blipFill>
+        <p:spPr>
+          <a:xfrm>
+            <a:off x="2198640" y="5661437"/>
+            <a:ext cx="4746566" cy="1630803"/>
           </a:xfrm>
           <a:prstGeom prst="rect">
             <a:avLst/>
@@ -6663,6 +7569,13 @@
   <p:clrMapOvr>
     <a:masterClrMapping/>
   </p:clrMapOvr>
+  <p:timing>
+    <p:tnLst>
+      <p:par>
+        <p:cTn xmlns:p14="http://schemas.microsoft.com/office/powerpoint/2010/main" id="1" dur="indefinite" restart="never" nodeType="tmRoot"/>
+      </p:par>
+    </p:tnLst>
+  </p:timing>
 </p:sld>
 </file>
 

--- a/Auto Layout.pptx
+++ b/Auto Layout.pptx
@@ -4,16 +4,26 @@
   <p:sldMasterIdLst>
     <p:sldMasterId id="2147483752" r:id="rId1"/>
   </p:sldMasterIdLst>
+  <p:notesMasterIdLst>
+    <p:notesMasterId r:id="rId18"/>
+  </p:notesMasterIdLst>
   <p:sldIdLst>
     <p:sldId id="256" r:id="rId2"/>
     <p:sldId id="257" r:id="rId3"/>
     <p:sldId id="258" r:id="rId4"/>
     <p:sldId id="260" r:id="rId5"/>
     <p:sldId id="259" r:id="rId6"/>
-    <p:sldId id="261" r:id="rId7"/>
-    <p:sldId id="262" r:id="rId8"/>
+    <p:sldId id="262" r:id="rId7"/>
+    <p:sldId id="261" r:id="rId8"/>
     <p:sldId id="263" r:id="rId9"/>
     <p:sldId id="264" r:id="rId10"/>
+    <p:sldId id="265" r:id="rId11"/>
+    <p:sldId id="266" r:id="rId12"/>
+    <p:sldId id="267" r:id="rId13"/>
+    <p:sldId id="268" r:id="rId14"/>
+    <p:sldId id="269" r:id="rId15"/>
+    <p:sldId id="270" r:id="rId16"/>
+    <p:sldId id="271" r:id="rId17"/>
   </p:sldIdLst>
   <p:sldSz cx="9144000" cy="6858000" type="screen4x3"/>
   <p:notesSz cx="6858000" cy="9144000"/>
@@ -122,16 +132,457 @@
             <p14:sldId id="258"/>
             <p14:sldId id="260"/>
             <p14:sldId id="259"/>
+            <p14:sldId id="262"/>
             <p14:sldId id="261"/>
-            <p14:sldId id="262"/>
             <p14:sldId id="263"/>
             <p14:sldId id="264"/>
+            <p14:sldId id="265"/>
+            <p14:sldId id="266"/>
+            <p14:sldId id="267"/>
+            <p14:sldId id="268"/>
+            <p14:sldId id="269"/>
+            <p14:sldId id="270"/>
+            <p14:sldId id="271"/>
           </p14:sldIdLst>
         </p14:section>
       </p14:sectionLst>
     </p:ext>
   </p:extLst>
 </p:presentation>
+</file>
+
+<file path=ppt/notesMasters/notesMaster1.xml><?xml version="1.0" encoding="utf-8"?>
+<p:notesMaster xmlns:a="http://schemas.openxmlformats.org/drawingml/2006/main" xmlns:r="http://schemas.openxmlformats.org/officeDocument/2006/relationships" xmlns:p="http://schemas.openxmlformats.org/presentationml/2006/main">
+  <p:cSld>
+    <p:bg>
+      <p:bgRef idx="1001">
+        <a:schemeClr val="bg1"/>
+      </p:bgRef>
+    </p:bg>
+    <p:spTree>
+      <p:nvGrpSpPr>
+        <p:cNvPr id="1" name=""/>
+        <p:cNvGrpSpPr/>
+        <p:nvPr/>
+      </p:nvGrpSpPr>
+      <p:grpSpPr>
+        <a:xfrm>
+          <a:off x="0" y="0"/>
+          <a:ext cx="0" cy="0"/>
+          <a:chOff x="0" y="0"/>
+          <a:chExt cx="0" cy="0"/>
+        </a:xfrm>
+      </p:grpSpPr>
+      <p:sp>
+        <p:nvSpPr>
+          <p:cNvPr id="2" name="页眉占位符 1"/>
+          <p:cNvSpPr>
+            <a:spLocks noGrp="1"/>
+          </p:cNvSpPr>
+          <p:nvPr>
+            <p:ph type="hdr" sz="quarter"/>
+          </p:nvPr>
+        </p:nvSpPr>
+        <p:spPr>
+          <a:xfrm>
+            <a:off x="0" y="0"/>
+            <a:ext cx="2971800" cy="457200"/>
+          </a:xfrm>
+          <a:prstGeom prst="rect">
+            <a:avLst/>
+          </a:prstGeom>
+        </p:spPr>
+        <p:txBody>
+          <a:bodyPr vert="horz" lIns="91440" tIns="45720" rIns="91440" bIns="45720" rtlCol="0"/>
+          <a:lstStyle>
+            <a:lvl1pPr algn="l">
+              <a:defRPr sz="1200"/>
+            </a:lvl1pPr>
+          </a:lstStyle>
+          <a:p>
+            <a:endParaRPr kumimoji="1" lang="zh-CN" altLang="en-US"/>
+          </a:p>
+        </p:txBody>
+      </p:sp>
+      <p:sp>
+        <p:nvSpPr>
+          <p:cNvPr id="3" name="日期占位符 2"/>
+          <p:cNvSpPr>
+            <a:spLocks noGrp="1"/>
+          </p:cNvSpPr>
+          <p:nvPr>
+            <p:ph type="dt" idx="1"/>
+          </p:nvPr>
+        </p:nvSpPr>
+        <p:spPr>
+          <a:xfrm>
+            <a:off x="3884613" y="0"/>
+            <a:ext cx="2971800" cy="457200"/>
+          </a:xfrm>
+          <a:prstGeom prst="rect">
+            <a:avLst/>
+          </a:prstGeom>
+        </p:spPr>
+        <p:txBody>
+          <a:bodyPr vert="horz" lIns="91440" tIns="45720" rIns="91440" bIns="45720" rtlCol="0"/>
+          <a:lstStyle>
+            <a:lvl1pPr algn="r">
+              <a:defRPr sz="1200"/>
+            </a:lvl1pPr>
+          </a:lstStyle>
+          <a:p>
+            <a:fld id="{ABBE70BB-1B8E-D845-9BA7-4F54C84505BE}" type="datetimeFigureOut">
+              <a:rPr kumimoji="1" lang="zh-CN" altLang="en-US" smtClean="0"/>
+              <a:t>17/8/23</a:t>
+            </a:fld>
+            <a:endParaRPr kumimoji="1" lang="zh-CN" altLang="en-US"/>
+          </a:p>
+        </p:txBody>
+      </p:sp>
+      <p:sp>
+        <p:nvSpPr>
+          <p:cNvPr id="4" name="幻灯片图像占位符 3"/>
+          <p:cNvSpPr>
+            <a:spLocks noGrp="1" noRot="1" noChangeAspect="1"/>
+          </p:cNvSpPr>
+          <p:nvPr>
+            <p:ph type="sldImg" idx="2"/>
+          </p:nvPr>
+        </p:nvSpPr>
+        <p:spPr>
+          <a:xfrm>
+            <a:off x="1143000" y="685800"/>
+            <a:ext cx="4572000" cy="3429000"/>
+          </a:xfrm>
+          <a:prstGeom prst="rect">
+            <a:avLst/>
+          </a:prstGeom>
+          <a:noFill/>
+          <a:ln w="12700">
+            <a:solidFill>
+              <a:prstClr val="black"/>
+            </a:solidFill>
+          </a:ln>
+        </p:spPr>
+        <p:txBody>
+          <a:bodyPr vert="horz" lIns="91440" tIns="45720" rIns="91440" bIns="45720" rtlCol="0" anchor="ctr"/>
+          <a:lstStyle/>
+          <a:p>
+            <a:endParaRPr lang="zh-CN" altLang="en-US"/>
+          </a:p>
+        </p:txBody>
+      </p:sp>
+      <p:sp>
+        <p:nvSpPr>
+          <p:cNvPr id="5" name="备注占位符 4"/>
+          <p:cNvSpPr>
+            <a:spLocks noGrp="1"/>
+          </p:cNvSpPr>
+          <p:nvPr>
+            <p:ph type="body" sz="quarter" idx="3"/>
+          </p:nvPr>
+        </p:nvSpPr>
+        <p:spPr>
+          <a:xfrm>
+            <a:off x="685800" y="4343400"/>
+            <a:ext cx="5486400" cy="4114800"/>
+          </a:xfrm>
+          <a:prstGeom prst="rect">
+            <a:avLst/>
+          </a:prstGeom>
+        </p:spPr>
+        <p:txBody>
+          <a:bodyPr vert="horz" lIns="91440" tIns="45720" rIns="91440" bIns="45720" rtlCol="0"/>
+          <a:lstStyle/>
+          <a:p>
+            <a:pPr lvl="0"/>
+            <a:r>
+              <a:rPr kumimoji="1" lang="zh-CN" altLang="en-US" smtClean="0"/>
+              <a:t>单击此处编辑母版文本样式</a:t>
+            </a:r>
+          </a:p>
+          <a:p>
+            <a:pPr lvl="1"/>
+            <a:r>
+              <a:rPr kumimoji="1" lang="zh-CN" altLang="en-US" smtClean="0"/>
+              <a:t>二级</a:t>
+            </a:r>
+          </a:p>
+          <a:p>
+            <a:pPr lvl="2"/>
+            <a:r>
+              <a:rPr kumimoji="1" lang="zh-CN" altLang="en-US" smtClean="0"/>
+              <a:t>三级</a:t>
+            </a:r>
+          </a:p>
+          <a:p>
+            <a:pPr lvl="3"/>
+            <a:r>
+              <a:rPr kumimoji="1" lang="zh-CN" altLang="en-US" smtClean="0"/>
+              <a:t>四级</a:t>
+            </a:r>
+          </a:p>
+          <a:p>
+            <a:pPr lvl="4"/>
+            <a:r>
+              <a:rPr kumimoji="1" lang="zh-CN" altLang="en-US" smtClean="0"/>
+              <a:t>五级</a:t>
+            </a:r>
+            <a:endParaRPr kumimoji="1" lang="zh-CN" altLang="en-US"/>
+          </a:p>
+        </p:txBody>
+      </p:sp>
+      <p:sp>
+        <p:nvSpPr>
+          <p:cNvPr id="6" name="页脚占位符 5"/>
+          <p:cNvSpPr>
+            <a:spLocks noGrp="1"/>
+          </p:cNvSpPr>
+          <p:nvPr>
+            <p:ph type="ftr" sz="quarter" idx="4"/>
+          </p:nvPr>
+        </p:nvSpPr>
+        <p:spPr>
+          <a:xfrm>
+            <a:off x="0" y="8685213"/>
+            <a:ext cx="2971800" cy="457200"/>
+          </a:xfrm>
+          <a:prstGeom prst="rect">
+            <a:avLst/>
+          </a:prstGeom>
+        </p:spPr>
+        <p:txBody>
+          <a:bodyPr vert="horz" lIns="91440" tIns="45720" rIns="91440" bIns="45720" rtlCol="0" anchor="b"/>
+          <a:lstStyle>
+            <a:lvl1pPr algn="l">
+              <a:defRPr sz="1200"/>
+            </a:lvl1pPr>
+          </a:lstStyle>
+          <a:p>
+            <a:endParaRPr kumimoji="1" lang="zh-CN" altLang="en-US"/>
+          </a:p>
+        </p:txBody>
+      </p:sp>
+      <p:sp>
+        <p:nvSpPr>
+          <p:cNvPr id="7" name="幻灯片编号占位符 6"/>
+          <p:cNvSpPr>
+            <a:spLocks noGrp="1"/>
+          </p:cNvSpPr>
+          <p:nvPr>
+            <p:ph type="sldNum" sz="quarter" idx="5"/>
+          </p:nvPr>
+        </p:nvSpPr>
+        <p:spPr>
+          <a:xfrm>
+            <a:off x="3884613" y="8685213"/>
+            <a:ext cx="2971800" cy="457200"/>
+          </a:xfrm>
+          <a:prstGeom prst="rect">
+            <a:avLst/>
+          </a:prstGeom>
+        </p:spPr>
+        <p:txBody>
+          <a:bodyPr vert="horz" lIns="91440" tIns="45720" rIns="91440" bIns="45720" rtlCol="0" anchor="b"/>
+          <a:lstStyle>
+            <a:lvl1pPr algn="r">
+              <a:defRPr sz="1200"/>
+            </a:lvl1pPr>
+          </a:lstStyle>
+          <a:p>
+            <a:fld id="{75C407E2-9BE1-3E46-A349-E64A04C23E56}" type="slidenum">
+              <a:rPr kumimoji="1" lang="zh-CN" altLang="en-US" smtClean="0"/>
+              <a:t>‹#›</a:t>
+            </a:fld>
+            <a:endParaRPr kumimoji="1" lang="zh-CN" altLang="en-US"/>
+          </a:p>
+        </p:txBody>
+      </p:sp>
+    </p:spTree>
+    <p:extLst>
+      <p:ext uri="{BB962C8B-B14F-4D97-AF65-F5344CB8AC3E}">
+        <p14:creationId xmlns:p14="http://schemas.microsoft.com/office/powerpoint/2010/main" val="2821278979"/>
+      </p:ext>
+    </p:extLst>
+  </p:cSld>
+  <p:clrMap bg1="lt1" tx1="dk1" bg2="lt2" tx2="dk2" accent1="accent1" accent2="accent2" accent3="accent3" accent4="accent4" accent5="accent5" accent6="accent6" hlink="hlink" folHlink="folHlink"/>
+  <p:notesStyle>
+    <a:lvl1pPr marL="0" algn="l" defTabSz="457200" rtl="0" eaLnBrk="1" latinLnBrk="0" hangingPunct="1">
+      <a:defRPr sz="1200" kern="1200">
+        <a:solidFill>
+          <a:schemeClr val="tx1"/>
+        </a:solidFill>
+        <a:latin typeface="+mn-lt"/>
+        <a:ea typeface="+mn-ea"/>
+        <a:cs typeface="+mn-cs"/>
+      </a:defRPr>
+    </a:lvl1pPr>
+    <a:lvl2pPr marL="457200" algn="l" defTabSz="457200" rtl="0" eaLnBrk="1" latinLnBrk="0" hangingPunct="1">
+      <a:defRPr sz="1200" kern="1200">
+        <a:solidFill>
+          <a:schemeClr val="tx1"/>
+        </a:solidFill>
+        <a:latin typeface="+mn-lt"/>
+        <a:ea typeface="+mn-ea"/>
+        <a:cs typeface="+mn-cs"/>
+      </a:defRPr>
+    </a:lvl2pPr>
+    <a:lvl3pPr marL="914400" algn="l" defTabSz="457200" rtl="0" eaLnBrk="1" latinLnBrk="0" hangingPunct="1">
+      <a:defRPr sz="1200" kern="1200">
+        <a:solidFill>
+          <a:schemeClr val="tx1"/>
+        </a:solidFill>
+        <a:latin typeface="+mn-lt"/>
+        <a:ea typeface="+mn-ea"/>
+        <a:cs typeface="+mn-cs"/>
+      </a:defRPr>
+    </a:lvl3pPr>
+    <a:lvl4pPr marL="1371600" algn="l" defTabSz="457200" rtl="0" eaLnBrk="1" latinLnBrk="0" hangingPunct="1">
+      <a:defRPr sz="1200" kern="1200">
+        <a:solidFill>
+          <a:schemeClr val="tx1"/>
+        </a:solidFill>
+        <a:latin typeface="+mn-lt"/>
+        <a:ea typeface="+mn-ea"/>
+        <a:cs typeface="+mn-cs"/>
+      </a:defRPr>
+    </a:lvl4pPr>
+    <a:lvl5pPr marL="1828800" algn="l" defTabSz="457200" rtl="0" eaLnBrk="1" latinLnBrk="0" hangingPunct="1">
+      <a:defRPr sz="1200" kern="1200">
+        <a:solidFill>
+          <a:schemeClr val="tx1"/>
+        </a:solidFill>
+        <a:latin typeface="+mn-lt"/>
+        <a:ea typeface="+mn-ea"/>
+        <a:cs typeface="+mn-cs"/>
+      </a:defRPr>
+    </a:lvl5pPr>
+    <a:lvl6pPr marL="2286000" algn="l" defTabSz="457200" rtl="0" eaLnBrk="1" latinLnBrk="0" hangingPunct="1">
+      <a:defRPr sz="1200" kern="1200">
+        <a:solidFill>
+          <a:schemeClr val="tx1"/>
+        </a:solidFill>
+        <a:latin typeface="+mn-lt"/>
+        <a:ea typeface="+mn-ea"/>
+        <a:cs typeface="+mn-cs"/>
+      </a:defRPr>
+    </a:lvl6pPr>
+    <a:lvl7pPr marL="2743200" algn="l" defTabSz="457200" rtl="0" eaLnBrk="1" latinLnBrk="0" hangingPunct="1">
+      <a:defRPr sz="1200" kern="1200">
+        <a:solidFill>
+          <a:schemeClr val="tx1"/>
+        </a:solidFill>
+        <a:latin typeface="+mn-lt"/>
+        <a:ea typeface="+mn-ea"/>
+        <a:cs typeface="+mn-cs"/>
+      </a:defRPr>
+    </a:lvl7pPr>
+    <a:lvl8pPr marL="3200400" algn="l" defTabSz="457200" rtl="0" eaLnBrk="1" latinLnBrk="0" hangingPunct="1">
+      <a:defRPr sz="1200" kern="1200">
+        <a:solidFill>
+          <a:schemeClr val="tx1"/>
+        </a:solidFill>
+        <a:latin typeface="+mn-lt"/>
+        <a:ea typeface="+mn-ea"/>
+        <a:cs typeface="+mn-cs"/>
+      </a:defRPr>
+    </a:lvl8pPr>
+    <a:lvl9pPr marL="3657600" algn="l" defTabSz="457200" rtl="0" eaLnBrk="1" latinLnBrk="0" hangingPunct="1">
+      <a:defRPr sz="1200" kern="1200">
+        <a:solidFill>
+          <a:schemeClr val="tx1"/>
+        </a:solidFill>
+        <a:latin typeface="+mn-lt"/>
+        <a:ea typeface="+mn-ea"/>
+        <a:cs typeface="+mn-cs"/>
+      </a:defRPr>
+    </a:lvl9pPr>
+  </p:notesStyle>
+</p:notesMaster>
+</file>
+
+<file path=ppt/notesSlides/notesSlide1.xml><?xml version="1.0" encoding="utf-8"?>
+<p:notes xmlns:a="http://schemas.openxmlformats.org/drawingml/2006/main" xmlns:r="http://schemas.openxmlformats.org/officeDocument/2006/relationships" xmlns:p="http://schemas.openxmlformats.org/presentationml/2006/main">
+  <p:cSld>
+    <p:spTree>
+      <p:nvGrpSpPr>
+        <p:cNvPr id="1" name=""/>
+        <p:cNvGrpSpPr/>
+        <p:nvPr/>
+      </p:nvGrpSpPr>
+      <p:grpSpPr>
+        <a:xfrm>
+          <a:off x="0" y="0"/>
+          <a:ext cx="0" cy="0"/>
+          <a:chOff x="0" y="0"/>
+          <a:chExt cx="0" cy="0"/>
+        </a:xfrm>
+      </p:grpSpPr>
+      <p:sp>
+        <p:nvSpPr>
+          <p:cNvPr id="2" name="幻灯片图像占位符 1"/>
+          <p:cNvSpPr>
+            <a:spLocks noGrp="1" noRot="1" noChangeAspect="1"/>
+          </p:cNvSpPr>
+          <p:nvPr>
+            <p:ph type="sldImg"/>
+          </p:nvPr>
+        </p:nvSpPr>
+        <p:spPr/>
+      </p:sp>
+      <p:sp>
+        <p:nvSpPr>
+          <p:cNvPr id="3" name="备注占位符 2"/>
+          <p:cNvSpPr>
+            <a:spLocks noGrp="1"/>
+          </p:cNvSpPr>
+          <p:nvPr>
+            <p:ph type="body" idx="1"/>
+          </p:nvPr>
+        </p:nvSpPr>
+        <p:spPr/>
+        <p:txBody>
+          <a:bodyPr/>
+          <a:lstStyle/>
+          <a:p>
+            <a:endParaRPr kumimoji="1" lang="zh-CN" altLang="en-US" dirty="0"/>
+          </a:p>
+        </p:txBody>
+      </p:sp>
+      <p:sp>
+        <p:nvSpPr>
+          <p:cNvPr id="4" name="幻灯片编号占位符 3"/>
+          <p:cNvSpPr>
+            <a:spLocks noGrp="1"/>
+          </p:cNvSpPr>
+          <p:nvPr>
+            <p:ph type="sldNum" sz="quarter" idx="10"/>
+          </p:nvPr>
+        </p:nvSpPr>
+        <p:spPr/>
+        <p:txBody>
+          <a:bodyPr/>
+          <a:lstStyle/>
+          <a:p>
+            <a:fld id="{75C407E2-9BE1-3E46-A349-E64A04C23E56}" type="slidenum">
+              <a:rPr kumimoji="1" lang="zh-CN" altLang="en-US" smtClean="0"/>
+              <a:t>5</a:t>
+            </a:fld>
+            <a:endParaRPr kumimoji="1" lang="zh-CN" altLang="en-US"/>
+          </a:p>
+        </p:txBody>
+      </p:sp>
+    </p:spTree>
+    <p:extLst>
+      <p:ext uri="{BB962C8B-B14F-4D97-AF65-F5344CB8AC3E}">
+        <p14:creationId xmlns:p14="http://schemas.microsoft.com/office/powerpoint/2010/main" val="933024819"/>
+      </p:ext>
+    </p:extLst>
+  </p:cSld>
+  <p:clrMapOvr>
+    <a:masterClrMapping/>
+  </p:clrMapOvr>
+</p:notes>
 </file>
 
 <file path=ppt/slideLayouts/slideLayout1.xml><?xml version="1.0" encoding="utf-8"?>
@@ -3967,6 +4418,2516 @@
 </p:sld>
 </file>
 
+<file path=ppt/slides/slide10.xml><?xml version="1.0" encoding="utf-8"?>
+<p:sld xmlns:a="http://schemas.openxmlformats.org/drawingml/2006/main" xmlns:r="http://schemas.openxmlformats.org/officeDocument/2006/relationships" xmlns:p="http://schemas.openxmlformats.org/presentationml/2006/main">
+  <p:cSld>
+    <p:spTree>
+      <p:nvGrpSpPr>
+        <p:cNvPr id="1" name=""/>
+        <p:cNvGrpSpPr/>
+        <p:nvPr/>
+      </p:nvGrpSpPr>
+      <p:grpSpPr>
+        <a:xfrm>
+          <a:off x="0" y="0"/>
+          <a:ext cx="0" cy="0"/>
+          <a:chOff x="0" y="0"/>
+          <a:chExt cx="0" cy="0"/>
+        </a:xfrm>
+      </p:grpSpPr>
+      <p:pic>
+        <p:nvPicPr>
+          <p:cNvPr id="10" name="图片 9" descr="ppt背景.jpg"/>
+          <p:cNvPicPr>
+            <a:picLocks noChangeAspect="1"/>
+          </p:cNvPicPr>
+          <p:nvPr/>
+        </p:nvPicPr>
+        <p:blipFill>
+          <a:blip r:embed="rId2">
+            <a:extLst>
+              <a:ext uri="{28A0092B-C50C-407E-A947-70E740481C1C}">
+                <a14:useLocalDpi xmlns:a14="http://schemas.microsoft.com/office/drawing/2010/main" val="0"/>
+              </a:ext>
+            </a:extLst>
+          </a:blip>
+          <a:stretch>
+            <a:fillRect/>
+          </a:stretch>
+        </p:blipFill>
+        <p:spPr>
+          <a:xfrm>
+            <a:off x="-23550" y="-9328"/>
+            <a:ext cx="9167550" cy="7654627"/>
+          </a:xfrm>
+          <a:prstGeom prst="rect">
+            <a:avLst/>
+          </a:prstGeom>
+        </p:spPr>
+      </p:pic>
+      <p:sp>
+        <p:nvSpPr>
+          <p:cNvPr id="5" name="文字方塊 4"/>
+          <p:cNvSpPr txBox="1"/>
+          <p:nvPr/>
+        </p:nvSpPr>
+        <p:spPr>
+          <a:xfrm>
+            <a:off x="862272" y="611561"/>
+            <a:ext cx="7337149" cy="4801315"/>
+          </a:xfrm>
+          <a:prstGeom prst="rect">
+            <a:avLst/>
+          </a:prstGeom>
+          <a:noFill/>
+        </p:spPr>
+        <p:txBody>
+          <a:bodyPr wrap="square" rtlCol="0">
+            <a:spAutoFit/>
+          </a:bodyPr>
+          <a:lstStyle/>
+          <a:p>
+            <a:r>
+              <a:rPr kumimoji="1" lang="en-US" altLang="zh-CN" dirty="0" smtClean="0">
+                <a:latin typeface="+mn-ea"/>
+                <a:cs typeface="宋体"/>
+              </a:rPr>
+              <a:t>	</a:t>
+            </a:r>
+            <a:r>
+              <a:rPr kumimoji="1" lang="zh-CN" altLang="en-US" dirty="0" smtClean="0">
+                <a:latin typeface="+mn-ea"/>
+                <a:cs typeface="宋体"/>
+              </a:rPr>
+              <a:t>上述</a:t>
+            </a:r>
+            <a:r>
+              <a:rPr kumimoji="1" lang="zh-CN" altLang="en-US" dirty="0" smtClean="0">
+                <a:latin typeface="+mn-ea"/>
+                <a:cs typeface="宋体"/>
+              </a:rPr>
+              <a:t>约束可以</a:t>
+            </a:r>
+            <a:r>
+              <a:rPr kumimoji="1" lang="zh-CN" altLang="en-US" dirty="0" smtClean="0">
+                <a:latin typeface="+mn-ea"/>
+                <a:cs typeface="宋体"/>
+              </a:rPr>
+              <a:t>下述</a:t>
+            </a:r>
+            <a:r>
+              <a:rPr kumimoji="1" lang="zh-CN" altLang="en-US" dirty="0" smtClean="0">
+                <a:latin typeface="+mn-ea"/>
+                <a:cs typeface="宋体"/>
+              </a:rPr>
+              <a:t>不等式</a:t>
+            </a:r>
+            <a:r>
+              <a:rPr kumimoji="1" lang="zh-CN" altLang="en-US" dirty="0">
+                <a:latin typeface="+mn-ea"/>
+                <a:cs typeface="宋体"/>
+              </a:rPr>
+              <a:t>表示。 这里，</a:t>
+            </a:r>
+            <a:r>
+              <a:rPr kumimoji="1" lang="en-US" altLang="zh-CN" dirty="0" err="1">
+                <a:latin typeface="+mn-ea"/>
+                <a:cs typeface="宋体"/>
+              </a:rPr>
+              <a:t>IntrinsicHeight</a:t>
+            </a:r>
+            <a:r>
+              <a:rPr kumimoji="1" lang="en-US" altLang="zh-CN" dirty="0">
+                <a:latin typeface="+mn-ea"/>
+                <a:cs typeface="宋体"/>
+              </a:rPr>
+              <a:t> </a:t>
+            </a:r>
+            <a:r>
+              <a:rPr kumimoji="1" lang="zh-CN" altLang="en-US" dirty="0">
+                <a:latin typeface="+mn-ea"/>
+                <a:cs typeface="宋体"/>
+              </a:rPr>
+              <a:t>和 </a:t>
+            </a:r>
+            <a:r>
+              <a:rPr kumimoji="1" lang="en-US" altLang="zh-CN" dirty="0" err="1">
+                <a:latin typeface="+mn-ea"/>
+                <a:cs typeface="宋体"/>
+              </a:rPr>
+              <a:t>IntrinsicWidth</a:t>
+            </a:r>
+            <a:r>
+              <a:rPr kumimoji="1" lang="zh-CN" altLang="en-US" dirty="0">
+                <a:latin typeface="+mn-ea"/>
+                <a:cs typeface="宋体"/>
+              </a:rPr>
+              <a:t>常量表示从视图的内在内容尺寸中获</a:t>
+            </a:r>
+            <a:r>
+              <a:rPr kumimoji="1" lang="zh-CN" altLang="en-US" dirty="0" smtClean="0">
+                <a:latin typeface="+mn-ea"/>
+                <a:cs typeface="宋体"/>
+              </a:rPr>
+              <a:t>得的高度和宽度</a:t>
+            </a:r>
+            <a:r>
+              <a:rPr kumimoji="1" lang="zh-CN" altLang="zh-CN" dirty="0" smtClean="0">
+                <a:latin typeface="+mn-ea"/>
+                <a:cs typeface="宋体"/>
+              </a:rPr>
+              <a:t>（</a:t>
+            </a:r>
+            <a:r>
+              <a:rPr kumimoji="1" lang="zh-CN" altLang="en-US" dirty="0" smtClean="0">
+                <a:latin typeface="+mn-ea"/>
+                <a:cs typeface="宋体"/>
+              </a:rPr>
+              <a:t>可从</a:t>
+            </a:r>
+            <a:r>
+              <a:rPr kumimoji="1" lang="en-US" altLang="zh-CN" dirty="0" err="1" smtClean="0">
+                <a:latin typeface="+mn-ea"/>
+                <a:cs typeface="宋体"/>
+              </a:rPr>
+              <a:t>UIView</a:t>
+            </a:r>
+            <a:r>
+              <a:rPr kumimoji="1" lang="zh-CN" altLang="en-US" dirty="0" smtClean="0">
+                <a:latin typeface="+mn-ea"/>
+                <a:cs typeface="宋体"/>
+              </a:rPr>
+              <a:t>的属性</a:t>
+            </a:r>
+            <a:r>
+              <a:rPr lang="en-US" altLang="zh-CN" dirty="0" err="1" smtClean="0"/>
+              <a:t>intrinsicContentSize</a:t>
+            </a:r>
+            <a:r>
+              <a:rPr lang="zh-CN" altLang="en-US" dirty="0" smtClean="0"/>
+              <a:t>获取</a:t>
+            </a:r>
+            <a:r>
+              <a:rPr kumimoji="1" lang="zh-CN" altLang="en-US" dirty="0" smtClean="0">
+                <a:latin typeface="+mn-ea"/>
+                <a:cs typeface="宋体"/>
+              </a:rPr>
+              <a:t>）</a:t>
+            </a:r>
+            <a:r>
+              <a:rPr kumimoji="1" lang="zh-CN" altLang="en-US" dirty="0" smtClean="0">
+                <a:latin typeface="+mn-ea"/>
+                <a:cs typeface="宋体"/>
+              </a:rPr>
+              <a:t>。</a:t>
+            </a:r>
+            <a:endParaRPr kumimoji="1" lang="zh-CN" altLang="en-US" dirty="0">
+              <a:latin typeface="+mn-ea"/>
+              <a:cs typeface="宋体"/>
+            </a:endParaRPr>
+          </a:p>
+          <a:p>
+            <a:endParaRPr kumimoji="1" lang="zh-CN" altLang="en-US" dirty="0">
+              <a:latin typeface="+mn-ea"/>
+              <a:cs typeface="宋体"/>
+            </a:endParaRPr>
+          </a:p>
+          <a:p>
+            <a:r>
+              <a:rPr kumimoji="1" lang="en-US" altLang="zh-CN" dirty="0">
+                <a:latin typeface="+mn-ea"/>
+                <a:cs typeface="宋体"/>
+              </a:rPr>
+              <a:t>// Compression Resistance</a:t>
+            </a:r>
+          </a:p>
+          <a:p>
+            <a:r>
+              <a:rPr kumimoji="1" lang="en-US" altLang="zh-CN" dirty="0" err="1">
+                <a:latin typeface="+mn-ea"/>
+                <a:cs typeface="宋体"/>
+              </a:rPr>
+              <a:t>View.height</a:t>
+            </a:r>
+            <a:r>
+              <a:rPr kumimoji="1" lang="en-US" altLang="zh-CN" dirty="0">
+                <a:latin typeface="+mn-ea"/>
+                <a:cs typeface="宋体"/>
+              </a:rPr>
+              <a:t> &gt;= 0.0 * </a:t>
+            </a:r>
+            <a:r>
+              <a:rPr kumimoji="1" lang="en-US" altLang="zh-CN" dirty="0" err="1">
+                <a:latin typeface="+mn-ea"/>
+                <a:cs typeface="宋体"/>
+              </a:rPr>
+              <a:t>NotAnAttribute</a:t>
+            </a:r>
+            <a:r>
+              <a:rPr kumimoji="1" lang="en-US" altLang="zh-CN" dirty="0">
+                <a:latin typeface="+mn-ea"/>
+                <a:cs typeface="宋体"/>
+              </a:rPr>
+              <a:t> + </a:t>
+            </a:r>
+            <a:r>
+              <a:rPr kumimoji="1" lang="en-US" altLang="zh-CN" dirty="0" err="1">
+                <a:latin typeface="+mn-ea"/>
+                <a:cs typeface="宋体"/>
+              </a:rPr>
+              <a:t>IntrinsicHeight</a:t>
+            </a:r>
+            <a:endParaRPr kumimoji="1" lang="en-US" altLang="zh-CN" dirty="0">
+              <a:latin typeface="+mn-ea"/>
+              <a:cs typeface="宋体"/>
+            </a:endParaRPr>
+          </a:p>
+          <a:p>
+            <a:r>
+              <a:rPr kumimoji="1" lang="en-US" altLang="zh-CN" dirty="0" err="1">
+                <a:latin typeface="+mn-ea"/>
+                <a:cs typeface="宋体"/>
+              </a:rPr>
+              <a:t>View.width</a:t>
+            </a:r>
+            <a:r>
+              <a:rPr kumimoji="1" lang="en-US" altLang="zh-CN" dirty="0">
+                <a:latin typeface="+mn-ea"/>
+                <a:cs typeface="宋体"/>
+              </a:rPr>
+              <a:t> &gt;= 0.0 * </a:t>
+            </a:r>
+            <a:r>
+              <a:rPr kumimoji="1" lang="en-US" altLang="zh-CN" dirty="0" err="1">
+                <a:latin typeface="+mn-ea"/>
+                <a:cs typeface="宋体"/>
+              </a:rPr>
+              <a:t>NotAnAttribute</a:t>
+            </a:r>
+            <a:r>
+              <a:rPr kumimoji="1" lang="en-US" altLang="zh-CN" dirty="0">
+                <a:latin typeface="+mn-ea"/>
+                <a:cs typeface="宋体"/>
+              </a:rPr>
+              <a:t> + </a:t>
+            </a:r>
+            <a:r>
+              <a:rPr kumimoji="1" lang="en-US" altLang="zh-CN" dirty="0" err="1">
+                <a:latin typeface="+mn-ea"/>
+                <a:cs typeface="宋体"/>
+              </a:rPr>
+              <a:t>IntrinsicWidth</a:t>
+            </a:r>
+            <a:endParaRPr kumimoji="1" lang="en-US" altLang="zh-CN" dirty="0">
+              <a:latin typeface="+mn-ea"/>
+              <a:cs typeface="宋体"/>
+            </a:endParaRPr>
+          </a:p>
+          <a:p>
+            <a:r>
+              <a:rPr kumimoji="1" lang="en-US" altLang="zh-CN" dirty="0">
+                <a:latin typeface="+mn-ea"/>
+                <a:cs typeface="宋体"/>
+              </a:rPr>
+              <a:t>// Content Hugging</a:t>
+            </a:r>
+          </a:p>
+          <a:p>
+            <a:r>
+              <a:rPr kumimoji="1" lang="en-US" altLang="zh-CN" dirty="0" err="1">
+                <a:latin typeface="+mn-ea"/>
+                <a:cs typeface="宋体"/>
+              </a:rPr>
+              <a:t>View.height</a:t>
+            </a:r>
+            <a:r>
+              <a:rPr kumimoji="1" lang="en-US" altLang="zh-CN" dirty="0">
+                <a:latin typeface="+mn-ea"/>
+                <a:cs typeface="宋体"/>
+              </a:rPr>
+              <a:t> &lt;= 0.0 * </a:t>
+            </a:r>
+            <a:r>
+              <a:rPr kumimoji="1" lang="en-US" altLang="zh-CN" dirty="0" err="1">
+                <a:latin typeface="+mn-ea"/>
+                <a:cs typeface="宋体"/>
+              </a:rPr>
+              <a:t>NotAnAttribute</a:t>
+            </a:r>
+            <a:r>
+              <a:rPr kumimoji="1" lang="en-US" altLang="zh-CN" dirty="0">
+                <a:latin typeface="+mn-ea"/>
+                <a:cs typeface="宋体"/>
+              </a:rPr>
+              <a:t> + </a:t>
+            </a:r>
+            <a:r>
+              <a:rPr kumimoji="1" lang="en-US" altLang="zh-CN" dirty="0" err="1">
+                <a:latin typeface="+mn-ea"/>
+                <a:cs typeface="宋体"/>
+              </a:rPr>
+              <a:t>IntrinsicHeight</a:t>
+            </a:r>
+            <a:endParaRPr kumimoji="1" lang="en-US" altLang="zh-CN" dirty="0">
+              <a:latin typeface="+mn-ea"/>
+              <a:cs typeface="宋体"/>
+            </a:endParaRPr>
+          </a:p>
+          <a:p>
+            <a:r>
+              <a:rPr kumimoji="1" lang="en-US" altLang="zh-CN" dirty="0" err="1">
+                <a:latin typeface="+mn-ea"/>
+                <a:cs typeface="宋体"/>
+              </a:rPr>
+              <a:t>View.width</a:t>
+            </a:r>
+            <a:r>
+              <a:rPr kumimoji="1" lang="en-US" altLang="zh-CN" dirty="0">
+                <a:latin typeface="+mn-ea"/>
+                <a:cs typeface="宋体"/>
+              </a:rPr>
+              <a:t> &lt;= 0.0 * </a:t>
+            </a:r>
+            <a:r>
+              <a:rPr kumimoji="1" lang="en-US" altLang="zh-CN" dirty="0" err="1">
+                <a:latin typeface="+mn-ea"/>
+                <a:cs typeface="宋体"/>
+              </a:rPr>
+              <a:t>NotAnAttribute</a:t>
+            </a:r>
+            <a:r>
+              <a:rPr kumimoji="1" lang="en-US" altLang="zh-CN" dirty="0">
+                <a:latin typeface="+mn-ea"/>
+                <a:cs typeface="宋体"/>
+              </a:rPr>
+              <a:t> + </a:t>
+            </a:r>
+            <a:r>
+              <a:rPr kumimoji="1" lang="en-US" altLang="zh-CN" dirty="0" err="1" smtClean="0">
+                <a:latin typeface="+mn-ea"/>
+                <a:cs typeface="宋体"/>
+              </a:rPr>
+              <a:t>IntrinsicWidth</a:t>
+            </a:r>
+            <a:endParaRPr kumimoji="1" lang="en-US" altLang="zh-CN" dirty="0" smtClean="0">
+              <a:latin typeface="+mn-ea"/>
+              <a:cs typeface="宋体"/>
+            </a:endParaRPr>
+          </a:p>
+          <a:p>
+            <a:endParaRPr kumimoji="1" lang="en-US" altLang="zh-CN" dirty="0">
+              <a:latin typeface="+mn-ea"/>
+              <a:cs typeface="宋体"/>
+            </a:endParaRPr>
+          </a:p>
+          <a:p>
+            <a:r>
+              <a:rPr kumimoji="1" lang="en-US" altLang="zh-CN" dirty="0" smtClean="0">
+                <a:latin typeface="+mn-ea"/>
+                <a:cs typeface="宋体"/>
+              </a:rPr>
+              <a:t>	</a:t>
+            </a:r>
+            <a:r>
+              <a:rPr kumimoji="1" lang="zh-CN" altLang="en-US" dirty="0" smtClean="0">
+                <a:latin typeface="+mn-ea"/>
+                <a:cs typeface="宋体"/>
+              </a:rPr>
+              <a:t>这</a:t>
+            </a:r>
+            <a:r>
+              <a:rPr kumimoji="1" lang="zh-CN" altLang="en-US" dirty="0">
+                <a:latin typeface="+mn-ea"/>
+                <a:cs typeface="宋体"/>
+              </a:rPr>
+              <a:t>里的每个约束都可以有自己的优先值。 默认情况下，使用的</a:t>
+            </a:r>
+            <a:r>
+              <a:rPr kumimoji="1" lang="en-US" altLang="zh-CN" dirty="0">
+                <a:latin typeface="+mn-ea"/>
+                <a:cs typeface="宋体"/>
+              </a:rPr>
+              <a:t>content hugging </a:t>
+            </a:r>
+            <a:r>
+              <a:rPr kumimoji="1" lang="zh-CN" altLang="en-US" dirty="0">
+                <a:latin typeface="+mn-ea"/>
+                <a:cs typeface="宋体"/>
+              </a:rPr>
+              <a:t>使用</a:t>
+            </a:r>
+            <a:r>
+              <a:rPr kumimoji="1" lang="en-US" altLang="zh-CN" dirty="0">
+                <a:latin typeface="+mn-ea"/>
+                <a:cs typeface="宋体"/>
+              </a:rPr>
+              <a:t>250</a:t>
+            </a:r>
+            <a:r>
+              <a:rPr kumimoji="1" lang="zh-CN" altLang="en-US" dirty="0">
+                <a:latin typeface="+mn-ea"/>
+                <a:cs typeface="宋体"/>
+              </a:rPr>
+              <a:t>优先值， </a:t>
+            </a:r>
+            <a:r>
+              <a:rPr kumimoji="1" lang="en-US" altLang="zh-CN" dirty="0">
+                <a:latin typeface="+mn-ea"/>
+                <a:cs typeface="宋体"/>
+              </a:rPr>
+              <a:t>compression resistance </a:t>
+            </a:r>
+            <a:r>
+              <a:rPr kumimoji="1" lang="zh-CN" altLang="en-US" dirty="0">
+                <a:latin typeface="+mn-ea"/>
+                <a:cs typeface="宋体"/>
+              </a:rPr>
+              <a:t>使用</a:t>
+            </a:r>
+            <a:r>
+              <a:rPr kumimoji="1" lang="en-US" altLang="zh-CN" dirty="0">
+                <a:latin typeface="+mn-ea"/>
+                <a:cs typeface="宋体"/>
+              </a:rPr>
+              <a:t>750</a:t>
+            </a:r>
+            <a:r>
+              <a:rPr kumimoji="1" lang="zh-CN" altLang="en-US" dirty="0">
+                <a:latin typeface="+mn-ea"/>
+                <a:cs typeface="宋体"/>
+              </a:rPr>
+              <a:t>优先值。 因此，拉长</a:t>
+            </a:r>
+            <a:r>
+              <a:rPr kumimoji="1" lang="en-US" altLang="zh-CN" dirty="0">
+                <a:latin typeface="+mn-ea"/>
+                <a:cs typeface="宋体"/>
+              </a:rPr>
+              <a:t>(stretch)</a:t>
+            </a:r>
+            <a:r>
+              <a:rPr kumimoji="1" lang="zh-CN" altLang="en-US" dirty="0">
+                <a:latin typeface="+mn-ea"/>
+                <a:cs typeface="宋体"/>
+              </a:rPr>
+              <a:t>一个视图比压缩</a:t>
+            </a:r>
+            <a:r>
+              <a:rPr kumimoji="1" lang="en-US" altLang="zh-CN" dirty="0">
+                <a:latin typeface="+mn-ea"/>
+                <a:cs typeface="宋体"/>
+              </a:rPr>
+              <a:t>(shrink)</a:t>
+            </a:r>
+            <a:r>
+              <a:rPr kumimoji="1" lang="zh-CN" altLang="en-US" dirty="0">
+                <a:latin typeface="+mn-ea"/>
+                <a:cs typeface="宋体"/>
+              </a:rPr>
+              <a:t>一个视图更容易。对于大多数控件来说，这是所期望的行为。 比如，你可以安全地把一个按钮拉得比它的内在内容尺寸更大；但是，如果你压缩它，它的内容就有可能被剪掉</a:t>
+            </a:r>
+            <a:r>
+              <a:rPr kumimoji="1" lang="zh-CN" altLang="en-US" dirty="0" smtClean="0">
+                <a:latin typeface="+mn-ea"/>
+                <a:cs typeface="宋体"/>
+              </a:rPr>
+              <a:t>。</a:t>
+            </a:r>
+            <a:endParaRPr kumimoji="1" lang="en-US" altLang="zh-CN" dirty="0" smtClean="0">
+              <a:latin typeface="+mn-ea"/>
+              <a:cs typeface="宋体"/>
+            </a:endParaRPr>
+          </a:p>
+        </p:txBody>
+      </p:sp>
+      <p:sp>
+        <p:nvSpPr>
+          <p:cNvPr id="2" name="文本框 1"/>
+          <p:cNvSpPr txBox="1"/>
+          <p:nvPr/>
+        </p:nvSpPr>
+        <p:spPr>
+          <a:xfrm>
+            <a:off x="862272" y="5464587"/>
+            <a:ext cx="7337149" cy="1384995"/>
+          </a:xfrm>
+          <a:prstGeom prst="rect">
+            <a:avLst/>
+          </a:prstGeom>
+          <a:noFill/>
+        </p:spPr>
+        <p:txBody>
+          <a:bodyPr wrap="square" rtlCol="0">
+            <a:spAutoFit/>
+          </a:bodyPr>
+          <a:lstStyle/>
+          <a:p>
+            <a:r>
+              <a:rPr kumimoji="1" lang="en-US" altLang="zh-CN" sz="1200" dirty="0" smtClean="0"/>
+              <a:t>Tip:</a:t>
+            </a:r>
+            <a:r>
+              <a:rPr kumimoji="1" lang="zh-CN" altLang="en-US" sz="1200" dirty="0"/>
+              <a:t> </a:t>
+            </a:r>
+            <a:endParaRPr kumimoji="1" lang="en-US" altLang="zh-CN" sz="1200" dirty="0" smtClean="0"/>
+          </a:p>
+          <a:p>
+            <a:pPr marL="285750" indent="-285750">
+              <a:buFont typeface="Arial"/>
+              <a:buChar char="•"/>
+            </a:pPr>
+            <a:r>
+              <a:rPr kumimoji="1" lang="zh-CN" altLang="en-US" sz="1200" dirty="0" smtClean="0"/>
+              <a:t>下划线约束只应用于视图</a:t>
+            </a:r>
+            <a:r>
+              <a:rPr kumimoji="1" lang="zh-CN" altLang="en-US" sz="1200" dirty="0"/>
+              <a:t>的内在内容高度。 如果一个视图被纵向的拉伸或压缩，</a:t>
+            </a:r>
+            <a:r>
+              <a:rPr kumimoji="1" lang="zh-CN" altLang="en-US" sz="1200" dirty="0" smtClean="0"/>
+              <a:t>下划线约束就不能被正确对齐</a:t>
+            </a:r>
+            <a:r>
+              <a:rPr kumimoji="1" lang="zh-CN" altLang="zh-CN" sz="1200" dirty="0"/>
+              <a:t>。</a:t>
+            </a:r>
+            <a:endParaRPr kumimoji="1" lang="en-US" altLang="zh-CN" sz="1200" dirty="0" smtClean="0"/>
+          </a:p>
+          <a:p>
+            <a:pPr marL="285750" indent="-285750">
+              <a:buFont typeface="Arial"/>
+              <a:buChar char="•"/>
+            </a:pPr>
+            <a:r>
+              <a:rPr kumimoji="1" lang="zh-CN" altLang="en-US" sz="1200" dirty="0"/>
+              <a:t>拉伸一系列视图来填满一个空白时，如果所有的视图都有一个相同的</a:t>
+            </a:r>
+            <a:r>
+              <a:rPr kumimoji="1" lang="en-US" altLang="zh-CN" sz="1200" dirty="0"/>
+              <a:t>content-hugging </a:t>
+            </a:r>
+            <a:r>
+              <a:rPr kumimoji="1" lang="zh-CN" altLang="en-US" sz="1200" dirty="0"/>
+              <a:t>优先值，布局就是模棱两可的。</a:t>
+            </a:r>
+            <a:endParaRPr kumimoji="1" lang="en-US" altLang="zh-CN" sz="1200" dirty="0"/>
+          </a:p>
+          <a:p>
+            <a:pPr marL="285750" indent="-285750">
+              <a:buFont typeface="Arial"/>
+              <a:buChar char="•"/>
+            </a:pPr>
+            <a:r>
+              <a:rPr kumimoji="1" lang="zh-CN" altLang="en-US" sz="1200" dirty="0" smtClean="0"/>
+              <a:t>一些视图</a:t>
+            </a:r>
+            <a:r>
+              <a:rPr kumimoji="1" lang="zh-CN" altLang="en-US" sz="1200" dirty="0"/>
+              <a:t>，像开关等，应该总是以它们的内在内容尺寸显示。 根据需要可以增加它们的</a:t>
+            </a:r>
+            <a:r>
+              <a:rPr kumimoji="1" lang="en-US" altLang="zh-CN" sz="1200" dirty="0"/>
+              <a:t>CHCR</a:t>
+            </a:r>
+            <a:r>
+              <a:rPr kumimoji="1" lang="zh-CN" altLang="en-US" sz="1200" dirty="0" smtClean="0"/>
+              <a:t>优先值来避免被拉伸或压缩</a:t>
+            </a:r>
+            <a:endParaRPr kumimoji="1" lang="en-US" altLang="zh-CN" sz="1200" dirty="0"/>
+          </a:p>
+        </p:txBody>
+      </p:sp>
+    </p:spTree>
+    <p:extLst>
+      <p:ext uri="{BB962C8B-B14F-4D97-AF65-F5344CB8AC3E}">
+        <p14:creationId xmlns:p14="http://schemas.microsoft.com/office/powerpoint/2010/main" val="1718639239"/>
+      </p:ext>
+    </p:extLst>
+  </p:cSld>
+  <p:clrMapOvr>
+    <a:masterClrMapping/>
+  </p:clrMapOvr>
+  <p:timing>
+    <p:tnLst>
+      <p:par>
+        <p:cTn xmlns:p14="http://schemas.microsoft.com/office/powerpoint/2010/main" id="1" dur="indefinite" restart="never" nodeType="tmRoot"/>
+      </p:par>
+    </p:tnLst>
+  </p:timing>
+</p:sld>
+</file>
+
+<file path=ppt/slides/slide11.xml><?xml version="1.0" encoding="utf-8"?>
+<p:sld xmlns:a="http://schemas.openxmlformats.org/drawingml/2006/main" xmlns:r="http://schemas.openxmlformats.org/officeDocument/2006/relationships" xmlns:p="http://schemas.openxmlformats.org/presentationml/2006/main">
+  <p:cSld>
+    <p:spTree>
+      <p:nvGrpSpPr>
+        <p:cNvPr id="1" name=""/>
+        <p:cNvGrpSpPr/>
+        <p:nvPr/>
+      </p:nvGrpSpPr>
+      <p:grpSpPr>
+        <a:xfrm>
+          <a:off x="0" y="0"/>
+          <a:ext cx="0" cy="0"/>
+          <a:chOff x="0" y="0"/>
+          <a:chExt cx="0" cy="0"/>
+        </a:xfrm>
+      </p:grpSpPr>
+      <p:pic>
+        <p:nvPicPr>
+          <p:cNvPr id="10" name="图片 9" descr="ppt背景.jpg"/>
+          <p:cNvPicPr>
+            <a:picLocks noChangeAspect="1"/>
+          </p:cNvPicPr>
+          <p:nvPr/>
+        </p:nvPicPr>
+        <p:blipFill>
+          <a:blip r:embed="rId2">
+            <a:extLst>
+              <a:ext uri="{28A0092B-C50C-407E-A947-70E740481C1C}">
+                <a14:useLocalDpi xmlns:a14="http://schemas.microsoft.com/office/drawing/2010/main" val="0"/>
+              </a:ext>
+            </a:extLst>
+          </a:blip>
+          <a:stretch>
+            <a:fillRect/>
+          </a:stretch>
+        </p:blipFill>
+        <p:spPr>
+          <a:xfrm>
+            <a:off x="-23550" y="-9329"/>
+            <a:ext cx="9167550" cy="6867329"/>
+          </a:xfrm>
+          <a:prstGeom prst="rect">
+            <a:avLst/>
+          </a:prstGeom>
+        </p:spPr>
+      </p:pic>
+      <p:sp>
+        <p:nvSpPr>
+          <p:cNvPr id="3" name="文字方塊 2"/>
+          <p:cNvSpPr txBox="1"/>
+          <p:nvPr/>
+        </p:nvSpPr>
+        <p:spPr>
+          <a:xfrm>
+            <a:off x="846594" y="459084"/>
+            <a:ext cx="4734656" cy="461665"/>
+          </a:xfrm>
+          <a:prstGeom prst="rect">
+            <a:avLst/>
+          </a:prstGeom>
+          <a:noFill/>
+        </p:spPr>
+        <p:txBody>
+          <a:bodyPr wrap="square" rtlCol="0">
+            <a:spAutoFit/>
+          </a:bodyPr>
+          <a:lstStyle/>
+          <a:p>
+            <a:pPr marL="342900" indent="-342900">
+              <a:buFont typeface="Arial"/>
+              <a:buChar char="•"/>
+            </a:pPr>
+            <a:r>
+              <a:rPr kumimoji="1" lang="en-US" altLang="zh-TW" sz="2400" dirty="0"/>
+              <a:t>Layout </a:t>
+            </a:r>
+            <a:r>
+              <a:rPr kumimoji="1" lang="en-US" altLang="zh-TW" sz="2400" dirty="0" smtClean="0"/>
+              <a:t>Margins</a:t>
+            </a:r>
+            <a:endParaRPr kumimoji="1" lang="en-US" altLang="zh-TW" sz="2400" dirty="0"/>
+          </a:p>
+        </p:txBody>
+      </p:sp>
+      <p:sp>
+        <p:nvSpPr>
+          <p:cNvPr id="5" name="文字方塊 4"/>
+          <p:cNvSpPr txBox="1"/>
+          <p:nvPr/>
+        </p:nvSpPr>
+        <p:spPr>
+          <a:xfrm>
+            <a:off x="862272" y="1175993"/>
+            <a:ext cx="7810256" cy="3139321"/>
+          </a:xfrm>
+          <a:prstGeom prst="rect">
+            <a:avLst/>
+          </a:prstGeom>
+          <a:noFill/>
+        </p:spPr>
+        <p:txBody>
+          <a:bodyPr wrap="square" rtlCol="0">
+            <a:spAutoFit/>
+          </a:bodyPr>
+          <a:lstStyle/>
+          <a:p>
+            <a:r>
+              <a:rPr kumimoji="1" lang="en-US" altLang="zh-CN" dirty="0" smtClean="0">
+                <a:latin typeface="宋体"/>
+                <a:ea typeface="宋体"/>
+                <a:cs typeface="宋体"/>
+              </a:rPr>
+              <a:t>	Auto</a:t>
+            </a:r>
+            <a:r>
+              <a:rPr kumimoji="1" lang="zh-CN" altLang="en-US" dirty="0" smtClean="0">
+                <a:latin typeface="宋体"/>
+                <a:ea typeface="宋体"/>
+                <a:cs typeface="宋体"/>
+              </a:rPr>
+              <a:t> </a:t>
+            </a:r>
+            <a:r>
+              <a:rPr kumimoji="1" lang="en-US" altLang="zh-CN" dirty="0" smtClean="0">
+                <a:latin typeface="宋体"/>
+                <a:ea typeface="宋体"/>
+                <a:cs typeface="宋体"/>
+              </a:rPr>
+              <a:t>Layout</a:t>
+            </a:r>
+            <a:r>
+              <a:rPr kumimoji="1" lang="zh-CN" altLang="en-US" dirty="0" smtClean="0">
+                <a:latin typeface="宋体"/>
+                <a:ea typeface="宋体"/>
+                <a:cs typeface="宋体"/>
+              </a:rPr>
+              <a:t>为每个视图都定义了</a:t>
+            </a:r>
+            <a:r>
+              <a:rPr kumimoji="1" lang="en-US" altLang="zh-CN" dirty="0" smtClean="0">
+                <a:latin typeface="宋体"/>
+                <a:ea typeface="宋体"/>
+                <a:cs typeface="宋体"/>
+              </a:rPr>
+              <a:t>margins</a:t>
+            </a:r>
+            <a:r>
+              <a:rPr kumimoji="1" lang="zh-CN" altLang="en-US" dirty="0" smtClean="0">
+                <a:latin typeface="宋体"/>
+                <a:ea typeface="宋体"/>
+                <a:cs typeface="宋体"/>
+              </a:rPr>
+              <a:t>。</a:t>
+            </a:r>
+            <a:r>
+              <a:rPr kumimoji="1" lang="en-US" altLang="zh-CN" dirty="0" smtClean="0">
+                <a:latin typeface="宋体"/>
+                <a:ea typeface="宋体"/>
+                <a:cs typeface="宋体"/>
+              </a:rPr>
+              <a:t>Margins</a:t>
+            </a:r>
+            <a:r>
+              <a:rPr kumimoji="1" lang="zh-CN" altLang="en-US" dirty="0" smtClean="0">
+                <a:latin typeface="宋体"/>
+                <a:ea typeface="宋体"/>
+                <a:cs typeface="宋体"/>
+              </a:rPr>
+              <a:t>描述了</a:t>
+            </a:r>
+            <a:r>
+              <a:rPr kumimoji="1" lang="en-US" altLang="zh-CN" dirty="0" smtClean="0">
+                <a:latin typeface="宋体"/>
+                <a:ea typeface="宋体"/>
+                <a:cs typeface="宋体"/>
+              </a:rPr>
+              <a:t>view</a:t>
+            </a:r>
+            <a:r>
+              <a:rPr kumimoji="1" lang="zh-CN" altLang="en-US" dirty="0" smtClean="0">
+                <a:latin typeface="宋体"/>
+                <a:ea typeface="宋体"/>
+                <a:cs typeface="宋体"/>
+              </a:rPr>
+              <a:t>的边界与</a:t>
+            </a:r>
+            <a:r>
+              <a:rPr kumimoji="1" lang="en-US" altLang="zh-CN" dirty="0" err="1" smtClean="0">
+                <a:latin typeface="宋体"/>
+                <a:ea typeface="宋体"/>
+                <a:cs typeface="宋体"/>
+              </a:rPr>
+              <a:t>subviews</a:t>
+            </a:r>
+            <a:r>
+              <a:rPr kumimoji="1" lang="zh-CN" altLang="en-US" dirty="0" smtClean="0">
+                <a:latin typeface="宋体"/>
+                <a:ea typeface="宋体"/>
+                <a:cs typeface="宋体"/>
+              </a:rPr>
+              <a:t>之间的间距。</a:t>
+            </a:r>
+            <a:r>
+              <a:rPr kumimoji="1" lang="zh-CN" altLang="en-US" dirty="0" smtClean="0">
+                <a:latin typeface="宋体"/>
+                <a:ea typeface="宋体"/>
+                <a:cs typeface="宋体"/>
+              </a:rPr>
+              <a:t>系统默认</a:t>
+            </a:r>
+            <a:r>
+              <a:rPr kumimoji="1" lang="en-US" altLang="zh-CN" dirty="0" smtClean="0">
+                <a:latin typeface="宋体"/>
+                <a:ea typeface="宋体"/>
+                <a:cs typeface="宋体"/>
+              </a:rPr>
+              <a:t>margins</a:t>
+            </a:r>
+            <a:r>
+              <a:rPr kumimoji="1" lang="zh-CN" altLang="en-US" dirty="0" smtClean="0">
+                <a:latin typeface="宋体"/>
+                <a:ea typeface="宋体"/>
+                <a:cs typeface="宋体"/>
+              </a:rPr>
+              <a:t>是</a:t>
+            </a:r>
+            <a:r>
+              <a:rPr kumimoji="1" lang="zh-CN" altLang="en-US" dirty="0" smtClean="0">
+                <a:latin typeface="宋体"/>
+                <a:ea typeface="宋体"/>
+                <a:cs typeface="宋体"/>
+              </a:rPr>
+              <a:t>每个边都是</a:t>
+            </a:r>
+            <a:r>
+              <a:rPr kumimoji="1" lang="en-US" altLang="zh-CN" dirty="0" smtClean="0">
+                <a:latin typeface="宋体"/>
+                <a:ea typeface="宋体"/>
+                <a:cs typeface="宋体"/>
+              </a:rPr>
+              <a:t>8</a:t>
+            </a:r>
+            <a:r>
+              <a:rPr kumimoji="1" lang="zh-CN" altLang="en-US" dirty="0" smtClean="0">
+                <a:latin typeface="宋体"/>
+                <a:ea typeface="宋体"/>
+                <a:cs typeface="宋体"/>
+              </a:rPr>
+              <a:t>个点，我们可以在</a:t>
+            </a:r>
+            <a:r>
+              <a:rPr kumimoji="1" lang="en-US" altLang="zh-CN" dirty="0" smtClean="0">
+                <a:latin typeface="宋体"/>
+                <a:ea typeface="宋体"/>
+                <a:cs typeface="宋体"/>
+              </a:rPr>
+              <a:t>interface</a:t>
+            </a:r>
+            <a:r>
+              <a:rPr kumimoji="1" lang="zh-CN" altLang="en-US" dirty="0" smtClean="0">
+                <a:latin typeface="宋体"/>
+                <a:ea typeface="宋体"/>
+                <a:cs typeface="宋体"/>
+              </a:rPr>
+              <a:t> </a:t>
+            </a:r>
+            <a:r>
+              <a:rPr kumimoji="1" lang="en-US" altLang="zh-CN" dirty="0" smtClean="0">
+                <a:latin typeface="宋体"/>
+                <a:ea typeface="宋体"/>
+                <a:cs typeface="宋体"/>
+              </a:rPr>
+              <a:t>builder</a:t>
+            </a:r>
+            <a:r>
+              <a:rPr kumimoji="1" lang="zh-CN" altLang="en-US" dirty="0" smtClean="0">
+                <a:latin typeface="宋体"/>
+                <a:ea typeface="宋体"/>
+                <a:cs typeface="宋体"/>
+              </a:rPr>
+              <a:t>里面或者</a:t>
+            </a:r>
+            <a:r>
+              <a:rPr kumimoji="1" lang="zh-CN" altLang="en-US" dirty="0" smtClean="0">
+                <a:latin typeface="宋体"/>
+                <a:cs typeface="宋体"/>
+              </a:rPr>
+              <a:t>通过代码对</a:t>
+            </a:r>
+            <a:r>
+              <a:rPr kumimoji="1" lang="en-US" altLang="zh-CN" dirty="0" err="1">
+                <a:latin typeface="宋体"/>
+                <a:cs typeface="宋体"/>
+              </a:rPr>
+              <a:t>layoutMargins</a:t>
+            </a:r>
+            <a:r>
+              <a:rPr kumimoji="1" lang="zh-CN" altLang="zh-CN" dirty="0">
+                <a:latin typeface="宋体"/>
+                <a:cs typeface="宋体"/>
+              </a:rPr>
+              <a:t>（</a:t>
+            </a:r>
+            <a:r>
+              <a:rPr kumimoji="1" lang="zh-CN" altLang="en-US" dirty="0">
+                <a:latin typeface="宋体"/>
+                <a:cs typeface="宋体"/>
+              </a:rPr>
+              <a:t>是一个</a:t>
+            </a:r>
+            <a:r>
+              <a:rPr kumimoji="1" lang="en-US" altLang="zh-CN" dirty="0" err="1">
+                <a:latin typeface="宋体"/>
+                <a:cs typeface="宋体"/>
+              </a:rPr>
+              <a:t>UIEdgeInsets</a:t>
+            </a:r>
+            <a:r>
+              <a:rPr kumimoji="1" lang="zh-CN" altLang="en-US" dirty="0">
+                <a:latin typeface="宋体"/>
+                <a:cs typeface="宋体"/>
+              </a:rPr>
+              <a:t>结构体）进行设置</a:t>
+            </a:r>
+            <a:r>
+              <a:rPr kumimoji="1" lang="zh-CN" altLang="en-US" dirty="0" smtClean="0">
+                <a:latin typeface="宋体"/>
+                <a:cs typeface="宋体"/>
+              </a:rPr>
+              <a:t>。</a:t>
+            </a:r>
+            <a:r>
+              <a:rPr kumimoji="1" lang="zh-CN" altLang="en-US" dirty="0" smtClean="0">
+                <a:latin typeface="宋体"/>
+                <a:cs typeface="宋体"/>
+              </a:rPr>
+              <a:t>系统会对</a:t>
+            </a:r>
+            <a:r>
+              <a:rPr kumimoji="1" lang="en-US" altLang="zh-CN" dirty="0" smtClean="0">
+                <a:latin typeface="宋体"/>
+                <a:cs typeface="宋体"/>
+              </a:rPr>
+              <a:t>view</a:t>
+            </a:r>
+            <a:r>
+              <a:rPr kumimoji="1" lang="zh-CN" altLang="en-US" dirty="0" smtClean="0">
+                <a:latin typeface="宋体"/>
+                <a:cs typeface="宋体"/>
+              </a:rPr>
+              <a:t> </a:t>
+            </a:r>
+            <a:r>
+              <a:rPr kumimoji="1" lang="en-US" altLang="zh-CN" dirty="0" smtClean="0">
+                <a:latin typeface="宋体"/>
+                <a:cs typeface="宋体"/>
+              </a:rPr>
+              <a:t>controller’s</a:t>
+            </a:r>
+            <a:r>
+              <a:rPr kumimoji="1" lang="zh-CN" altLang="en-US" dirty="0" smtClean="0">
+                <a:latin typeface="宋体"/>
+                <a:cs typeface="宋体"/>
+              </a:rPr>
+              <a:t> </a:t>
+            </a:r>
+            <a:r>
+              <a:rPr kumimoji="1" lang="en-US" altLang="zh-CN" dirty="0" smtClean="0">
+                <a:latin typeface="宋体"/>
+                <a:cs typeface="宋体"/>
+              </a:rPr>
+              <a:t>root</a:t>
+            </a:r>
+            <a:r>
+              <a:rPr kumimoji="1" lang="zh-CN" altLang="en-US" dirty="0" smtClean="0">
+                <a:latin typeface="宋体"/>
+                <a:cs typeface="宋体"/>
+              </a:rPr>
+              <a:t> </a:t>
+            </a:r>
+            <a:r>
+              <a:rPr kumimoji="1" lang="en-US" altLang="zh-CN" dirty="0" smtClean="0">
+                <a:latin typeface="宋体"/>
+                <a:cs typeface="宋体"/>
+              </a:rPr>
+              <a:t>view</a:t>
+            </a:r>
+            <a:r>
+              <a:rPr kumimoji="1" lang="zh-CN" altLang="en-US" dirty="0" smtClean="0">
+                <a:latin typeface="宋体"/>
+                <a:cs typeface="宋体"/>
+              </a:rPr>
+              <a:t>设置和管理</a:t>
+            </a:r>
+            <a:r>
+              <a:rPr kumimoji="1" lang="en-US" altLang="zh-CN" dirty="0" smtClean="0">
+                <a:latin typeface="宋体"/>
+                <a:cs typeface="宋体"/>
+              </a:rPr>
+              <a:t>margins</a:t>
+            </a:r>
+            <a:r>
+              <a:rPr kumimoji="1" lang="zh-CN" altLang="en-US" dirty="0" smtClean="0">
+                <a:latin typeface="宋体"/>
+                <a:cs typeface="宋体"/>
+              </a:rPr>
+              <a:t>。</a:t>
+            </a:r>
+            <a:r>
+              <a:rPr kumimoji="1" lang="en-US" altLang="zh-CN" dirty="0" smtClean="0">
+                <a:latin typeface="宋体"/>
+                <a:cs typeface="宋体"/>
+              </a:rPr>
+              <a:t>Top</a:t>
+            </a:r>
+            <a:r>
+              <a:rPr kumimoji="1" lang="zh-CN" altLang="en-US" dirty="0" smtClean="0">
+                <a:latin typeface="宋体"/>
+                <a:cs typeface="宋体"/>
+              </a:rPr>
+              <a:t>和</a:t>
+            </a:r>
+            <a:r>
+              <a:rPr kumimoji="1" lang="en-US" altLang="zh-CN" dirty="0" smtClean="0">
+                <a:latin typeface="宋体"/>
+                <a:cs typeface="宋体"/>
+              </a:rPr>
+              <a:t>bottom</a:t>
+            </a:r>
+            <a:r>
+              <a:rPr kumimoji="1" lang="zh-CN" altLang="en-US" dirty="0" smtClean="0">
+                <a:latin typeface="宋体"/>
+                <a:cs typeface="宋体"/>
+              </a:rPr>
+              <a:t>设为</a:t>
+            </a:r>
+            <a:r>
+              <a:rPr kumimoji="1" lang="en-US" altLang="zh-CN" dirty="0" smtClean="0">
+                <a:latin typeface="宋体"/>
+                <a:cs typeface="宋体"/>
+              </a:rPr>
+              <a:t>0</a:t>
+            </a:r>
+            <a:r>
+              <a:rPr kumimoji="1" lang="zh-CN" altLang="en-US" dirty="0" smtClean="0">
+                <a:latin typeface="宋体"/>
+                <a:cs typeface="宋体"/>
+              </a:rPr>
+              <a:t>，左右两边</a:t>
+            </a:r>
+            <a:r>
+              <a:rPr kumimoji="1" lang="en-US" altLang="zh-CN" dirty="0" err="1" smtClean="0">
+                <a:latin typeface="宋体"/>
+                <a:cs typeface="宋体"/>
+              </a:rPr>
+              <a:t>margsin</a:t>
+            </a:r>
+            <a:r>
+              <a:rPr kumimoji="1" lang="zh-CN" altLang="en-US" dirty="0" smtClean="0">
+                <a:latin typeface="宋体"/>
+                <a:cs typeface="宋体"/>
+              </a:rPr>
+              <a:t>依赖</a:t>
+            </a:r>
+            <a:r>
+              <a:rPr kumimoji="1" lang="en-US" altLang="zh-CN" dirty="0" smtClean="0">
+                <a:latin typeface="宋体"/>
+                <a:cs typeface="宋体"/>
+              </a:rPr>
+              <a:t>controller</a:t>
+            </a:r>
+            <a:r>
+              <a:rPr kumimoji="1" lang="zh-CN" altLang="en-US" dirty="0" smtClean="0">
+                <a:latin typeface="宋体"/>
+                <a:cs typeface="宋体"/>
+              </a:rPr>
+              <a:t>的呈现方式，要么是</a:t>
+            </a:r>
+            <a:r>
+              <a:rPr kumimoji="1" lang="en-US" altLang="zh-CN" dirty="0" smtClean="0">
+                <a:latin typeface="宋体"/>
+                <a:cs typeface="宋体"/>
+              </a:rPr>
+              <a:t>16</a:t>
+            </a:r>
+            <a:r>
+              <a:rPr kumimoji="1" lang="zh-CN" altLang="en-US" dirty="0" smtClean="0">
+                <a:latin typeface="宋体"/>
+                <a:cs typeface="宋体"/>
+              </a:rPr>
+              <a:t>或</a:t>
+            </a:r>
+            <a:r>
+              <a:rPr kumimoji="1" lang="en-US" altLang="zh-CN" dirty="0" smtClean="0">
+                <a:latin typeface="宋体"/>
+                <a:cs typeface="宋体"/>
+              </a:rPr>
+              <a:t>20</a:t>
+            </a:r>
+            <a:r>
+              <a:rPr kumimoji="1" lang="zh-CN" altLang="en-US" dirty="0" smtClean="0">
+                <a:latin typeface="宋体"/>
+                <a:cs typeface="宋体"/>
+              </a:rPr>
+              <a:t>。我们不能修改这些</a:t>
+            </a:r>
+            <a:r>
+              <a:rPr kumimoji="1" lang="en-US" altLang="zh-CN" dirty="0" smtClean="0">
+                <a:latin typeface="宋体"/>
+                <a:cs typeface="宋体"/>
+              </a:rPr>
+              <a:t>margins</a:t>
+            </a:r>
+            <a:r>
+              <a:rPr kumimoji="1" lang="zh-CN" altLang="en-US" dirty="0" smtClean="0">
+                <a:latin typeface="宋体"/>
+                <a:cs typeface="宋体"/>
+              </a:rPr>
+              <a:t>。</a:t>
+            </a:r>
+            <a:endParaRPr kumimoji="1" lang="en-US" altLang="zh-CN" dirty="0" smtClean="0">
+              <a:latin typeface="宋体"/>
+              <a:cs typeface="宋体"/>
+            </a:endParaRPr>
+          </a:p>
+          <a:p>
+            <a:r>
+              <a:rPr kumimoji="1" lang="en-US" altLang="zh-CN" dirty="0" smtClean="0">
+                <a:latin typeface="宋体"/>
+                <a:cs typeface="宋体"/>
+              </a:rPr>
+              <a:t>	</a:t>
+            </a:r>
+            <a:endParaRPr kumimoji="1" lang="en-US" altLang="zh-CN" dirty="0">
+              <a:latin typeface="宋体"/>
+              <a:cs typeface="宋体"/>
+            </a:endParaRPr>
+          </a:p>
+          <a:p>
+            <a:endParaRPr kumimoji="1" lang="en-US" altLang="zh-CN" dirty="0" smtClean="0">
+              <a:latin typeface="宋体"/>
+              <a:cs typeface="宋体"/>
+            </a:endParaRPr>
+          </a:p>
+          <a:p>
+            <a:endParaRPr kumimoji="1" lang="en-US" altLang="zh-CN" dirty="0" smtClean="0">
+              <a:latin typeface="宋体"/>
+              <a:cs typeface="宋体"/>
+            </a:endParaRPr>
+          </a:p>
+          <a:p>
+            <a:r>
+              <a:rPr kumimoji="1" lang="zh-CN" altLang="en-US" dirty="0" smtClean="0">
+                <a:latin typeface="宋体"/>
+                <a:cs typeface="宋体"/>
+              </a:rPr>
+              <a:t>探秘：</a:t>
+            </a:r>
+            <a:r>
+              <a:rPr kumimoji="1" lang="en-US" altLang="zh-CN" dirty="0" err="1" smtClean="0">
+                <a:latin typeface="宋体"/>
+                <a:cs typeface="宋体"/>
+              </a:rPr>
+              <a:t>preservesSuperviewLayoutMargins</a:t>
+            </a:r>
+            <a:r>
+              <a:rPr kumimoji="1" lang="zh-CN" altLang="en-US" dirty="0" smtClean="0">
+                <a:latin typeface="宋体"/>
+                <a:cs typeface="宋体"/>
+              </a:rPr>
+              <a:t>属性作用</a:t>
+            </a:r>
+            <a:endParaRPr kumimoji="1" lang="en-US" altLang="zh-CN" dirty="0">
+              <a:latin typeface="宋体"/>
+              <a:cs typeface="宋体"/>
+            </a:endParaRPr>
+          </a:p>
+          <a:p>
+            <a:endParaRPr kumimoji="1" lang="en-US" altLang="zh-CN" dirty="0" smtClean="0">
+              <a:latin typeface="宋体"/>
+              <a:ea typeface="宋体"/>
+              <a:cs typeface="宋体"/>
+            </a:endParaRPr>
+          </a:p>
+        </p:txBody>
+      </p:sp>
+    </p:spTree>
+    <p:extLst>
+      <p:ext uri="{BB962C8B-B14F-4D97-AF65-F5344CB8AC3E}">
+        <p14:creationId xmlns:p14="http://schemas.microsoft.com/office/powerpoint/2010/main" val="1154291712"/>
+      </p:ext>
+    </p:extLst>
+  </p:cSld>
+  <p:clrMapOvr>
+    <a:masterClrMapping/>
+  </p:clrMapOvr>
+  <p:timing>
+    <p:tnLst>
+      <p:par>
+        <p:cTn xmlns:p14="http://schemas.microsoft.com/office/powerpoint/2010/main" id="1" dur="indefinite" restart="never" nodeType="tmRoot"/>
+      </p:par>
+    </p:tnLst>
+  </p:timing>
+</p:sld>
+</file>
+
+<file path=ppt/slides/slide12.xml><?xml version="1.0" encoding="utf-8"?>
+<p:sld xmlns:a="http://schemas.openxmlformats.org/drawingml/2006/main" xmlns:r="http://schemas.openxmlformats.org/officeDocument/2006/relationships" xmlns:p="http://schemas.openxmlformats.org/presentationml/2006/main">
+  <p:cSld>
+    <p:spTree>
+      <p:nvGrpSpPr>
+        <p:cNvPr id="1" name=""/>
+        <p:cNvGrpSpPr/>
+        <p:nvPr/>
+      </p:nvGrpSpPr>
+      <p:grpSpPr>
+        <a:xfrm>
+          <a:off x="0" y="0"/>
+          <a:ext cx="0" cy="0"/>
+          <a:chOff x="0" y="0"/>
+          <a:chExt cx="0" cy="0"/>
+        </a:xfrm>
+      </p:grpSpPr>
+      <p:pic>
+        <p:nvPicPr>
+          <p:cNvPr id="10" name="图片 9" descr="ppt背景.jpg"/>
+          <p:cNvPicPr>
+            <a:picLocks noChangeAspect="1"/>
+          </p:cNvPicPr>
+          <p:nvPr/>
+        </p:nvPicPr>
+        <p:blipFill>
+          <a:blip r:embed="rId2">
+            <a:extLst>
+              <a:ext uri="{28A0092B-C50C-407E-A947-70E740481C1C}">
+                <a14:useLocalDpi xmlns:a14="http://schemas.microsoft.com/office/drawing/2010/main" val="0"/>
+              </a:ext>
+            </a:extLst>
+          </a:blip>
+          <a:stretch>
+            <a:fillRect/>
+          </a:stretch>
+        </p:blipFill>
+        <p:spPr>
+          <a:xfrm>
+            <a:off x="-23550" y="-9329"/>
+            <a:ext cx="9167550" cy="6867329"/>
+          </a:xfrm>
+          <a:prstGeom prst="rect">
+            <a:avLst/>
+          </a:prstGeom>
+        </p:spPr>
+      </p:pic>
+      <p:sp>
+        <p:nvSpPr>
+          <p:cNvPr id="3" name="文字方塊 2"/>
+          <p:cNvSpPr txBox="1"/>
+          <p:nvPr/>
+        </p:nvSpPr>
+        <p:spPr>
+          <a:xfrm>
+            <a:off x="862272" y="459084"/>
+            <a:ext cx="4734656" cy="461665"/>
+          </a:xfrm>
+          <a:prstGeom prst="rect">
+            <a:avLst/>
+          </a:prstGeom>
+          <a:noFill/>
+        </p:spPr>
+        <p:txBody>
+          <a:bodyPr wrap="square" rtlCol="0">
+            <a:spAutoFit/>
+          </a:bodyPr>
+          <a:lstStyle/>
+          <a:p>
+            <a:pPr marL="342900" indent="-342900">
+              <a:buFont typeface="Arial"/>
+              <a:buChar char="•"/>
+            </a:pPr>
+            <a:r>
+              <a:rPr kumimoji="1" lang="en-US" altLang="zh-CN" sz="2400" dirty="0" smtClean="0"/>
+              <a:t>iOS9</a:t>
+            </a:r>
+            <a:r>
+              <a:rPr kumimoji="1" lang="zh-CN" altLang="en-US" sz="2400" dirty="0" smtClean="0"/>
+              <a:t>新特性</a:t>
+            </a:r>
+            <a:endParaRPr kumimoji="1" lang="en-US" altLang="zh-TW" sz="2400" dirty="0"/>
+          </a:p>
+        </p:txBody>
+      </p:sp>
+      <p:sp>
+        <p:nvSpPr>
+          <p:cNvPr id="5" name="文字方塊 4"/>
+          <p:cNvSpPr txBox="1"/>
+          <p:nvPr/>
+        </p:nvSpPr>
+        <p:spPr>
+          <a:xfrm>
+            <a:off x="862272" y="1175993"/>
+            <a:ext cx="8281728" cy="2585323"/>
+          </a:xfrm>
+          <a:prstGeom prst="rect">
+            <a:avLst/>
+          </a:prstGeom>
+          <a:noFill/>
+        </p:spPr>
+        <p:txBody>
+          <a:bodyPr wrap="square" rtlCol="0">
+            <a:spAutoFit/>
+          </a:bodyPr>
+          <a:lstStyle/>
+          <a:p>
+            <a:r>
+              <a:rPr lang="en-US" altLang="zh-CN" dirty="0"/>
+              <a:t>Auto Layout Without </a:t>
+            </a:r>
+            <a:r>
+              <a:rPr lang="en-US" altLang="zh-CN" dirty="0" smtClean="0"/>
+              <a:t>Constraints</a:t>
+            </a:r>
+            <a:r>
+              <a:rPr lang="zh-CN" altLang="en-US" dirty="0" smtClean="0"/>
+              <a:t> </a:t>
+            </a:r>
+            <a:r>
+              <a:rPr lang="mr-IN" altLang="zh-CN" dirty="0" smtClean="0"/>
+              <a:t>–</a:t>
+            </a:r>
+            <a:r>
+              <a:rPr lang="zh-CN" altLang="en-US" dirty="0" smtClean="0"/>
+              <a:t> </a:t>
+            </a:r>
+            <a:r>
+              <a:rPr lang="en-US" altLang="zh-CN" dirty="0" err="1" smtClean="0"/>
+              <a:t>UIStackView</a:t>
+            </a:r>
+            <a:endParaRPr lang="en-US" altLang="zh-CN" dirty="0" smtClean="0"/>
+          </a:p>
+          <a:p>
+            <a:endParaRPr lang="en-US" altLang="zh-CN" dirty="0" smtClean="0"/>
+          </a:p>
+          <a:p>
+            <a:r>
+              <a:rPr lang="en-US" altLang="zh-CN" dirty="0" smtClean="0"/>
+              <a:t>	</a:t>
+            </a:r>
+            <a:r>
+              <a:rPr lang="zh-CN" altLang="en-US" dirty="0" smtClean="0"/>
+              <a:t>堆栈视图为衡量</a:t>
+            </a:r>
+            <a:r>
+              <a:rPr lang="en-US" altLang="zh-CN" dirty="0"/>
+              <a:t>(leverage)</a:t>
+            </a:r>
+            <a:r>
+              <a:rPr lang="zh-CN" altLang="en-US" dirty="0"/>
+              <a:t>自动布局的强大提供了一个简单的方法，它不需要介绍各个约束的复杂性。 单个堆栈视图定义了用户界面的一行或一列元素。 堆栈视图根据这些元素的特性把它们组织到一起。</a:t>
+            </a:r>
+          </a:p>
+          <a:p>
+            <a:endParaRPr lang="en-US" altLang="zh-CN" dirty="0"/>
+          </a:p>
+          <a:p>
+            <a:r>
+              <a:rPr lang="en-US" altLang="zh-CN" dirty="0" smtClean="0"/>
+              <a:t>	</a:t>
+            </a:r>
+            <a:r>
+              <a:rPr lang="zh-CN" altLang="en-US" dirty="0" smtClean="0"/>
+              <a:t>堆栈视图里面还可以嵌套别</a:t>
+            </a:r>
+            <a:r>
+              <a:rPr lang="zh-CN" altLang="en-US" dirty="0"/>
+              <a:t>的堆栈视图以构建更复杂的布局</a:t>
+            </a:r>
+            <a:r>
+              <a:rPr lang="zh-CN" altLang="en-US" dirty="0" smtClean="0"/>
+              <a:t>。</a:t>
+            </a:r>
+            <a:endParaRPr lang="en-US" altLang="zh-CN" dirty="0" smtClean="0"/>
+          </a:p>
+          <a:p>
+            <a:r>
+              <a:rPr lang="en-US" altLang="zh-CN" dirty="0" smtClean="0"/>
+              <a:t>	</a:t>
+            </a:r>
+            <a:r>
+              <a:rPr lang="zh-CN" altLang="en-US" dirty="0"/>
+              <a:t>一般来说，尽可能使用堆栈视图来管理你的布局。只有当仅使用堆栈视图无法达到你的目标时，可以采用各种约束</a:t>
+            </a:r>
+            <a:r>
+              <a:rPr lang="zh-CN" altLang="en-US" dirty="0" smtClean="0"/>
+              <a:t>。</a:t>
+            </a:r>
+            <a:r>
+              <a:rPr lang="zh-CN" altLang="en-US" dirty="0" smtClean="0"/>
+              <a:t> </a:t>
+            </a:r>
+            <a:endParaRPr lang="zh-CN" altLang="en-US" dirty="0"/>
+          </a:p>
+        </p:txBody>
+      </p:sp>
+      <p:pic>
+        <p:nvPicPr>
+          <p:cNvPr id="2" name="图片 1" descr="IB_StackView_NestedStacks_2x.png"/>
+          <p:cNvPicPr>
+            <a:picLocks noChangeAspect="1"/>
+          </p:cNvPicPr>
+          <p:nvPr/>
+        </p:nvPicPr>
+        <p:blipFill>
+          <a:blip r:embed="rId3">
+            <a:extLst>
+              <a:ext uri="{28A0092B-C50C-407E-A947-70E740481C1C}">
+                <a14:useLocalDpi xmlns:a14="http://schemas.microsoft.com/office/drawing/2010/main" val="0"/>
+              </a:ext>
+            </a:extLst>
+          </a:blip>
+          <a:stretch>
+            <a:fillRect/>
+          </a:stretch>
+        </p:blipFill>
+        <p:spPr>
+          <a:xfrm>
+            <a:off x="4634550" y="3761317"/>
+            <a:ext cx="1831699" cy="1496404"/>
+          </a:xfrm>
+          <a:prstGeom prst="rect">
+            <a:avLst/>
+          </a:prstGeom>
+        </p:spPr>
+      </p:pic>
+      <p:pic>
+        <p:nvPicPr>
+          <p:cNvPr id="4" name="图片 3" descr="IB_StackView_Simple_2x.png"/>
+          <p:cNvPicPr>
+            <a:picLocks noChangeAspect="1"/>
+          </p:cNvPicPr>
+          <p:nvPr/>
+        </p:nvPicPr>
+        <p:blipFill>
+          <a:blip r:embed="rId4">
+            <a:extLst>
+              <a:ext uri="{28A0092B-C50C-407E-A947-70E740481C1C}">
+                <a14:useLocalDpi xmlns:a14="http://schemas.microsoft.com/office/drawing/2010/main" val="0"/>
+              </a:ext>
+            </a:extLst>
+          </a:blip>
+          <a:stretch>
+            <a:fillRect/>
+          </a:stretch>
+        </p:blipFill>
+        <p:spPr>
+          <a:xfrm>
+            <a:off x="1857518" y="3797300"/>
+            <a:ext cx="2260650" cy="1460420"/>
+          </a:xfrm>
+          <a:prstGeom prst="rect">
+            <a:avLst/>
+          </a:prstGeom>
+        </p:spPr>
+      </p:pic>
+      <p:sp>
+        <p:nvSpPr>
+          <p:cNvPr id="6" name="文本框 5"/>
+          <p:cNvSpPr txBox="1"/>
+          <p:nvPr/>
+        </p:nvSpPr>
+        <p:spPr>
+          <a:xfrm>
+            <a:off x="862272" y="5808335"/>
+            <a:ext cx="5131673" cy="276999"/>
+          </a:xfrm>
+          <a:prstGeom prst="rect">
+            <a:avLst/>
+          </a:prstGeom>
+          <a:noFill/>
+        </p:spPr>
+        <p:txBody>
+          <a:bodyPr wrap="square" rtlCol="0">
+            <a:spAutoFit/>
+          </a:bodyPr>
+          <a:lstStyle/>
+          <a:p>
+            <a:r>
+              <a:rPr kumimoji="1" lang="en-US" altLang="zh-CN" sz="1200" dirty="0" smtClean="0"/>
+              <a:t>Tip</a:t>
+            </a:r>
+            <a:r>
+              <a:rPr kumimoji="1" lang="en-US" altLang="zh-CN" sz="1200" dirty="0" smtClean="0"/>
+              <a:t>:</a:t>
+            </a:r>
+            <a:r>
+              <a:rPr kumimoji="1" lang="zh-CN" altLang="en-US" sz="1200" dirty="0" smtClean="0"/>
+              <a:t> </a:t>
+            </a:r>
+            <a:r>
+              <a:rPr kumimoji="1" lang="en-US" altLang="zh-CN" sz="1200" dirty="0" err="1" smtClean="0"/>
+              <a:t>UIStackView</a:t>
+            </a:r>
+            <a:r>
+              <a:rPr kumimoji="1" lang="zh-CN" altLang="en-US" sz="1200" dirty="0" smtClean="0"/>
+              <a:t>不会被渲染到屏幕上，所以不要设置背景色等属性</a:t>
+            </a:r>
+            <a:endParaRPr kumimoji="1" lang="zh-CN" altLang="en-US" sz="1200" dirty="0"/>
+          </a:p>
+        </p:txBody>
+      </p:sp>
+    </p:spTree>
+    <p:extLst>
+      <p:ext uri="{BB962C8B-B14F-4D97-AF65-F5344CB8AC3E}">
+        <p14:creationId xmlns:p14="http://schemas.microsoft.com/office/powerpoint/2010/main" val="1672994926"/>
+      </p:ext>
+    </p:extLst>
+  </p:cSld>
+  <p:clrMapOvr>
+    <a:masterClrMapping/>
+  </p:clrMapOvr>
+  <p:timing>
+    <p:tnLst>
+      <p:par>
+        <p:cTn xmlns:p14="http://schemas.microsoft.com/office/powerpoint/2010/main" id="1" dur="indefinite" restart="never" nodeType="tmRoot"/>
+      </p:par>
+    </p:tnLst>
+  </p:timing>
+</p:sld>
+</file>
+
+<file path=ppt/slides/slide13.xml><?xml version="1.0" encoding="utf-8"?>
+<p:sld xmlns:a="http://schemas.openxmlformats.org/drawingml/2006/main" xmlns:r="http://schemas.openxmlformats.org/officeDocument/2006/relationships" xmlns:p="http://schemas.openxmlformats.org/presentationml/2006/main">
+  <p:cSld>
+    <p:spTree>
+      <p:nvGrpSpPr>
+        <p:cNvPr id="1" name=""/>
+        <p:cNvGrpSpPr/>
+        <p:nvPr/>
+      </p:nvGrpSpPr>
+      <p:grpSpPr>
+        <a:xfrm>
+          <a:off x="0" y="0"/>
+          <a:ext cx="0" cy="0"/>
+          <a:chOff x="0" y="0"/>
+          <a:chExt cx="0" cy="0"/>
+        </a:xfrm>
+      </p:grpSpPr>
+      <p:pic>
+        <p:nvPicPr>
+          <p:cNvPr id="10" name="图片 9" descr="ppt背景.jpg"/>
+          <p:cNvPicPr>
+            <a:picLocks noChangeAspect="1"/>
+          </p:cNvPicPr>
+          <p:nvPr/>
+        </p:nvPicPr>
+        <p:blipFill>
+          <a:blip r:embed="rId2">
+            <a:extLst>
+              <a:ext uri="{28A0092B-C50C-407E-A947-70E740481C1C}">
+                <a14:useLocalDpi xmlns:a14="http://schemas.microsoft.com/office/drawing/2010/main" val="0"/>
+              </a:ext>
+            </a:extLst>
+          </a:blip>
+          <a:stretch>
+            <a:fillRect/>
+          </a:stretch>
+        </p:blipFill>
+        <p:spPr>
+          <a:xfrm>
+            <a:off x="-23550" y="-9329"/>
+            <a:ext cx="9167550" cy="6867329"/>
+          </a:xfrm>
+          <a:prstGeom prst="rect">
+            <a:avLst/>
+          </a:prstGeom>
+        </p:spPr>
+      </p:pic>
+      <p:sp>
+        <p:nvSpPr>
+          <p:cNvPr id="5" name="文字方塊 4"/>
+          <p:cNvSpPr txBox="1"/>
+          <p:nvPr/>
+        </p:nvSpPr>
+        <p:spPr>
+          <a:xfrm>
+            <a:off x="862272" y="650045"/>
+            <a:ext cx="7810256" cy="1200329"/>
+          </a:xfrm>
+          <a:prstGeom prst="rect">
+            <a:avLst/>
+          </a:prstGeom>
+          <a:noFill/>
+        </p:spPr>
+        <p:txBody>
+          <a:bodyPr wrap="square" rtlCol="0">
+            <a:spAutoFit/>
+          </a:bodyPr>
+          <a:lstStyle/>
+          <a:p>
+            <a:r>
+              <a:rPr lang="en-US" altLang="zh-CN" dirty="0"/>
+              <a:t>Readable Content </a:t>
+            </a:r>
+            <a:r>
+              <a:rPr lang="en-US" altLang="zh-CN" dirty="0" smtClean="0"/>
+              <a:t>Guides</a:t>
+            </a:r>
+          </a:p>
+          <a:p>
+            <a:endParaRPr lang="en-US" altLang="zh-CN" dirty="0"/>
+          </a:p>
+          <a:p>
+            <a:r>
+              <a:rPr lang="zh-CN" altLang="en-US" dirty="0"/>
+              <a:t>这个属性为</a:t>
+            </a:r>
+            <a:r>
+              <a:rPr lang="en-US" altLang="zh-CN" dirty="0"/>
+              <a:t>View</a:t>
+            </a:r>
+            <a:r>
+              <a:rPr lang="zh-CN" altLang="en-US" dirty="0"/>
+              <a:t>定义了一个可以放置用于阅读的内容的最佳区域。如果启用</a:t>
+            </a:r>
+            <a:r>
+              <a:rPr lang="en-US" altLang="zh-CN" dirty="0" err="1"/>
+              <a:t>readableContentGuide</a:t>
+            </a:r>
+            <a:r>
+              <a:rPr lang="zh-CN" altLang="en-US" dirty="0"/>
+              <a:t>的话，那么</a:t>
+            </a:r>
+            <a:r>
+              <a:rPr lang="en-US" altLang="zh-CN" dirty="0"/>
+              <a:t>View</a:t>
+            </a:r>
+            <a:r>
+              <a:rPr lang="zh-CN" altLang="en-US" dirty="0"/>
+              <a:t>就会把它作为边缘进行布局。</a:t>
+            </a:r>
+            <a:endParaRPr lang="en-US" altLang="zh-CN" dirty="0"/>
+          </a:p>
+        </p:txBody>
+      </p:sp>
+      <p:pic>
+        <p:nvPicPr>
+          <p:cNvPr id="6" name="图片 5" descr="20160810174707788.png"/>
+          <p:cNvPicPr>
+            <a:picLocks noChangeAspect="1"/>
+          </p:cNvPicPr>
+          <p:nvPr/>
+        </p:nvPicPr>
+        <p:blipFill>
+          <a:blip r:embed="rId3">
+            <a:extLst>
+              <a:ext uri="{28A0092B-C50C-407E-A947-70E740481C1C}">
+                <a14:useLocalDpi xmlns:a14="http://schemas.microsoft.com/office/drawing/2010/main" val="0"/>
+              </a:ext>
+            </a:extLst>
+          </a:blip>
+          <a:stretch>
+            <a:fillRect/>
+          </a:stretch>
+        </p:blipFill>
+        <p:spPr>
+          <a:xfrm>
+            <a:off x="5732012" y="2151043"/>
+            <a:ext cx="2132277" cy="3794087"/>
+          </a:xfrm>
+          <a:prstGeom prst="rect">
+            <a:avLst/>
+          </a:prstGeom>
+        </p:spPr>
+      </p:pic>
+      <p:pic>
+        <p:nvPicPr>
+          <p:cNvPr id="7" name="图片 6" descr="20160810175211591.png"/>
+          <p:cNvPicPr>
+            <a:picLocks noChangeAspect="1"/>
+          </p:cNvPicPr>
+          <p:nvPr/>
+        </p:nvPicPr>
+        <p:blipFill>
+          <a:blip r:embed="rId4">
+            <a:extLst>
+              <a:ext uri="{28A0092B-C50C-407E-A947-70E740481C1C}">
+                <a14:useLocalDpi xmlns:a14="http://schemas.microsoft.com/office/drawing/2010/main" val="0"/>
+              </a:ext>
+            </a:extLst>
+          </a:blip>
+          <a:stretch>
+            <a:fillRect/>
+          </a:stretch>
+        </p:blipFill>
+        <p:spPr>
+          <a:xfrm>
+            <a:off x="862272" y="2450088"/>
+            <a:ext cx="3950927" cy="2963195"/>
+          </a:xfrm>
+          <a:prstGeom prst="rect">
+            <a:avLst/>
+          </a:prstGeom>
+        </p:spPr>
+      </p:pic>
+    </p:spTree>
+    <p:extLst>
+      <p:ext uri="{BB962C8B-B14F-4D97-AF65-F5344CB8AC3E}">
+        <p14:creationId xmlns:p14="http://schemas.microsoft.com/office/powerpoint/2010/main" val="786807618"/>
+      </p:ext>
+    </p:extLst>
+  </p:cSld>
+  <p:clrMapOvr>
+    <a:masterClrMapping/>
+  </p:clrMapOvr>
+  <p:timing>
+    <p:tnLst>
+      <p:par>
+        <p:cTn xmlns:p14="http://schemas.microsoft.com/office/powerpoint/2010/main" id="1" dur="indefinite" restart="never" nodeType="tmRoot"/>
+      </p:par>
+    </p:tnLst>
+  </p:timing>
+</p:sld>
+</file>
+
+<file path=ppt/slides/slide14.xml><?xml version="1.0" encoding="utf-8"?>
+<p:sld xmlns:a="http://schemas.openxmlformats.org/drawingml/2006/main" xmlns:r="http://schemas.openxmlformats.org/officeDocument/2006/relationships" xmlns:p="http://schemas.openxmlformats.org/presentationml/2006/main">
+  <p:cSld>
+    <p:spTree>
+      <p:nvGrpSpPr>
+        <p:cNvPr id="1" name=""/>
+        <p:cNvGrpSpPr/>
+        <p:nvPr/>
+      </p:nvGrpSpPr>
+      <p:grpSpPr>
+        <a:xfrm>
+          <a:off x="0" y="0"/>
+          <a:ext cx="0" cy="0"/>
+          <a:chOff x="0" y="0"/>
+          <a:chExt cx="0" cy="0"/>
+        </a:xfrm>
+      </p:grpSpPr>
+      <p:pic>
+        <p:nvPicPr>
+          <p:cNvPr id="10" name="图片 9" descr="ppt背景.jpg"/>
+          <p:cNvPicPr>
+            <a:picLocks noChangeAspect="1"/>
+          </p:cNvPicPr>
+          <p:nvPr/>
+        </p:nvPicPr>
+        <p:blipFill>
+          <a:blip r:embed="rId2">
+            <a:extLst>
+              <a:ext uri="{28A0092B-C50C-407E-A947-70E740481C1C}">
+                <a14:useLocalDpi xmlns:a14="http://schemas.microsoft.com/office/drawing/2010/main" val="0"/>
+              </a:ext>
+            </a:extLst>
+          </a:blip>
+          <a:stretch>
+            <a:fillRect/>
+          </a:stretch>
+        </p:blipFill>
+        <p:spPr>
+          <a:xfrm>
+            <a:off x="-23550" y="-9329"/>
+            <a:ext cx="9167550" cy="6867329"/>
+          </a:xfrm>
+          <a:prstGeom prst="rect">
+            <a:avLst/>
+          </a:prstGeom>
+        </p:spPr>
+      </p:pic>
+      <p:sp>
+        <p:nvSpPr>
+          <p:cNvPr id="3" name="文本框 2"/>
+          <p:cNvSpPr txBox="1"/>
+          <p:nvPr/>
+        </p:nvSpPr>
+        <p:spPr>
+          <a:xfrm>
+            <a:off x="329231" y="642876"/>
+            <a:ext cx="8403229" cy="646331"/>
+          </a:xfrm>
+          <a:prstGeom prst="rect">
+            <a:avLst/>
+          </a:prstGeom>
+          <a:noFill/>
+        </p:spPr>
+        <p:txBody>
+          <a:bodyPr wrap="square" rtlCol="0">
+            <a:spAutoFit/>
+          </a:bodyPr>
+          <a:lstStyle/>
+          <a:p>
+            <a:pPr marL="285750" indent="-285750">
+              <a:buFont typeface="Wingdings" charset="2"/>
+              <a:buChar char="l"/>
+            </a:pPr>
+            <a:r>
+              <a:rPr kumimoji="1" lang="en-US" altLang="zh-CN" sz="3600" dirty="0"/>
+              <a:t>Auto</a:t>
+            </a:r>
+            <a:r>
+              <a:rPr kumimoji="1" lang="zh-CN" altLang="en-US" sz="3600" dirty="0"/>
+              <a:t> </a:t>
+            </a:r>
+            <a:r>
+              <a:rPr kumimoji="1" lang="en-US" altLang="zh-CN" sz="3600" dirty="0"/>
+              <a:t>Layout</a:t>
+            </a:r>
+            <a:r>
+              <a:rPr kumimoji="1" lang="zh-CN" altLang="en-US" sz="3600" dirty="0"/>
+              <a:t>冲突的定位、分析、解决</a:t>
+            </a:r>
+            <a:endParaRPr kumimoji="1" lang="en-US" altLang="zh-CN" sz="3600" dirty="0"/>
+          </a:p>
+        </p:txBody>
+      </p:sp>
+      <p:sp>
+        <p:nvSpPr>
+          <p:cNvPr id="4" name="文本框 3"/>
+          <p:cNvSpPr txBox="1"/>
+          <p:nvPr/>
+        </p:nvSpPr>
+        <p:spPr>
+          <a:xfrm>
+            <a:off x="329231" y="1673740"/>
+            <a:ext cx="8403229" cy="1785104"/>
+          </a:xfrm>
+          <a:prstGeom prst="rect">
+            <a:avLst/>
+          </a:prstGeom>
+          <a:noFill/>
+        </p:spPr>
+        <p:txBody>
+          <a:bodyPr wrap="square" rtlCol="0">
+            <a:spAutoFit/>
+          </a:bodyPr>
+          <a:lstStyle/>
+          <a:p>
+            <a:r>
+              <a:rPr kumimoji="1" lang="en-US" altLang="zh-CN" sz="2800" dirty="0"/>
+              <a:t>Types of </a:t>
+            </a:r>
+            <a:r>
+              <a:rPr kumimoji="1" lang="en-US" altLang="zh-CN" sz="2800" dirty="0" smtClean="0"/>
+              <a:t>Errors</a:t>
+            </a:r>
+          </a:p>
+          <a:p>
+            <a:endParaRPr kumimoji="1" lang="en-US" altLang="zh-CN" dirty="0" smtClean="0"/>
+          </a:p>
+          <a:p>
+            <a:pPr marL="457200" indent="-457200">
+              <a:buFont typeface="Arial"/>
+              <a:buChar char="•"/>
+            </a:pPr>
+            <a:r>
+              <a:rPr kumimoji="1" lang="en-US" altLang="zh-CN" dirty="0" err="1"/>
+              <a:t>Unsatisfiable</a:t>
+            </a:r>
+            <a:r>
+              <a:rPr kumimoji="1" lang="en-US" altLang="zh-CN" dirty="0"/>
+              <a:t> Layouts</a:t>
+            </a:r>
+            <a:r>
+              <a:rPr kumimoji="1" lang="en-US" altLang="zh-CN" dirty="0" smtClean="0"/>
+              <a:t>.</a:t>
+            </a:r>
+          </a:p>
+          <a:p>
+            <a:pPr marL="457200" indent="-457200">
+              <a:buFont typeface="Arial"/>
+              <a:buChar char="•"/>
+            </a:pPr>
+            <a:r>
+              <a:rPr kumimoji="1" lang="en-US" altLang="zh-CN" dirty="0"/>
+              <a:t>Ambiguous Layouts</a:t>
+            </a:r>
+            <a:r>
+              <a:rPr kumimoji="1" lang="en-US" altLang="zh-CN" dirty="0" smtClean="0"/>
+              <a:t>.</a:t>
+            </a:r>
+          </a:p>
+          <a:p>
+            <a:pPr marL="457200" indent="-457200">
+              <a:buFont typeface="Arial"/>
+              <a:buChar char="•"/>
+            </a:pPr>
+            <a:r>
+              <a:rPr kumimoji="1" lang="en-US" altLang="zh-CN" dirty="0"/>
+              <a:t>Logical Errors</a:t>
+            </a:r>
+            <a:r>
+              <a:rPr kumimoji="1" lang="en-US" altLang="zh-CN" sz="2800" dirty="0"/>
+              <a:t>. </a:t>
+            </a:r>
+            <a:endParaRPr kumimoji="1" lang="en-US" altLang="zh-CN" sz="2800" dirty="0" smtClean="0"/>
+          </a:p>
+        </p:txBody>
+      </p:sp>
+    </p:spTree>
+    <p:extLst>
+      <p:ext uri="{BB962C8B-B14F-4D97-AF65-F5344CB8AC3E}">
+        <p14:creationId xmlns:p14="http://schemas.microsoft.com/office/powerpoint/2010/main" val="3278036414"/>
+      </p:ext>
+    </p:extLst>
+  </p:cSld>
+  <p:clrMapOvr>
+    <a:masterClrMapping/>
+  </p:clrMapOvr>
+</p:sld>
+</file>
+
+<file path=ppt/slides/slide15.xml><?xml version="1.0" encoding="utf-8"?>
+<p:sld xmlns:a="http://schemas.openxmlformats.org/drawingml/2006/main" xmlns:r="http://schemas.openxmlformats.org/officeDocument/2006/relationships" xmlns:p="http://schemas.openxmlformats.org/presentationml/2006/main">
+  <p:cSld>
+    <p:spTree>
+      <p:nvGrpSpPr>
+        <p:cNvPr id="1" name=""/>
+        <p:cNvGrpSpPr/>
+        <p:nvPr/>
+      </p:nvGrpSpPr>
+      <p:grpSpPr>
+        <a:xfrm>
+          <a:off x="0" y="0"/>
+          <a:ext cx="0" cy="0"/>
+          <a:chOff x="0" y="0"/>
+          <a:chExt cx="0" cy="0"/>
+        </a:xfrm>
+      </p:grpSpPr>
+      <p:pic>
+        <p:nvPicPr>
+          <p:cNvPr id="10" name="图片 9" descr="ppt背景.jpg"/>
+          <p:cNvPicPr>
+            <a:picLocks noChangeAspect="1"/>
+          </p:cNvPicPr>
+          <p:nvPr/>
+        </p:nvPicPr>
+        <p:blipFill>
+          <a:blip r:embed="rId2">
+            <a:extLst>
+              <a:ext uri="{28A0092B-C50C-407E-A947-70E740481C1C}">
+                <a14:useLocalDpi xmlns:a14="http://schemas.microsoft.com/office/drawing/2010/main" val="0"/>
+              </a:ext>
+            </a:extLst>
+          </a:blip>
+          <a:stretch>
+            <a:fillRect/>
+          </a:stretch>
+        </p:blipFill>
+        <p:spPr>
+          <a:xfrm>
+            <a:off x="-23550" y="-9329"/>
+            <a:ext cx="9167550" cy="6867329"/>
+          </a:xfrm>
+          <a:prstGeom prst="rect">
+            <a:avLst/>
+          </a:prstGeom>
+        </p:spPr>
+      </p:pic>
+      <p:sp>
+        <p:nvSpPr>
+          <p:cNvPr id="3" name="文本框 2"/>
+          <p:cNvSpPr txBox="1"/>
+          <p:nvPr/>
+        </p:nvSpPr>
+        <p:spPr>
+          <a:xfrm>
+            <a:off x="329231" y="642876"/>
+            <a:ext cx="8403229" cy="461665"/>
+          </a:xfrm>
+          <a:prstGeom prst="rect">
+            <a:avLst/>
+          </a:prstGeom>
+          <a:noFill/>
+        </p:spPr>
+        <p:txBody>
+          <a:bodyPr wrap="square" rtlCol="0">
+            <a:spAutoFit/>
+          </a:bodyPr>
+          <a:lstStyle/>
+          <a:p>
+            <a:r>
+              <a:rPr lang="en-US" altLang="zh-CN" sz="2400" dirty="0"/>
+              <a:t>Understanding the Logs</a:t>
+            </a:r>
+            <a:endParaRPr kumimoji="1" lang="en-US" altLang="zh-CN" sz="2400" dirty="0"/>
+          </a:p>
+        </p:txBody>
+      </p:sp>
+      <p:sp>
+        <p:nvSpPr>
+          <p:cNvPr id="4" name="文本框 3"/>
+          <p:cNvSpPr txBox="1"/>
+          <p:nvPr/>
+        </p:nvSpPr>
+        <p:spPr>
+          <a:xfrm>
+            <a:off x="329231" y="1412130"/>
+            <a:ext cx="8403229" cy="3416320"/>
+          </a:xfrm>
+          <a:prstGeom prst="rect">
+            <a:avLst/>
+          </a:prstGeom>
+          <a:noFill/>
+        </p:spPr>
+        <p:txBody>
+          <a:bodyPr wrap="square" rtlCol="0">
+            <a:spAutoFit/>
+          </a:bodyPr>
+          <a:lstStyle/>
+          <a:p>
+            <a:r>
+              <a:rPr kumimoji="1" lang="zh-CN" altLang="en-US" dirty="0" smtClean="0"/>
+              <a:t>通常我们可以从</a:t>
+            </a:r>
+            <a:r>
+              <a:rPr kumimoji="1" lang="en-US" altLang="zh-CN" dirty="0" smtClean="0"/>
+              <a:t>Log</a:t>
+            </a:r>
+            <a:r>
+              <a:rPr kumimoji="1" lang="zh-CN" altLang="en-US" dirty="0" smtClean="0"/>
+              <a:t>中获取很多有用信息</a:t>
+            </a:r>
+            <a:endParaRPr kumimoji="1" lang="en-US" altLang="zh-CN" dirty="0" smtClean="0"/>
+          </a:p>
+          <a:p>
+            <a:endParaRPr kumimoji="1" lang="en-US" altLang="zh-CN" dirty="0"/>
+          </a:p>
+          <a:p>
+            <a:r>
+              <a:rPr kumimoji="1" lang="en-US" altLang="zh-CN" dirty="0" smtClean="0"/>
+              <a:t>Console</a:t>
+            </a:r>
+            <a:r>
+              <a:rPr kumimoji="1" lang="zh-CN" altLang="en-US" dirty="0" smtClean="0"/>
+              <a:t>上面的约束冲突是用</a:t>
+            </a:r>
+            <a:r>
+              <a:rPr kumimoji="1" lang="en-US" altLang="zh-CN" dirty="0" smtClean="0"/>
+              <a:t>VFL</a:t>
+            </a:r>
+            <a:r>
+              <a:rPr kumimoji="1" lang="zh-CN" altLang="en-US" dirty="0" smtClean="0"/>
+              <a:t>写的，即使你从来都不用</a:t>
+            </a:r>
+            <a:r>
+              <a:rPr kumimoji="1" lang="en-US" altLang="zh-CN" dirty="0" smtClean="0"/>
+              <a:t>VFL</a:t>
+            </a:r>
+            <a:r>
+              <a:rPr kumimoji="1" lang="zh-CN" altLang="en-US" dirty="0" smtClean="0"/>
+              <a:t>去手写约束，你应该有能力去阅读和理解这些以便高效的调试问题。</a:t>
+            </a:r>
+            <a:endParaRPr kumimoji="1" lang="en-US" altLang="zh-CN" dirty="0" smtClean="0"/>
+          </a:p>
+          <a:p>
+            <a:endParaRPr kumimoji="1" lang="en-US" altLang="zh-CN" dirty="0"/>
+          </a:p>
+          <a:p>
+            <a:r>
+              <a:rPr kumimoji="1" lang="zh-CN" altLang="en-US" dirty="0" smtClean="0"/>
+              <a:t>常见的约束冲突有：</a:t>
+            </a:r>
+            <a:endParaRPr kumimoji="1" lang="en-US" altLang="zh-CN" dirty="0" smtClean="0"/>
+          </a:p>
+          <a:p>
+            <a:pPr marL="285750" indent="-285750">
+              <a:buFont typeface="Arial"/>
+              <a:buChar char="•"/>
+            </a:pPr>
+            <a:r>
+              <a:rPr kumimoji="1" lang="en-US" altLang="zh-CN" dirty="0"/>
+              <a:t> "&lt;NSLayoutConstraint:0x7a895e30 UILabel:0x7a8724b0'Name'.leading == UIView:0x7a887ee0.leadingMargin</a:t>
+            </a:r>
+            <a:r>
+              <a:rPr kumimoji="1" lang="en-US" altLang="zh-CN" dirty="0" smtClean="0"/>
+              <a:t>&gt;”</a:t>
+            </a:r>
+          </a:p>
+          <a:p>
+            <a:pPr marL="285750" indent="-285750">
+              <a:buFont typeface="Arial"/>
+              <a:buChar char="•"/>
+            </a:pPr>
+            <a:r>
+              <a:rPr kumimoji="1" lang="en-US" altLang="zh-CN" dirty="0" smtClean="0"/>
+              <a:t>"</a:t>
+            </a:r>
+            <a:r>
+              <a:rPr kumimoji="1" lang="en-US" altLang="zh-CN" dirty="0"/>
+              <a:t>&lt;NSLayoutConstraint:0x7ac7c430 '</a:t>
+            </a:r>
+            <a:r>
+              <a:rPr kumimoji="1" lang="en-US" altLang="zh-CN" dirty="0" err="1"/>
+              <a:t>UIView</a:t>
+            </a:r>
+            <a:r>
+              <a:rPr kumimoji="1" lang="en-US" altLang="zh-CN" dirty="0"/>
+              <a:t>-Encapsulated-Layout-Width' H:[UIView:0x7a887ee0(320)]</a:t>
+            </a:r>
+            <a:r>
+              <a:rPr kumimoji="1" lang="en-US" altLang="zh-CN" dirty="0" smtClean="0"/>
+              <a:t>&gt;”</a:t>
+            </a:r>
+            <a:endParaRPr kumimoji="1" lang="en-US" altLang="zh-CN" dirty="0"/>
+          </a:p>
+          <a:p>
+            <a:pPr marL="285750" indent="-285750">
+              <a:buFont typeface="Arial"/>
+              <a:buChar char="•"/>
+            </a:pPr>
+            <a:r>
+              <a:rPr kumimoji="1" lang="en-US" altLang="zh-CN" dirty="0"/>
+              <a:t>&lt;NSAutoresizingMaskLayoutConstraint:0x7ff28252e480 h=--&amp; v=--&amp; H:[UIView:0x7ff282617cc0(50)]</a:t>
+            </a:r>
+            <a:r>
+              <a:rPr kumimoji="1" lang="en-US" altLang="zh-CN" dirty="0" smtClean="0"/>
+              <a:t>&gt;”</a:t>
+            </a:r>
+            <a:endParaRPr kumimoji="1" lang="en-US" altLang="zh-CN" dirty="0"/>
+          </a:p>
+        </p:txBody>
+      </p:sp>
+    </p:spTree>
+    <p:extLst>
+      <p:ext uri="{BB962C8B-B14F-4D97-AF65-F5344CB8AC3E}">
+        <p14:creationId xmlns:p14="http://schemas.microsoft.com/office/powerpoint/2010/main" val="1298866820"/>
+      </p:ext>
+    </p:extLst>
+  </p:cSld>
+  <p:clrMapOvr>
+    <a:masterClrMapping/>
+  </p:clrMapOvr>
+</p:sld>
+</file>
+
+<file path=ppt/slides/slide16.xml><?xml version="1.0" encoding="utf-8"?>
+<p:sld xmlns:a="http://schemas.openxmlformats.org/drawingml/2006/main" xmlns:r="http://schemas.openxmlformats.org/officeDocument/2006/relationships" xmlns:p="http://schemas.openxmlformats.org/presentationml/2006/main">
+  <p:cSld>
+    <p:spTree>
+      <p:nvGrpSpPr>
+        <p:cNvPr id="1" name=""/>
+        <p:cNvGrpSpPr/>
+        <p:nvPr/>
+      </p:nvGrpSpPr>
+      <p:grpSpPr>
+        <a:xfrm>
+          <a:off x="0" y="0"/>
+          <a:ext cx="0" cy="0"/>
+          <a:chOff x="0" y="0"/>
+          <a:chExt cx="0" cy="0"/>
+        </a:xfrm>
+      </p:grpSpPr>
+      <p:pic>
+        <p:nvPicPr>
+          <p:cNvPr id="10" name="图片 9" descr="ppt背景.jpg"/>
+          <p:cNvPicPr>
+            <a:picLocks noChangeAspect="1"/>
+          </p:cNvPicPr>
+          <p:nvPr/>
+        </p:nvPicPr>
+        <p:blipFill>
+          <a:blip r:embed="rId2">
+            <a:extLst>
+              <a:ext uri="{28A0092B-C50C-407E-A947-70E740481C1C}">
+                <a14:useLocalDpi xmlns:a14="http://schemas.microsoft.com/office/drawing/2010/main" val="0"/>
+              </a:ext>
+            </a:extLst>
+          </a:blip>
+          <a:stretch>
+            <a:fillRect/>
+          </a:stretch>
+        </p:blipFill>
+        <p:spPr>
+          <a:xfrm>
+            <a:off x="-23550" y="-9329"/>
+            <a:ext cx="9167550" cy="6867329"/>
+          </a:xfrm>
+          <a:prstGeom prst="rect">
+            <a:avLst/>
+          </a:prstGeom>
+        </p:spPr>
+      </p:pic>
+      <p:sp>
+        <p:nvSpPr>
+          <p:cNvPr id="3" name="文本框 2"/>
+          <p:cNvSpPr txBox="1"/>
+          <p:nvPr/>
+        </p:nvSpPr>
+        <p:spPr>
+          <a:xfrm>
+            <a:off x="329231" y="642876"/>
+            <a:ext cx="8403229" cy="461665"/>
+          </a:xfrm>
+          <a:prstGeom prst="rect">
+            <a:avLst/>
+          </a:prstGeom>
+          <a:noFill/>
+        </p:spPr>
+        <p:txBody>
+          <a:bodyPr wrap="square" rtlCol="0">
+            <a:spAutoFit/>
+          </a:bodyPr>
+          <a:lstStyle/>
+          <a:p>
+            <a:r>
+              <a:rPr kumimoji="1" lang="en-US" altLang="zh-CN" sz="2400" dirty="0"/>
+              <a:t>Adding Identifiers to the Logs</a:t>
+            </a:r>
+          </a:p>
+        </p:txBody>
+      </p:sp>
+      <p:sp>
+        <p:nvSpPr>
+          <p:cNvPr id="4" name="文本框 3"/>
+          <p:cNvSpPr txBox="1"/>
+          <p:nvPr/>
+        </p:nvSpPr>
+        <p:spPr>
+          <a:xfrm>
+            <a:off x="329231" y="1412130"/>
+            <a:ext cx="8403229" cy="1754327"/>
+          </a:xfrm>
+          <a:prstGeom prst="rect">
+            <a:avLst/>
+          </a:prstGeom>
+          <a:noFill/>
+        </p:spPr>
+        <p:txBody>
+          <a:bodyPr wrap="square" rtlCol="0">
+            <a:spAutoFit/>
+          </a:bodyPr>
+          <a:lstStyle/>
+          <a:p>
+            <a:r>
+              <a:rPr kumimoji="1" lang="zh-CN" altLang="en-US" dirty="0" smtClean="0"/>
+              <a:t>约束都有一个</a:t>
+            </a:r>
+            <a:r>
+              <a:rPr kumimoji="1" lang="en-US" altLang="zh-CN" dirty="0" smtClean="0"/>
+              <a:t>identifier</a:t>
+            </a:r>
+            <a:r>
+              <a:rPr kumimoji="1" lang="zh-CN" altLang="en-US" dirty="0" smtClean="0"/>
+              <a:t>属性，可以通过</a:t>
+            </a:r>
+            <a:r>
+              <a:rPr kumimoji="1" lang="en-US" altLang="zh-CN" dirty="0" smtClean="0"/>
+              <a:t>Attribute</a:t>
+            </a:r>
+            <a:r>
+              <a:rPr kumimoji="1" lang="zh-CN" altLang="en-US" dirty="0" smtClean="0"/>
+              <a:t> </a:t>
+            </a:r>
+            <a:r>
+              <a:rPr kumimoji="1" lang="en-US" altLang="zh-CN" dirty="0" smtClean="0"/>
+              <a:t>inspector</a:t>
+            </a:r>
+            <a:r>
+              <a:rPr kumimoji="1" lang="zh-CN" altLang="en-US" dirty="0" smtClean="0"/>
+              <a:t>设置，也可以通过代码设置。当控制台出现约束冲突时，</a:t>
+            </a:r>
+            <a:r>
+              <a:rPr kumimoji="1" lang="en-US" altLang="zh-CN" dirty="0" smtClean="0"/>
+              <a:t>Auto</a:t>
+            </a:r>
+            <a:r>
+              <a:rPr kumimoji="1" lang="zh-CN" altLang="en-US" dirty="0" smtClean="0"/>
+              <a:t> </a:t>
+            </a:r>
+            <a:r>
+              <a:rPr kumimoji="1" lang="en-US" altLang="zh-CN" dirty="0" smtClean="0"/>
+              <a:t>Layout</a:t>
+            </a:r>
+            <a:r>
+              <a:rPr kumimoji="1" lang="zh-CN" altLang="en-US" dirty="0" smtClean="0"/>
+              <a:t>用这些</a:t>
+            </a:r>
+            <a:r>
+              <a:rPr kumimoji="1" lang="en-US" altLang="zh-CN" dirty="0" smtClean="0"/>
+              <a:t>identifiers</a:t>
+            </a:r>
+            <a:r>
+              <a:rPr kumimoji="1" lang="zh-CN" altLang="en-US" dirty="0" smtClean="0"/>
+              <a:t>来打印信息。</a:t>
+            </a:r>
+            <a:endParaRPr kumimoji="1" lang="en-US" altLang="zh-CN" dirty="0" smtClean="0"/>
+          </a:p>
+          <a:p>
+            <a:endParaRPr kumimoji="1" lang="en-US" altLang="zh-CN" dirty="0" smtClean="0"/>
+          </a:p>
+          <a:p>
+            <a:r>
+              <a:rPr kumimoji="1" lang="zh-CN" altLang="en-US" dirty="0" smtClean="0"/>
+              <a:t>例如，加了</a:t>
+            </a:r>
+            <a:r>
+              <a:rPr kumimoji="1" lang="en-US" altLang="zh-CN" dirty="0"/>
+              <a:t>Identifiers </a:t>
+            </a:r>
+            <a:r>
+              <a:rPr kumimoji="1" lang="zh-CN" altLang="en-US" dirty="0" smtClean="0"/>
+              <a:t>之后像下面这样这样就很容易理解了：</a:t>
+            </a:r>
+            <a:endParaRPr kumimoji="1" lang="en-US" altLang="zh-CN" dirty="0" smtClean="0"/>
+          </a:p>
+          <a:p>
+            <a:r>
+              <a:rPr kumimoji="1" lang="en-US" altLang="zh-CN" dirty="0"/>
+              <a:t> "&lt;NSLayoutConstraint:0x7b58bac0 'Label Leading' UILabel:0x7b58b040'Name'.leading == UIView:0x7b590790.leadingMargin</a:t>
+            </a:r>
+            <a:r>
+              <a:rPr kumimoji="1" lang="en-US" altLang="zh-CN" dirty="0" smtClean="0"/>
+              <a:t>&gt;”</a:t>
+            </a:r>
+            <a:endParaRPr kumimoji="1" lang="en-US" altLang="zh-CN" dirty="0"/>
+          </a:p>
+        </p:txBody>
+      </p:sp>
+      <p:sp>
+        <p:nvSpPr>
+          <p:cNvPr id="5" name="文本框 4"/>
+          <p:cNvSpPr txBox="1"/>
+          <p:nvPr/>
+        </p:nvSpPr>
+        <p:spPr>
+          <a:xfrm>
+            <a:off x="329231" y="4002196"/>
+            <a:ext cx="8403229" cy="461665"/>
+          </a:xfrm>
+          <a:prstGeom prst="rect">
+            <a:avLst/>
+          </a:prstGeom>
+          <a:noFill/>
+        </p:spPr>
+        <p:txBody>
+          <a:bodyPr wrap="square" rtlCol="0">
+            <a:spAutoFit/>
+          </a:bodyPr>
+          <a:lstStyle/>
+          <a:p>
+            <a:r>
+              <a:rPr kumimoji="1" lang="en-US" altLang="zh-CN" sz="2400" dirty="0"/>
+              <a:t>Visualizing Views and Constraints</a:t>
+            </a:r>
+          </a:p>
+        </p:txBody>
+      </p:sp>
+      <p:sp>
+        <p:nvSpPr>
+          <p:cNvPr id="6" name="文本框 5"/>
+          <p:cNvSpPr txBox="1"/>
+          <p:nvPr/>
+        </p:nvSpPr>
+        <p:spPr>
+          <a:xfrm>
+            <a:off x="481631" y="4643250"/>
+            <a:ext cx="8403229" cy="1200329"/>
+          </a:xfrm>
+          <a:prstGeom prst="rect">
+            <a:avLst/>
+          </a:prstGeom>
+          <a:noFill/>
+        </p:spPr>
+        <p:txBody>
+          <a:bodyPr wrap="square" rtlCol="0">
+            <a:spAutoFit/>
+          </a:bodyPr>
+          <a:lstStyle/>
+          <a:p>
+            <a:r>
+              <a:rPr kumimoji="1" lang="en-US" altLang="zh-CN" dirty="0" err="1" smtClean="0"/>
+              <a:t>Xcode</a:t>
+            </a:r>
+            <a:r>
+              <a:rPr kumimoji="1" lang="zh-CN" altLang="en-US" dirty="0" smtClean="0"/>
+              <a:t>提供工具帮助你在视图层次上查看</a:t>
+            </a:r>
+            <a:r>
+              <a:rPr kumimoji="1" lang="en-US" altLang="zh-CN" dirty="0" smtClean="0"/>
+              <a:t>view</a:t>
+            </a:r>
+            <a:r>
+              <a:rPr kumimoji="1" lang="zh-CN" altLang="en-US" dirty="0" smtClean="0"/>
+              <a:t>和约束</a:t>
+            </a:r>
+            <a:endParaRPr kumimoji="1" lang="en-US" altLang="zh-CN" dirty="0" smtClean="0"/>
+          </a:p>
+          <a:p>
+            <a:endParaRPr kumimoji="1" lang="en-US" altLang="zh-CN" dirty="0"/>
+          </a:p>
+          <a:p>
+            <a:r>
+              <a:rPr kumimoji="1" lang="en-US" altLang="zh-CN" dirty="0" smtClean="0"/>
+              <a:t>“</a:t>
+            </a:r>
+            <a:r>
+              <a:rPr kumimoji="1" lang="en-US" altLang="zh-CN" dirty="0"/>
+              <a:t>Show clipped content” option </a:t>
+            </a:r>
+            <a:r>
+              <a:rPr kumimoji="1" lang="zh-CN" altLang="en-US" dirty="0" smtClean="0"/>
+              <a:t> </a:t>
+            </a:r>
+            <a:r>
+              <a:rPr kumimoji="1" lang="en-US" altLang="zh-CN" dirty="0" smtClean="0"/>
+              <a:t>-</a:t>
+            </a:r>
+            <a:r>
+              <a:rPr kumimoji="1" lang="zh-CN" altLang="en-US" dirty="0" smtClean="0"/>
+              <a:t> 显示那些意外被屏幕裁剪的视图的位置</a:t>
+            </a:r>
+            <a:endParaRPr kumimoji="1" lang="en-US" altLang="zh-CN" dirty="0" smtClean="0"/>
+          </a:p>
+          <a:p>
+            <a:r>
+              <a:rPr kumimoji="1" lang="en-US" altLang="zh-CN" dirty="0" smtClean="0"/>
+              <a:t>“</a:t>
+            </a:r>
+            <a:r>
+              <a:rPr kumimoji="1" lang="en-US" altLang="zh-CN" dirty="0"/>
+              <a:t>Show constraint” </a:t>
+            </a:r>
+            <a:r>
+              <a:rPr kumimoji="1" lang="en-US" altLang="zh-CN" dirty="0" smtClean="0"/>
+              <a:t>option</a:t>
+            </a:r>
+            <a:r>
+              <a:rPr kumimoji="1" lang="zh-CN" altLang="en-US" dirty="0" smtClean="0"/>
+              <a:t> </a:t>
+            </a:r>
+            <a:r>
+              <a:rPr kumimoji="1" lang="en-US" altLang="zh-CN" dirty="0" smtClean="0"/>
+              <a:t>-</a:t>
+            </a:r>
+            <a:r>
+              <a:rPr kumimoji="1" lang="zh-CN" altLang="en-US" dirty="0" smtClean="0"/>
+              <a:t> </a:t>
+            </a:r>
+            <a:r>
+              <a:rPr kumimoji="1" lang="zh-CN" altLang="en-US" dirty="0" smtClean="0"/>
+              <a:t>显示当前选中</a:t>
+            </a:r>
+            <a:r>
+              <a:rPr kumimoji="1" lang="en-US" altLang="zh-CN" dirty="0"/>
+              <a:t>view</a:t>
+            </a:r>
+            <a:r>
+              <a:rPr kumimoji="1" lang="zh-CN" altLang="en-US" dirty="0" smtClean="0"/>
+              <a:t>的约束</a:t>
+            </a:r>
+            <a:endParaRPr kumimoji="1" lang="en-US" altLang="zh-CN" dirty="0"/>
+          </a:p>
+        </p:txBody>
+      </p:sp>
+    </p:spTree>
+    <p:extLst>
+      <p:ext uri="{BB962C8B-B14F-4D97-AF65-F5344CB8AC3E}">
+        <p14:creationId xmlns:p14="http://schemas.microsoft.com/office/powerpoint/2010/main" val="2923348584"/>
+      </p:ext>
+    </p:extLst>
+  </p:cSld>
+  <p:clrMapOvr>
+    <a:masterClrMapping/>
+  </p:clrMapOvr>
+</p:sld>
+</file>
+
 <file path=ppt/slides/slide2.xml><?xml version="1.0" encoding="utf-8"?>
 <p:sld xmlns:a="http://schemas.openxmlformats.org/drawingml/2006/main" xmlns:r="http://schemas.openxmlformats.org/officeDocument/2006/relationships" xmlns:p="http://schemas.openxmlformats.org/presentationml/2006/main">
   <p:cSld>
@@ -6033,7 +8994,7 @@
           <p:nvPr/>
         </p:nvPicPr>
         <p:blipFill>
-          <a:blip r:embed="rId2">
+          <a:blip r:embed="rId3">
             <a:extLst>
               <a:ext uri="{28A0092B-C50C-407E-A947-70E740481C1C}">
                 <a14:useLocalDpi xmlns:a14="http://schemas.microsoft.com/office/drawing/2010/main" val="0"/>
@@ -6047,7 +9008,7 @@
         <p:spPr>
           <a:xfrm>
             <a:off x="-23550" y="-9329"/>
-            <a:ext cx="9167550" cy="6867329"/>
+            <a:ext cx="9167550" cy="7115865"/>
           </a:xfrm>
           <a:prstGeom prst="rect">
             <a:avLst/>
@@ -6119,8 +9080,8 @@
         </p:nvSpPr>
         <p:spPr>
           <a:xfrm>
-            <a:off x="470330" y="2038388"/>
-            <a:ext cx="8152388" cy="4247317"/>
+            <a:off x="470330" y="1884452"/>
+            <a:ext cx="8152388" cy="3693319"/>
           </a:xfrm>
           <a:prstGeom prst="rect">
             <a:avLst/>
@@ -6167,142 +9128,311 @@
             </a:r>
             <a:r>
               <a:rPr kumimoji="1" lang="zh-CN" altLang="en-US" dirty="0"/>
-              <a:t>而不再需要手动设置其</a:t>
+              <a:t>而不再需要手动设置</a:t>
+            </a:r>
+            <a:r>
+              <a:rPr kumimoji="1" lang="zh-CN" altLang="en-US" dirty="0" smtClean="0"/>
+              <a:t>其。</a:t>
+            </a:r>
+            <a:endParaRPr kumimoji="1" lang="en-US" altLang="zh-CN" dirty="0" smtClean="0"/>
+          </a:p>
+          <a:p>
+            <a:endParaRPr kumimoji="1" lang="en-US" altLang="zh-CN" dirty="0" smtClean="0"/>
+          </a:p>
+          <a:p>
+            <a:r>
+              <a:rPr kumimoji="1" lang="en-US" altLang="zh-CN" dirty="0"/>
+              <a:t>	</a:t>
+            </a:r>
+            <a:r>
+              <a:rPr kumimoji="1" lang="zh-CN" altLang="en-US" dirty="0" smtClean="0"/>
+              <a:t>官方文档描述：</a:t>
+            </a:r>
+            <a:r>
+              <a:rPr kumimoji="1" lang="zh-CN" altLang="en-US" dirty="0" smtClean="0"/>
+              <a:t>根据那些视图上设置</a:t>
+            </a:r>
+            <a:r>
+              <a:rPr kumimoji="1" lang="zh-CN" altLang="en-US" dirty="0"/>
+              <a:t>的各种约束</a:t>
+            </a:r>
+            <a:r>
+              <a:rPr kumimoji="1" lang="en-US" altLang="zh-CN" dirty="0"/>
+              <a:t>(constraints)</a:t>
+            </a:r>
+            <a:r>
+              <a:rPr kumimoji="1" lang="zh-CN" altLang="en-US" dirty="0"/>
+              <a:t>， 自动布局可以动态地计算视图层次中所有视图的尺寸和位置。 举个例子，你可以给一个按钮设定一个约束，让它跟一个</a:t>
+            </a:r>
+            <a:r>
+              <a:rPr kumimoji="1" lang="en-US" altLang="zh-CN" dirty="0"/>
+              <a:t>Image</a:t>
+            </a:r>
+            <a:r>
+              <a:rPr kumimoji="1" lang="zh-CN" altLang="en-US" dirty="0"/>
+              <a:t>水平中间对齐，并且让它的上边总是跟图片的底边保持</a:t>
+            </a:r>
+            <a:r>
+              <a:rPr kumimoji="1" lang="en-US" altLang="zh-CN" dirty="0"/>
+              <a:t>8</a:t>
+            </a:r>
+            <a:r>
+              <a:rPr kumimoji="1" lang="zh-CN" altLang="en-US" dirty="0"/>
+              <a:t>个点。 如果</a:t>
+            </a:r>
+            <a:r>
+              <a:rPr kumimoji="1" lang="en-US" altLang="zh-CN" dirty="0"/>
+              <a:t>image</a:t>
+            </a:r>
+            <a:r>
+              <a:rPr kumimoji="1" lang="zh-CN" altLang="en-US" dirty="0"/>
+              <a:t>视图的尺寸或位置发生改变，按钮的位置会自动调整</a:t>
+            </a:r>
+            <a:r>
+              <a:rPr kumimoji="1" lang="zh-CN" altLang="en-US" dirty="0" smtClean="0"/>
+              <a:t>。这种基于约束</a:t>
+            </a:r>
+            <a:r>
+              <a:rPr kumimoji="1" lang="zh-CN" altLang="en-US" dirty="0"/>
+              <a:t>方法的设计让你构建的用户界面可以动态地响应来自内部和外部的改变</a:t>
+            </a:r>
+            <a:r>
+              <a:rPr kumimoji="1" lang="zh-CN" altLang="en-US" dirty="0" smtClean="0"/>
+              <a:t>。</a:t>
+            </a:r>
+            <a:endParaRPr kumimoji="1" lang="en-US" altLang="zh-CN" dirty="0" smtClean="0"/>
+          </a:p>
+          <a:p>
+            <a:endParaRPr kumimoji="1" lang="en-US" altLang="zh-CN" dirty="0"/>
+          </a:p>
+          <a:p>
+            <a:r>
+              <a:rPr kumimoji="1" lang="en-US" altLang="zh-CN" dirty="0" smtClean="0"/>
+              <a:t>	</a:t>
+            </a:r>
+            <a:r>
+              <a:rPr kumimoji="1" lang="zh-CN" altLang="en-US" dirty="0" smtClean="0"/>
+              <a:t>外部变化：例如设备旋转、不同屏幕尺寸、</a:t>
+            </a:r>
+            <a:r>
+              <a:rPr kumimoji="1" lang="en-US" altLang="zh-CN" dirty="0" err="1" smtClean="0"/>
+              <a:t>iPad</a:t>
+            </a:r>
+            <a:r>
+              <a:rPr kumimoji="1" lang="zh-CN" altLang="en-US" dirty="0" smtClean="0"/>
+              <a:t>拆分视图等等</a:t>
+            </a:r>
+            <a:endParaRPr kumimoji="1" lang="en-US" altLang="zh-CN" dirty="0" smtClean="0"/>
+          </a:p>
+          <a:p>
+            <a:pPr lvl="1"/>
+            <a:r>
+              <a:rPr kumimoji="1" lang="zh-CN" altLang="en-US" dirty="0" smtClean="0"/>
+              <a:t>内部变化：例如视图中的控件尺寸发生变化、应用程序显示的内容发生变化、支持国际化</a:t>
+            </a:r>
+            <a:r>
+              <a:rPr kumimoji="1" lang="zh-CN" altLang="en-US" dirty="0" smtClean="0"/>
+              <a:t>等</a:t>
             </a:r>
             <a:r>
               <a:rPr kumimoji="1" lang="en-US" altLang="zh-CN" dirty="0"/>
               <a:t>frame</a:t>
             </a:r>
-            <a:r>
-              <a:rPr kumimoji="1" lang="zh-CN" altLang="en-US" dirty="0" smtClean="0"/>
-              <a:t>。</a:t>
-            </a:r>
-            <a:endParaRPr kumimoji="1" lang="en-US" altLang="zh-CN" dirty="0" smtClean="0"/>
-          </a:p>
-          <a:p>
-            <a:endParaRPr kumimoji="1" lang="en-US" altLang="zh-CN" dirty="0"/>
-          </a:p>
-          <a:p>
-            <a:r>
-              <a:rPr kumimoji="1" lang="zh-CN" altLang="en-US" dirty="0" smtClean="0"/>
-              <a:t>苹果官方给出的解释：</a:t>
-            </a:r>
-            <a:endParaRPr kumimoji="1" lang="en-US" altLang="zh-CN" dirty="0" smtClean="0"/>
-          </a:p>
-          <a:p>
-            <a:r>
-              <a:rPr kumimoji="1" lang="en-US" altLang="zh-CN" dirty="0" smtClean="0"/>
-              <a:t>	</a:t>
-            </a:r>
-            <a:r>
-              <a:rPr kumimoji="1" lang="zh-CN" altLang="en-US" dirty="0" smtClean="0"/>
-              <a:t>根据那些视图上设置</a:t>
-            </a:r>
-            <a:r>
-              <a:rPr kumimoji="1" lang="zh-CN" altLang="en-US" dirty="0"/>
-              <a:t>的各种约束</a:t>
-            </a:r>
-            <a:r>
-              <a:rPr kumimoji="1" lang="en-US" altLang="zh-CN" dirty="0"/>
-              <a:t>(constraints)</a:t>
-            </a:r>
-            <a:r>
-              <a:rPr kumimoji="1" lang="zh-CN" altLang="en-US" dirty="0"/>
-              <a:t>， 自动布局可以动态地计算视图层次中所有视图的尺寸和位置。 举个例子，你可以给一个按钮设定一个约束，让它跟一个</a:t>
-            </a:r>
-            <a:r>
-              <a:rPr kumimoji="1" lang="en-US" altLang="zh-CN" dirty="0"/>
-              <a:t>Image</a:t>
-            </a:r>
-            <a:r>
-              <a:rPr kumimoji="1" lang="zh-CN" altLang="en-US" dirty="0"/>
-              <a:t>水平中间对齐，并且让它的上边总是跟图片的底边保持</a:t>
-            </a:r>
-            <a:r>
-              <a:rPr kumimoji="1" lang="en-US" altLang="zh-CN" dirty="0"/>
-              <a:t>8</a:t>
-            </a:r>
-            <a:r>
-              <a:rPr kumimoji="1" lang="zh-CN" altLang="en-US" dirty="0"/>
-              <a:t>个点。 如果</a:t>
-            </a:r>
-            <a:r>
-              <a:rPr kumimoji="1" lang="en-US" altLang="zh-CN" dirty="0"/>
-              <a:t>image</a:t>
-            </a:r>
-            <a:r>
-              <a:rPr kumimoji="1" lang="zh-CN" altLang="en-US" dirty="0"/>
-              <a:t>视图的尺寸或位置发生改变，按钮的位置会自动调整</a:t>
-            </a:r>
-            <a:r>
-              <a:rPr kumimoji="1" lang="zh-CN" altLang="en-US" dirty="0" smtClean="0"/>
-              <a:t>。</a:t>
-            </a:r>
-            <a:endParaRPr kumimoji="1" lang="en-US" altLang="zh-CN" dirty="0" smtClean="0"/>
-          </a:p>
-          <a:p>
             <a:endParaRPr kumimoji="1" lang="zh-CN" altLang="en-US" dirty="0"/>
           </a:p>
-          <a:p>
-            <a:r>
-              <a:rPr kumimoji="1" lang="en-US" altLang="zh-CN" dirty="0" smtClean="0"/>
-              <a:t>	</a:t>
-            </a:r>
-            <a:r>
-              <a:rPr kumimoji="1" lang="zh-CN" altLang="en-US" dirty="0" smtClean="0"/>
-              <a:t>这种基于约束</a:t>
-            </a:r>
-            <a:r>
-              <a:rPr kumimoji="1" lang="zh-CN" altLang="en-US" dirty="0"/>
-              <a:t>方法的设计让你构建的用户界面可以动态地响应来自内部和外部的改变</a:t>
-            </a:r>
-            <a:r>
-              <a:rPr kumimoji="1" lang="zh-CN" altLang="en-US" dirty="0" smtClean="0"/>
-              <a:t>。</a:t>
-            </a:r>
-            <a:endParaRPr kumimoji="1" lang="en-US" altLang="zh-CN" dirty="0" smtClean="0"/>
-          </a:p>
-          <a:p>
-            <a:endParaRPr kumimoji="1" lang="en-US" altLang="zh-CN" dirty="0"/>
-          </a:p>
-          <a:p>
-            <a:r>
-              <a:rPr kumimoji="1" lang="en-US" altLang="zh-CN" dirty="0" smtClean="0"/>
-              <a:t>	</a:t>
-            </a:r>
-            <a:r>
-              <a:rPr kumimoji="1" lang="zh-CN" altLang="en-US" dirty="0" smtClean="0"/>
-              <a:t>外部变化</a:t>
-            </a:r>
-            <a:r>
-              <a:rPr kumimoji="1" lang="zh-CN" altLang="en-US" dirty="0" smtClean="0"/>
-              <a:t>：例如设备旋转、不同屏幕尺寸、</a:t>
-            </a:r>
-            <a:r>
-              <a:rPr kumimoji="1" lang="en-US" altLang="zh-CN" dirty="0" err="1" smtClean="0"/>
-              <a:t>iPad</a:t>
-            </a:r>
-            <a:r>
-              <a:rPr kumimoji="1" lang="zh-CN" altLang="en-US" dirty="0" smtClean="0"/>
-              <a:t>拆分视图等等</a:t>
-            </a:r>
-            <a:endParaRPr kumimoji="1" lang="en-US" altLang="zh-CN" dirty="0" smtClean="0"/>
-          </a:p>
-          <a:p>
-            <a:pPr lvl="1"/>
-            <a:r>
-              <a:rPr kumimoji="1" lang="zh-CN" altLang="en-US" dirty="0" smtClean="0"/>
-              <a:t>内部变化：例如视图中的控件尺寸发生变化、应用程序显示</a:t>
-            </a:r>
-            <a:r>
-              <a:rPr kumimoji="1" lang="zh-CN" altLang="en-US" dirty="0" smtClean="0"/>
-              <a:t>的内容发生变化</a:t>
-            </a:r>
-            <a:r>
-              <a:rPr kumimoji="1" lang="zh-CN" altLang="en-US" dirty="0" smtClean="0"/>
-              <a:t>、支持国际化等</a:t>
-            </a:r>
-            <a:endParaRPr kumimoji="1" lang="zh-CN" altLang="en-US" dirty="0"/>
+        </p:txBody>
+      </p:sp>
+      <p:sp>
+        <p:nvSpPr>
+          <p:cNvPr id="2" name="文本框 1"/>
+          <p:cNvSpPr txBox="1"/>
+          <p:nvPr/>
+        </p:nvSpPr>
+        <p:spPr>
+          <a:xfrm>
+            <a:off x="470330" y="5706051"/>
+            <a:ext cx="8152388" cy="738664"/>
+          </a:xfrm>
+          <a:prstGeom prst="rect">
+            <a:avLst/>
+          </a:prstGeom>
+          <a:noFill/>
+        </p:spPr>
+        <p:txBody>
+          <a:bodyPr wrap="square" rtlCol="0">
+            <a:spAutoFit/>
+          </a:bodyPr>
+          <a:lstStyle/>
+          <a:p>
+            <a:r>
+              <a:rPr kumimoji="1" lang="en-US" altLang="zh-CN" sz="1400" dirty="0" smtClean="0"/>
+              <a:t>Tip:</a:t>
+            </a:r>
+            <a:r>
+              <a:rPr kumimoji="1" lang="zh-CN" altLang="en-US" sz="1400" dirty="0" smtClean="0"/>
+              <a:t> 早在</a:t>
+            </a:r>
+            <a:r>
+              <a:rPr kumimoji="1" lang="en-US" altLang="zh-CN" sz="1400" dirty="0" smtClean="0"/>
+              <a:t>1997</a:t>
+            </a:r>
+            <a:r>
+              <a:rPr kumimoji="1" lang="zh-CN" altLang="en-US" sz="1400" dirty="0" smtClean="0"/>
+              <a:t>年</a:t>
+            </a:r>
+            <a:r>
+              <a:rPr kumimoji="1" lang="en-US" altLang="zh-CN" sz="1400" dirty="0" smtClean="0"/>
+              <a:t>Alan</a:t>
+            </a:r>
+            <a:r>
+              <a:rPr kumimoji="1" lang="zh-CN" altLang="en-US" sz="1400" dirty="0" smtClean="0"/>
+              <a:t> </a:t>
+            </a:r>
+            <a:r>
+              <a:rPr kumimoji="1" lang="en-US" altLang="zh-CN" sz="1400" dirty="0" err="1" smtClean="0"/>
+              <a:t>Borning</a:t>
+            </a:r>
+            <a:r>
+              <a:rPr kumimoji="1" lang="en-US" altLang="zh-CN" sz="1400" dirty="0" smtClean="0"/>
+              <a:t>,</a:t>
+            </a:r>
+            <a:r>
+              <a:rPr kumimoji="1" lang="zh-CN" altLang="en-US" sz="1400" dirty="0" smtClean="0"/>
+              <a:t> </a:t>
+            </a:r>
+            <a:r>
+              <a:rPr kumimoji="1" lang="en-US" altLang="zh-CN" sz="1400" dirty="0" smtClean="0"/>
+              <a:t>Kim</a:t>
+            </a:r>
+            <a:r>
+              <a:rPr kumimoji="1" lang="zh-CN" altLang="en-US" sz="1400" dirty="0" smtClean="0"/>
+              <a:t> </a:t>
+            </a:r>
+            <a:r>
+              <a:rPr kumimoji="1" lang="en-US" altLang="zh-CN" sz="1400" dirty="0" smtClean="0"/>
+              <a:t>Marriott,</a:t>
+            </a:r>
+            <a:r>
+              <a:rPr kumimoji="1" lang="zh-CN" altLang="en-US" sz="1400" dirty="0" smtClean="0"/>
+              <a:t> </a:t>
+            </a:r>
+            <a:r>
+              <a:rPr kumimoji="1" lang="en-US" altLang="zh-CN" sz="1400" dirty="0" smtClean="0"/>
+              <a:t>Peter</a:t>
+            </a:r>
+            <a:r>
+              <a:rPr kumimoji="1" lang="zh-CN" altLang="en-US" sz="1400" dirty="0" smtClean="0"/>
+              <a:t> </a:t>
+            </a:r>
+            <a:r>
+              <a:rPr kumimoji="1" lang="en-US" altLang="zh-CN" sz="1400" dirty="0" smtClean="0"/>
+              <a:t>Stuckey</a:t>
+            </a:r>
+            <a:r>
+              <a:rPr kumimoji="1" lang="zh-CN" altLang="en-US" sz="1400" dirty="0" smtClean="0"/>
+              <a:t>等人就发布了</a:t>
+            </a:r>
+            <a:r>
+              <a:rPr kumimoji="1" lang="en-US" altLang="zh-CN" sz="1400" dirty="0" smtClean="0"/>
+              <a:t>&lt;&lt;Solving</a:t>
+            </a:r>
+            <a:r>
+              <a:rPr kumimoji="1" lang="zh-CN" altLang="en-US" sz="1400" dirty="0" smtClean="0"/>
+              <a:t> </a:t>
+            </a:r>
+            <a:r>
+              <a:rPr kumimoji="1" lang="en-US" altLang="zh-CN" sz="1400" dirty="0" smtClean="0"/>
+              <a:t>Linear</a:t>
+            </a:r>
+            <a:r>
+              <a:rPr kumimoji="1" lang="zh-CN" altLang="en-US" sz="1400" dirty="0" smtClean="0"/>
+              <a:t> </a:t>
+            </a:r>
+            <a:r>
+              <a:rPr kumimoji="1" lang="en-US" altLang="zh-CN" sz="1400" dirty="0" smtClean="0"/>
+              <a:t>Arithmetic</a:t>
+            </a:r>
+            <a:r>
+              <a:rPr kumimoji="1" lang="zh-CN" altLang="en-US" sz="1400" dirty="0" smtClean="0"/>
+              <a:t> </a:t>
+            </a:r>
+            <a:r>
+              <a:rPr kumimoji="1" lang="en-US" altLang="zh-CN" sz="1400" dirty="0" smtClean="0"/>
+              <a:t>Constraints</a:t>
+            </a:r>
+            <a:r>
+              <a:rPr kumimoji="1" lang="zh-CN" altLang="en-US" sz="1400" dirty="0" smtClean="0"/>
+              <a:t> </a:t>
+            </a:r>
+            <a:r>
+              <a:rPr kumimoji="1" lang="en-US" altLang="zh-CN" sz="1400" dirty="0" smtClean="0"/>
+              <a:t>for</a:t>
+            </a:r>
+            <a:r>
+              <a:rPr kumimoji="1" lang="zh-CN" altLang="en-US" sz="1400" dirty="0" smtClean="0"/>
+              <a:t> </a:t>
+            </a:r>
+            <a:r>
+              <a:rPr kumimoji="1" lang="en-US" altLang="zh-CN" sz="1400" dirty="0" smtClean="0"/>
+              <a:t>User</a:t>
+            </a:r>
+            <a:r>
+              <a:rPr kumimoji="1" lang="zh-CN" altLang="en-US" sz="1400" dirty="0" smtClean="0"/>
+              <a:t> </a:t>
+            </a:r>
+            <a:r>
+              <a:rPr kumimoji="1" lang="en-US" altLang="zh-CN" sz="1400" dirty="0" smtClean="0"/>
+              <a:t>Interface</a:t>
+            </a:r>
+            <a:r>
+              <a:rPr kumimoji="1" lang="zh-CN" altLang="en-US" sz="1400" dirty="0" smtClean="0"/>
+              <a:t> </a:t>
+            </a:r>
+            <a:r>
+              <a:rPr kumimoji="1" lang="en-US" altLang="zh-CN" sz="1400" dirty="0" smtClean="0"/>
+              <a:t>Application&gt;&gt;</a:t>
+            </a:r>
+            <a:r>
+              <a:rPr kumimoji="1" lang="zh-CN" altLang="en-US" sz="1400" dirty="0" smtClean="0"/>
+              <a:t>论文提出了在解决布局问题的</a:t>
+            </a:r>
+            <a:r>
+              <a:rPr kumimoji="1" lang="en-US" altLang="zh-CN" sz="1400" dirty="0" smtClean="0"/>
+              <a:t>Cassowary</a:t>
+            </a:r>
+            <a:r>
+              <a:rPr kumimoji="1" lang="zh-CN" altLang="en-US" sz="1400" dirty="0" smtClean="0"/>
+              <a:t> </a:t>
+            </a:r>
+            <a:r>
+              <a:rPr kumimoji="1" lang="en-US" altLang="zh-CN" sz="1400" dirty="0" smtClean="0"/>
+              <a:t>constraint-solving</a:t>
+            </a:r>
+            <a:r>
+              <a:rPr kumimoji="1" lang="zh-CN" altLang="en-US" sz="1400" dirty="0" smtClean="0"/>
+              <a:t>算法实现。</a:t>
+            </a:r>
+            <a:r>
+              <a:rPr kumimoji="1" lang="en-US" altLang="zh-CN" sz="1400" dirty="0" smtClean="0"/>
+              <a:t>2011</a:t>
+            </a:r>
+            <a:r>
+              <a:rPr kumimoji="1" lang="zh-CN" altLang="en-US" sz="1400" dirty="0" smtClean="0"/>
+              <a:t>年苹果将这个算法运用到自己的布局引擎中，美其名曰</a:t>
+            </a:r>
+            <a:r>
+              <a:rPr kumimoji="1" lang="en-US" altLang="zh-CN" sz="1400" dirty="0" smtClean="0"/>
+              <a:t>Auto</a:t>
+            </a:r>
+            <a:r>
+              <a:rPr kumimoji="1" lang="zh-CN" altLang="en-US" sz="1400" dirty="0" smtClean="0"/>
+              <a:t> </a:t>
+            </a:r>
+            <a:r>
+              <a:rPr kumimoji="1" lang="en-US" altLang="zh-CN" sz="1400" dirty="0" smtClean="0"/>
+              <a:t>Layout</a:t>
+            </a:r>
+            <a:endParaRPr kumimoji="1" lang="zh-CN" altLang="en-US" sz="1400" dirty="0"/>
           </a:p>
         </p:txBody>
       </p:sp>
@@ -6358,8 +9488,8 @@
         </p:blipFill>
         <p:spPr>
           <a:xfrm>
-            <a:off x="-23550" y="-9329"/>
-            <a:ext cx="9167550" cy="7504325"/>
+            <a:off x="-23550" y="212407"/>
+            <a:ext cx="9167550" cy="7561169"/>
           </a:xfrm>
           <a:prstGeom prst="rect">
             <a:avLst/>
@@ -6368,55 +9498,13 @@
       </p:pic>
       <p:sp>
         <p:nvSpPr>
-          <p:cNvPr id="2" name="文字方塊 1"/>
-          <p:cNvSpPr txBox="1"/>
-          <p:nvPr/>
-        </p:nvSpPr>
-        <p:spPr>
-          <a:xfrm>
-            <a:off x="846594" y="391999"/>
-            <a:ext cx="6349456" cy="646331"/>
-          </a:xfrm>
-          <a:prstGeom prst="rect">
-            <a:avLst/>
-          </a:prstGeom>
-          <a:noFill/>
-        </p:spPr>
-        <p:txBody>
-          <a:bodyPr wrap="square" rtlCol="0">
-            <a:spAutoFit/>
-          </a:bodyPr>
-          <a:lstStyle/>
-          <a:p>
-            <a:r>
-              <a:rPr kumimoji="1" lang="en-US" altLang="zh-TW" sz="3600" dirty="0" smtClean="0"/>
-              <a:t>Auto</a:t>
-            </a:r>
-            <a:r>
-              <a:rPr kumimoji="1" lang="zh-CN" altLang="en-US" sz="3600" dirty="0" smtClean="0"/>
-              <a:t> </a:t>
-            </a:r>
-            <a:r>
-              <a:rPr kumimoji="1" lang="en-US" altLang="zh-CN" sz="3600" dirty="0" smtClean="0"/>
-              <a:t>Layout</a:t>
-            </a:r>
-            <a:r>
-              <a:rPr kumimoji="1" lang="zh-CN" altLang="en-US" sz="3600" dirty="0" smtClean="0"/>
-              <a:t>的用法和演示</a:t>
-            </a:r>
-            <a:endParaRPr kumimoji="1" lang="zh-TW" altLang="en-US" sz="3600" dirty="0"/>
-          </a:p>
-        </p:txBody>
-      </p:sp>
-      <p:sp>
-        <p:nvSpPr>
           <p:cNvPr id="3" name="文字方塊 2"/>
           <p:cNvSpPr txBox="1"/>
           <p:nvPr/>
         </p:nvSpPr>
         <p:spPr>
           <a:xfrm>
-            <a:off x="846594" y="1180359"/>
+            <a:off x="846594" y="1113312"/>
             <a:ext cx="4734656" cy="461665"/>
           </a:xfrm>
           <a:prstGeom prst="rect">
@@ -6435,8 +9523,8 @@
               <a:buChar char="•"/>
             </a:pPr>
             <a:r>
-              <a:rPr kumimoji="1" lang="zh-CN" altLang="en-US" sz="2400" dirty="0" smtClean="0"/>
-              <a:t>剖析约束</a:t>
+              <a:rPr lang="en-US" altLang="zh-TW" sz="2400" dirty="0"/>
+              <a:t>Auto Layout Attributes</a:t>
             </a:r>
             <a:endParaRPr kumimoji="1" lang="zh-TW" altLang="en-US" sz="2400" dirty="0"/>
           </a:p>
@@ -6444,14 +9532,14 @@
       </p:sp>
       <p:sp>
         <p:nvSpPr>
-          <p:cNvPr id="4" name="文字方塊 3"/>
+          <p:cNvPr id="2" name="文字方塊 1"/>
           <p:cNvSpPr txBox="1"/>
           <p:nvPr/>
         </p:nvSpPr>
         <p:spPr>
           <a:xfrm>
-            <a:off x="846594" y="1810175"/>
-            <a:ext cx="7666380" cy="923330"/>
+            <a:off x="846594" y="1709065"/>
+            <a:ext cx="7337149" cy="923330"/>
           </a:xfrm>
           <a:prstGeom prst="rect">
             <a:avLst/>
@@ -6470,11 +9558,15 @@
             </a:r>
             <a:r>
               <a:rPr kumimoji="1" lang="zh-CN" altLang="en-US" dirty="0" smtClean="0"/>
-              <a:t>视图层</a:t>
+              <a:t>自动布局中，属性定义了可以被约束的特征。通常，这些约束包括四条边（上下左右），高度宽度，以及纵向横向中心等。文本对象还有一个或多个</a:t>
+            </a:r>
+            <a:r>
+              <a:rPr kumimoji="1" lang="en-US" altLang="zh-CN" dirty="0" smtClean="0"/>
+              <a:t>baseline</a:t>
             </a:r>
             <a:r>
               <a:rPr kumimoji="1" lang="zh-CN" altLang="en-US" dirty="0" smtClean="0"/>
-              <a:t>次中的布局是以一系列的线性方程来定义的。每个约束表示一个方程。你的目标就是声明一系列的方程，并且每个方程有且仅有一个可能的解决方法。以下是一个方程：</a:t>
+              <a:t>属性。</a:t>
             </a:r>
             <a:endParaRPr kumimoji="1" lang="zh-TW" altLang="en-US" dirty="0"/>
           </a:p>
@@ -6482,7 +9574,7 @@
       </p:sp>
       <p:pic>
         <p:nvPicPr>
-          <p:cNvPr id="5" name="圖片 4" descr="view_formula_2x.png"/>
+          <p:cNvPr id="4" name="圖片 3" descr="attributes_2x.png"/>
           <p:cNvPicPr>
             <a:picLocks noChangeAspect="1"/>
           </p:cNvPicPr>
@@ -6502,8 +9594,8 @@
         </p:blipFill>
         <p:spPr>
           <a:xfrm>
-            <a:off x="1568177" y="2853032"/>
-            <a:ext cx="5925749" cy="2525177"/>
+            <a:off x="219488" y="2786331"/>
+            <a:ext cx="3266795" cy="2883244"/>
           </a:xfrm>
           <a:prstGeom prst="rect">
             <a:avLst/>
@@ -6512,14 +9604,14 @@
       </p:pic>
       <p:sp>
         <p:nvSpPr>
-          <p:cNvPr id="6" name="文字方塊 5"/>
+          <p:cNvPr id="5" name="文字方塊 4"/>
           <p:cNvSpPr txBox="1"/>
           <p:nvPr/>
         </p:nvSpPr>
         <p:spPr>
           <a:xfrm>
-            <a:off x="846594" y="5657671"/>
-            <a:ext cx="7666380" cy="1200329"/>
+            <a:off x="846594" y="5785132"/>
+            <a:ext cx="7337149" cy="1200329"/>
           </a:xfrm>
           <a:prstGeom prst="rect">
             <a:avLst/>
@@ -6538,97 +9630,89 @@
             </a:r>
             <a:r>
               <a:rPr kumimoji="1" lang="zh-CN" altLang="en-US" dirty="0" smtClean="0"/>
-              <a:t>大多数约束定义</a:t>
+              <a:t>根据这些属性特性可以分为两种，尺寸属性（高</a:t>
+            </a:r>
+            <a:r>
+              <a:rPr kumimoji="1" lang="zh-CN" altLang="zh-CN" dirty="0" smtClean="0"/>
+              <a:t>、</a:t>
             </a:r>
             <a:r>
               <a:rPr kumimoji="1" lang="zh-CN" altLang="en-US" dirty="0" smtClean="0"/>
-              <a:t>了</a:t>
-            </a:r>
-            <a:r>
-              <a:rPr kumimoji="1" lang="en-US" altLang="zh-CN" dirty="0" smtClean="0"/>
-              <a:t>2</a:t>
-            </a:r>
-            <a:r>
-              <a:rPr kumimoji="1" lang="zh-CN" altLang="en-US" dirty="0" smtClean="0"/>
-              <a:t>个对象之间的一种关系。约束也可以定义一个对象中两个不同属性的关系，比如设置长宽比，或者设置宽高为一个常量值。当对象的属性是常量值时，</a:t>
-            </a:r>
-            <a:r>
-              <a:rPr kumimoji="1" lang="en-US" altLang="zh-CN" dirty="0" smtClean="0"/>
-              <a:t>item2</a:t>
-            </a:r>
-            <a:r>
-              <a:rPr kumimoji="1" lang="zh-CN" altLang="en-US" dirty="0" smtClean="0"/>
-              <a:t>留空，属性</a:t>
-            </a:r>
-            <a:r>
-              <a:rPr kumimoji="1" lang="en-US" altLang="zh-CN" dirty="0" smtClean="0"/>
-              <a:t>2</a:t>
-            </a:r>
-            <a:r>
-              <a:rPr kumimoji="1" lang="zh-CN" altLang="en-US" dirty="0" smtClean="0"/>
-              <a:t>被设为</a:t>
-            </a:r>
-            <a:r>
-              <a:rPr lang="en-US" altLang="zh-TW" dirty="0"/>
-              <a:t>Not An </a:t>
-            </a:r>
-            <a:r>
-              <a:rPr lang="en-US" altLang="zh-TW" dirty="0" smtClean="0"/>
-              <a:t>Attribute</a:t>
-            </a:r>
-            <a:r>
-              <a:rPr lang="zh-CN" altLang="en-US" dirty="0" smtClean="0"/>
-              <a:t>，</a:t>
-            </a:r>
-            <a:r>
-              <a:rPr lang="en-US" altLang="zh-CN" dirty="0" err="1" smtClean="0"/>
-              <a:t>Mutipiler</a:t>
-            </a:r>
-            <a:r>
-              <a:rPr lang="zh-CN" altLang="en-US" dirty="0" smtClean="0"/>
-              <a:t>设为</a:t>
-            </a:r>
-            <a:r>
-              <a:rPr lang="en-US" altLang="zh-CN" dirty="0" smtClean="0"/>
-              <a:t>0</a:t>
-            </a:r>
-            <a:r>
-              <a:rPr lang="zh-CN" altLang="zh-CN" dirty="0" smtClean="0"/>
-              <a:t>（</a:t>
-            </a:r>
-            <a:r>
-              <a:rPr lang="en-US" altLang="zh-CN" dirty="0" err="1" smtClean="0"/>
-              <a:t>RedView</a:t>
-            </a:r>
-            <a:r>
-              <a:rPr lang="en-US" altLang="zh-CN" dirty="0" err="1" smtClean="0"/>
-              <a:t>.height</a:t>
-            </a:r>
-            <a:r>
-              <a:rPr lang="en-US" altLang="zh-CN" dirty="0" smtClean="0"/>
-              <a:t> &gt;= </a:t>
-            </a:r>
-            <a:r>
-              <a:rPr lang="en-US" altLang="zh-CN" dirty="0"/>
-              <a:t>0.0 * </a:t>
-            </a:r>
-            <a:r>
-              <a:rPr lang="en-US" altLang="zh-CN" dirty="0" err="1"/>
-              <a:t>NotAnAttribute</a:t>
-            </a:r>
-            <a:r>
-              <a:rPr lang="en-US" altLang="zh-CN" dirty="0"/>
-              <a:t> + </a:t>
-            </a:r>
-            <a:r>
-              <a:rPr lang="en-US" altLang="zh-CN" dirty="0" smtClean="0"/>
-              <a:t>8.0</a:t>
-            </a:r>
-            <a:r>
-              <a:rPr lang="zh-CN" altLang="en-US" dirty="0" smtClean="0"/>
-              <a:t>）。</a:t>
+              <a:t>宽）和位置属性（上下左右）。尺寸属性用来指定对象多大，位置属性用来指定对象相对于别的对象的位置。一般来说，约束必须同时定义每个视图的尺寸和位置。</a:t>
             </a:r>
             <a:endParaRPr kumimoji="1" lang="zh-TW" altLang="en-US" dirty="0"/>
+          </a:p>
+        </p:txBody>
+      </p:sp>
+      <p:pic>
+        <p:nvPicPr>
+          <p:cNvPr id="6" name="圖片 5" descr="屏幕快照 2017-08-23 上午9.50.17.png"/>
+          <p:cNvPicPr>
+            <a:picLocks noChangeAspect="1"/>
+          </p:cNvPicPr>
+          <p:nvPr/>
+        </p:nvPicPr>
+        <p:blipFill>
+          <a:blip r:embed="rId4">
+            <a:extLst>
+              <a:ext uri="{28A0092B-C50C-407E-A947-70E740481C1C}">
+                <a14:useLocalDpi xmlns:a14="http://schemas.microsoft.com/office/drawing/2010/main" val="0"/>
+              </a:ext>
+            </a:extLst>
+          </a:blip>
+          <a:stretch>
+            <a:fillRect/>
+          </a:stretch>
+        </p:blipFill>
+        <p:spPr>
+          <a:xfrm>
+            <a:off x="3690092" y="2786331"/>
+            <a:ext cx="5216472" cy="2883244"/>
+          </a:xfrm>
+          <a:prstGeom prst="rect">
+            <a:avLst/>
+          </a:prstGeom>
+        </p:spPr>
+      </p:pic>
+      <p:sp>
+        <p:nvSpPr>
+          <p:cNvPr id="9" name="文字方塊 1"/>
+          <p:cNvSpPr txBox="1"/>
+          <p:nvPr/>
+        </p:nvSpPr>
+        <p:spPr>
+          <a:xfrm>
+            <a:off x="846594" y="212407"/>
+            <a:ext cx="6349456" cy="646331"/>
+          </a:xfrm>
+          <a:prstGeom prst="rect">
+            <a:avLst/>
+          </a:prstGeom>
+          <a:noFill/>
+        </p:spPr>
+        <p:txBody>
+          <a:bodyPr wrap="square" rtlCol="0">
+            <a:spAutoFit/>
+          </a:bodyPr>
+          <a:lstStyle/>
+          <a:p>
+            <a:r>
+              <a:rPr kumimoji="1" lang="en-US" altLang="zh-TW" sz="3600" dirty="0" smtClean="0"/>
+              <a:t>Auto</a:t>
+            </a:r>
+            <a:r>
+              <a:rPr kumimoji="1" lang="zh-CN" altLang="en-US" sz="3600" dirty="0" smtClean="0"/>
+              <a:t> </a:t>
+            </a:r>
+            <a:r>
+              <a:rPr kumimoji="1" lang="en-US" altLang="zh-CN" sz="3600" dirty="0" smtClean="0"/>
+              <a:t>Layout</a:t>
+            </a:r>
+            <a:r>
+              <a:rPr kumimoji="1" lang="zh-CN" altLang="en-US" sz="3600" dirty="0" smtClean="0"/>
+              <a:t>的用法和演示</a:t>
+            </a:r>
+            <a:endParaRPr kumimoji="1" lang="zh-TW" altLang="en-US" sz="3600" dirty="0"/>
           </a:p>
         </p:txBody>
       </p:sp>
@@ -6684,8 +9768,8 @@
         </p:blipFill>
         <p:spPr>
           <a:xfrm>
-            <a:off x="-23550" y="-9329"/>
-            <a:ext cx="9167550" cy="6867329"/>
+            <a:off x="-23550" y="-317193"/>
+            <a:ext cx="9167550" cy="7504325"/>
           </a:xfrm>
           <a:prstGeom prst="rect">
             <a:avLst/>
@@ -6700,7 +9784,7 @@
         </p:nvSpPr>
         <p:spPr>
           <a:xfrm>
-            <a:off x="846594" y="459084"/>
+            <a:off x="846594" y="538959"/>
             <a:ext cx="4734656" cy="461665"/>
           </a:xfrm>
           <a:prstGeom prst="rect">
@@ -6719,8 +9803,8 @@
               <a:buChar char="•"/>
             </a:pPr>
             <a:r>
-              <a:rPr lang="en-US" altLang="zh-TW" sz="2400" dirty="0"/>
-              <a:t>Auto Layout Attributes</a:t>
+              <a:rPr kumimoji="1" lang="zh-CN" altLang="en-US" sz="2400" dirty="0" smtClean="0"/>
+              <a:t>剖析约束</a:t>
             </a:r>
             <a:endParaRPr kumimoji="1" lang="zh-TW" altLang="en-US" sz="2400" dirty="0"/>
           </a:p>
@@ -6728,14 +9812,14 @@
       </p:sp>
       <p:sp>
         <p:nvSpPr>
-          <p:cNvPr id="2" name="文字方塊 1"/>
+          <p:cNvPr id="4" name="文字方塊 3"/>
           <p:cNvSpPr txBox="1"/>
           <p:nvPr/>
         </p:nvSpPr>
         <p:spPr>
           <a:xfrm>
-            <a:off x="846594" y="1144633"/>
-            <a:ext cx="7337149" cy="923330"/>
+            <a:off x="846594" y="1271399"/>
+            <a:ext cx="7666380" cy="923330"/>
           </a:xfrm>
           <a:prstGeom prst="rect">
             <a:avLst/>
@@ -6754,19 +9838,7 @@
             </a:r>
             <a:r>
               <a:rPr kumimoji="1" lang="zh-CN" altLang="en-US" dirty="0" smtClean="0"/>
-              <a:t>自动</a:t>
-            </a:r>
-            <a:r>
-              <a:rPr kumimoji="1" lang="zh-CN" altLang="en-US" dirty="0" smtClean="0"/>
-              <a:t>布局中，属性定义了可以被约束的特征。通常，这些约束包括四条边（上下左右），高度宽度，以及纵向横向中心等。文本对象还有一个或多个</a:t>
-            </a:r>
-            <a:r>
-              <a:rPr kumimoji="1" lang="en-US" altLang="zh-CN" dirty="0" smtClean="0"/>
-              <a:t>baseline</a:t>
-            </a:r>
-            <a:r>
-              <a:rPr kumimoji="1" lang="zh-CN" altLang="en-US" dirty="0" smtClean="0"/>
-              <a:t>属性。</a:t>
+              <a:t>视图层次中的布局是以一系列的线性方程来定义的。每个约束表示一个方程。你的目标就是声明一系列的方程，并且每个方程有且仅有一个可能的解决方法。以下是一个方程：</a:t>
             </a:r>
             <a:endParaRPr kumimoji="1" lang="zh-TW" altLang="en-US" dirty="0"/>
           </a:p>
@@ -6774,7 +9846,7 @@
       </p:sp>
       <p:pic>
         <p:nvPicPr>
-          <p:cNvPr id="4" name="圖片 3" descr="attributes_2x.png"/>
+          <p:cNvPr id="5" name="圖片 4" descr="view_formula_2x.png"/>
           <p:cNvPicPr>
             <a:picLocks noChangeAspect="1"/>
           </p:cNvPicPr>
@@ -6794,8 +9866,8 @@
         </p:blipFill>
         <p:spPr>
           <a:xfrm>
-            <a:off x="219488" y="2067963"/>
-            <a:ext cx="3266795" cy="2883244"/>
+            <a:off x="1568177" y="2442536"/>
+            <a:ext cx="5925749" cy="2525177"/>
           </a:xfrm>
           <a:prstGeom prst="rect">
             <a:avLst/>
@@ -6804,14 +9876,14 @@
       </p:pic>
       <p:sp>
         <p:nvSpPr>
-          <p:cNvPr id="5" name="文字方塊 4"/>
+          <p:cNvPr id="6" name="文字方塊 5"/>
           <p:cNvSpPr txBox="1"/>
           <p:nvPr/>
         </p:nvSpPr>
         <p:spPr>
           <a:xfrm>
-            <a:off x="846594" y="5053942"/>
-            <a:ext cx="7337149" cy="1200329"/>
+            <a:off x="846594" y="5272831"/>
+            <a:ext cx="7666380" cy="1200329"/>
           </a:xfrm>
           <a:prstGeom prst="rect">
             <a:avLst/>
@@ -6830,54 +9902,92 @@
             </a:r>
             <a:r>
               <a:rPr kumimoji="1" lang="zh-CN" altLang="en-US" dirty="0" smtClean="0"/>
-              <a:t>根据这些</a:t>
+              <a:t>大多数约束定义了</a:t>
+            </a:r>
+            <a:r>
+              <a:rPr kumimoji="1" lang="en-US" altLang="zh-CN" dirty="0" smtClean="0"/>
+              <a:t>2</a:t>
             </a:r>
             <a:r>
               <a:rPr kumimoji="1" lang="zh-CN" altLang="en-US" dirty="0" smtClean="0"/>
-              <a:t>属性特性可以分为两种，尺寸属性（高</a:t>
-            </a:r>
-            <a:r>
-              <a:rPr kumimoji="1" lang="zh-CN" altLang="zh-CN" dirty="0" smtClean="0"/>
-              <a:t>、</a:t>
+              <a:t>个对象之间的一种关系。约束也可以定义一个对象中两个不同属性的关系，比如设置长宽比，或者设置宽高为一个常量值。当对象的属性是常量值时，</a:t>
+            </a:r>
+            <a:r>
+              <a:rPr kumimoji="1" lang="en-US" altLang="zh-CN" dirty="0" smtClean="0"/>
+              <a:t>item2</a:t>
             </a:r>
             <a:r>
               <a:rPr kumimoji="1" lang="zh-CN" altLang="en-US" dirty="0" smtClean="0"/>
-              <a:t>宽）和位置属性（上下左右）。尺寸属性用来指定对象多大，位置属性用来指定对象相对于别的对象的位置。一般来说，约束必须同时定义每个视图的尺寸和位置。</a:t>
+              <a:t>留空，属性</a:t>
+            </a:r>
+            <a:r>
+              <a:rPr kumimoji="1" lang="en-US" altLang="zh-CN" dirty="0" smtClean="0"/>
+              <a:t>2</a:t>
+            </a:r>
+            <a:r>
+              <a:rPr kumimoji="1" lang="zh-CN" altLang="en-US" dirty="0" smtClean="0"/>
+              <a:t>被设为</a:t>
+            </a:r>
+            <a:r>
+              <a:rPr lang="en-US" altLang="zh-TW" dirty="0"/>
+              <a:t>Not An </a:t>
+            </a:r>
+            <a:r>
+              <a:rPr lang="en-US" altLang="zh-TW" dirty="0" smtClean="0"/>
+              <a:t>Attribute</a:t>
+            </a:r>
+            <a:r>
+              <a:rPr lang="zh-CN" altLang="en-US" dirty="0" smtClean="0"/>
+              <a:t>，</a:t>
+            </a:r>
+            <a:r>
+              <a:rPr lang="en-US" altLang="zh-CN" dirty="0" err="1" smtClean="0"/>
+              <a:t>Mutipiler</a:t>
+            </a:r>
+            <a:r>
+              <a:rPr lang="zh-CN" altLang="en-US" dirty="0" smtClean="0"/>
+              <a:t>设为</a:t>
+            </a:r>
+            <a:r>
+              <a:rPr lang="en-US" altLang="zh-CN" dirty="0" smtClean="0"/>
+              <a:t>0</a:t>
+            </a:r>
+            <a:r>
+              <a:rPr lang="zh-CN" altLang="zh-CN" dirty="0" smtClean="0"/>
+              <a:t>（</a:t>
+            </a:r>
+            <a:r>
+              <a:rPr lang="en-US" altLang="zh-CN" dirty="0" err="1" smtClean="0"/>
+              <a:t>RedView.height</a:t>
+            </a:r>
+            <a:r>
+              <a:rPr lang="en-US" altLang="zh-CN" dirty="0" smtClean="0"/>
+              <a:t> &gt;= </a:t>
+            </a:r>
+            <a:r>
+              <a:rPr lang="en-US" altLang="zh-CN" dirty="0"/>
+              <a:t>0.0 * </a:t>
+            </a:r>
+            <a:r>
+              <a:rPr lang="en-US" altLang="zh-CN" dirty="0" err="1"/>
+              <a:t>NotAnAttribute</a:t>
+            </a:r>
+            <a:r>
+              <a:rPr lang="en-US" altLang="zh-CN" dirty="0"/>
+              <a:t> + </a:t>
+            </a:r>
+            <a:r>
+              <a:rPr lang="en-US" altLang="zh-CN" dirty="0" smtClean="0"/>
+              <a:t>8.0</a:t>
+            </a:r>
+            <a:r>
+              <a:rPr lang="zh-CN" altLang="en-US" dirty="0" smtClean="0"/>
+              <a:t>）。</a:t>
             </a:r>
             <a:endParaRPr kumimoji="1" lang="zh-TW" altLang="en-US" dirty="0"/>
           </a:p>
         </p:txBody>
       </p:sp>
-      <p:pic>
-        <p:nvPicPr>
-          <p:cNvPr id="6" name="圖片 5" descr="屏幕快照 2017-08-23 上午9.50.17.png"/>
-          <p:cNvPicPr>
-            <a:picLocks noChangeAspect="1"/>
-          </p:cNvPicPr>
-          <p:nvPr/>
-        </p:nvPicPr>
-        <p:blipFill>
-          <a:blip r:embed="rId4">
-            <a:extLst>
-              <a:ext uri="{28A0092B-C50C-407E-A947-70E740481C1C}">
-                <a14:useLocalDpi xmlns:a14="http://schemas.microsoft.com/office/drawing/2010/main" val="0"/>
-              </a:ext>
-            </a:extLst>
-          </a:blip>
-          <a:stretch>
-            <a:fillRect/>
-          </a:stretch>
-        </p:blipFill>
-        <p:spPr>
-          <a:xfrm>
-            <a:off x="3690092" y="2067963"/>
-            <a:ext cx="5216472" cy="2883244"/>
-          </a:xfrm>
-          <a:prstGeom prst="rect">
-            <a:avLst/>
-          </a:prstGeom>
-        </p:spPr>
-      </p:pic>
     </p:spTree>
     <p:extLst>
       <p:ext uri="{BB962C8B-B14F-4D97-AF65-F5344CB8AC3E}">
@@ -7376,15 +10486,7 @@
                 <a:ea typeface="宋体"/>
                 <a:cs typeface="宋体"/>
               </a:rPr>
-              <a:t>者都定义</a:t>
-            </a:r>
-            <a:r>
-              <a:rPr kumimoji="1" lang="zh-TW" altLang="en-US" dirty="0" smtClean="0">
-                <a:latin typeface="宋体"/>
-                <a:ea typeface="宋体"/>
-                <a:cs typeface="宋体"/>
-              </a:rPr>
-              <a:t>，</a:t>
+              <a:t>者都定义，</a:t>
             </a:r>
             <a:r>
               <a:rPr kumimoji="1" lang="zh-CN" altLang="en-US" dirty="0" smtClean="0">
@@ -7826,4 +10928,324 @@
   </a:objectDefaults>
   <a:extraClrSchemeLst/>
 </a:theme>
+</file>
+
+<file path=ppt/theme/theme2.xml><?xml version="1.0" encoding="utf-8"?>
+<a:theme xmlns:a="http://schemas.openxmlformats.org/drawingml/2006/main" name="Office 主题">
+  <a:themeElements>
+    <a:clrScheme name="办公室">
+      <a:dk1>
+        <a:sysClr val="windowText" lastClr="000000"/>
+      </a:dk1>
+      <a:lt1>
+        <a:sysClr val="window" lastClr="FFFFFF"/>
+      </a:lt1>
+      <a:dk2>
+        <a:srgbClr val="1F497D"/>
+      </a:dk2>
+      <a:lt2>
+        <a:srgbClr val="EEECE1"/>
+      </a:lt2>
+      <a:accent1>
+        <a:srgbClr val="4F81BD"/>
+      </a:accent1>
+      <a:accent2>
+        <a:srgbClr val="C0504D"/>
+      </a:accent2>
+      <a:accent3>
+        <a:srgbClr val="9BBB59"/>
+      </a:accent3>
+      <a:accent4>
+        <a:srgbClr val="8064A2"/>
+      </a:accent4>
+      <a:accent5>
+        <a:srgbClr val="4BACC6"/>
+      </a:accent5>
+      <a:accent6>
+        <a:srgbClr val="F79646"/>
+      </a:accent6>
+      <a:hlink>
+        <a:srgbClr val="0000FF"/>
+      </a:hlink>
+      <a:folHlink>
+        <a:srgbClr val="800080"/>
+      </a:folHlink>
+    </a:clrScheme>
+    <a:fontScheme name="办公室">
+      <a:majorFont>
+        <a:latin typeface="Calibri"/>
+        <a:ea typeface=""/>
+        <a:cs typeface=""/>
+        <a:font script="Jpan" typeface="ＭＳ Ｐゴシック"/>
+        <a:font script="Hang" typeface="맑은 고딕"/>
+        <a:font script="Hans" typeface="宋体"/>
+        <a:font script="Hant" typeface="新細明體"/>
+        <a:font script="Arab" typeface="Times New Roman"/>
+        <a:font script="Hebr" typeface="Times New Roman"/>
+        <a:font script="Thai" typeface="Angsana New"/>
+        <a:font script="Ethi" typeface="Nyala"/>
+        <a:font script="Beng" typeface="Vrinda"/>
+        <a:font script="Gujr" typeface="Shruti"/>
+        <a:font script="Khmr" typeface="MoolBoran"/>
+        <a:font script="Knda" typeface="Tunga"/>
+        <a:font script="Guru" typeface="Raavi"/>
+        <a:font script="Cans" typeface="Euphemia"/>
+        <a:font script="Cher" typeface="Plantagenet Cherokee"/>
+        <a:font script="Yiii" typeface="Microsoft Yi Baiti"/>
+        <a:font script="Tibt" typeface="Microsoft Himalaya"/>
+        <a:font script="Thaa" typeface="MV Boli"/>
+        <a:font script="Deva" typeface="Mangal"/>
+        <a:font script="Telu" typeface="Gautami"/>
+        <a:font script="Taml" typeface="Latha"/>
+        <a:font script="Syrc" typeface="Estrangelo Edessa"/>
+        <a:font script="Orya" typeface="Kalinga"/>
+        <a:font script="Mlym" typeface="Kartika"/>
+        <a:font script="Laoo" typeface="DokChampa"/>
+        <a:font script="Sinh" typeface="Iskoola Pota"/>
+        <a:font script="Mong" typeface="Mongolian Baiti"/>
+        <a:font script="Viet" typeface="Times New Roman"/>
+        <a:font script="Uigh" typeface="Microsoft Uighur"/>
+        <a:font script="Geor" typeface="Sylfaen"/>
+      </a:majorFont>
+      <a:minorFont>
+        <a:latin typeface="Calibri"/>
+        <a:ea typeface=""/>
+        <a:cs typeface=""/>
+        <a:font script="Jpan" typeface="ＭＳ Ｐゴシック"/>
+        <a:font script="Hang" typeface="맑은 고딕"/>
+        <a:font script="Hans" typeface="宋体"/>
+        <a:font script="Hant" typeface="新細明體"/>
+        <a:font script="Arab" typeface="Arial"/>
+        <a:font script="Hebr" typeface="Arial"/>
+        <a:font script="Thai" typeface="Cordia New"/>
+        <a:font script="Ethi" typeface="Nyala"/>
+        <a:font script="Beng" typeface="Vrinda"/>
+        <a:font script="Gujr" typeface="Shruti"/>
+        <a:font script="Khmr" typeface="DaunPenh"/>
+        <a:font script="Knda" typeface="Tunga"/>
+        <a:font script="Guru" typeface="Raavi"/>
+        <a:font script="Cans" typeface="Euphemia"/>
+        <a:font script="Cher" typeface="Plantagenet Cherokee"/>
+        <a:font script="Yiii" typeface="Microsoft Yi Baiti"/>
+        <a:font script="Tibt" typeface="Microsoft Himalaya"/>
+        <a:font script="Thaa" typeface="MV Boli"/>
+        <a:font script="Deva" typeface="Mangal"/>
+        <a:font script="Telu" typeface="Gautami"/>
+        <a:font script="Taml" typeface="Latha"/>
+        <a:font script="Syrc" typeface="Estrangelo Edessa"/>
+        <a:font script="Orya" typeface="Kalinga"/>
+        <a:font script="Mlym" typeface="Kartika"/>
+        <a:font script="Laoo" typeface="DokChampa"/>
+        <a:font script="Sinh" typeface="Iskoola Pota"/>
+        <a:font script="Mong" typeface="Mongolian Baiti"/>
+        <a:font script="Viet" typeface="Arial"/>
+        <a:font script="Uigh" typeface="Microsoft Uighur"/>
+        <a:font script="Geor" typeface="Sylfaen"/>
+      </a:minorFont>
+    </a:fontScheme>
+    <a:fmtScheme name="办公室">
+      <a:fillStyleLst>
+        <a:solidFill>
+          <a:schemeClr val="phClr"/>
+        </a:solidFill>
+        <a:gradFill rotWithShape="1">
+          <a:gsLst>
+            <a:gs pos="0">
+              <a:schemeClr val="phClr">
+                <a:tint val="50000"/>
+                <a:satMod val="300000"/>
+              </a:schemeClr>
+            </a:gs>
+            <a:gs pos="35000">
+              <a:schemeClr val="phClr">
+                <a:tint val="37000"/>
+                <a:satMod val="300000"/>
+              </a:schemeClr>
+            </a:gs>
+            <a:gs pos="100000">
+              <a:schemeClr val="phClr">
+                <a:tint val="15000"/>
+                <a:satMod val="350000"/>
+              </a:schemeClr>
+            </a:gs>
+          </a:gsLst>
+          <a:lin ang="16200000" scaled="1"/>
+        </a:gradFill>
+        <a:gradFill rotWithShape="1">
+          <a:gsLst>
+            <a:gs pos="0">
+              <a:schemeClr val="phClr">
+                <a:tint val="100000"/>
+                <a:shade val="100000"/>
+                <a:satMod val="130000"/>
+              </a:schemeClr>
+            </a:gs>
+            <a:gs pos="100000">
+              <a:schemeClr val="phClr">
+                <a:tint val="50000"/>
+                <a:shade val="100000"/>
+                <a:satMod val="350000"/>
+              </a:schemeClr>
+            </a:gs>
+          </a:gsLst>
+          <a:lin ang="16200000" scaled="0"/>
+        </a:gradFill>
+      </a:fillStyleLst>
+      <a:lnStyleLst>
+        <a:ln w="9525" cap="flat" cmpd="sng" algn="ctr">
+          <a:solidFill>
+            <a:schemeClr val="phClr">
+              <a:shade val="95000"/>
+              <a:satMod val="105000"/>
+            </a:schemeClr>
+          </a:solidFill>
+          <a:prstDash val="solid"/>
+        </a:ln>
+        <a:ln w="25400" cap="flat" cmpd="sng" algn="ctr">
+          <a:solidFill>
+            <a:schemeClr val="phClr"/>
+          </a:solidFill>
+          <a:prstDash val="solid"/>
+        </a:ln>
+        <a:ln w="38100" cap="flat" cmpd="sng" algn="ctr">
+          <a:solidFill>
+            <a:schemeClr val="phClr"/>
+          </a:solidFill>
+          <a:prstDash val="solid"/>
+        </a:ln>
+      </a:lnStyleLst>
+      <a:effectStyleLst>
+        <a:effectStyle>
+          <a:effectLst>
+            <a:outerShdw blurRad="40000" dist="20000" dir="5400000" rotWithShape="0">
+              <a:srgbClr val="000000">
+                <a:alpha val="38000"/>
+              </a:srgbClr>
+            </a:outerShdw>
+          </a:effectLst>
+        </a:effectStyle>
+        <a:effectStyle>
+          <a:effectLst>
+            <a:outerShdw blurRad="40000" dist="23000" dir="5400000" rotWithShape="0">
+              <a:srgbClr val="000000">
+                <a:alpha val="35000"/>
+              </a:srgbClr>
+            </a:outerShdw>
+          </a:effectLst>
+        </a:effectStyle>
+        <a:effectStyle>
+          <a:effectLst>
+            <a:outerShdw blurRad="40000" dist="23000" dir="5400000" rotWithShape="0">
+              <a:srgbClr val="000000">
+                <a:alpha val="35000"/>
+              </a:srgbClr>
+            </a:outerShdw>
+          </a:effectLst>
+          <a:scene3d>
+            <a:camera prst="orthographicFront">
+              <a:rot lat="0" lon="0" rev="0"/>
+            </a:camera>
+            <a:lightRig rig="threePt" dir="t">
+              <a:rot lat="0" lon="0" rev="1200000"/>
+            </a:lightRig>
+          </a:scene3d>
+          <a:sp3d>
+            <a:bevelT w="63500" h="25400"/>
+          </a:sp3d>
+        </a:effectStyle>
+      </a:effectStyleLst>
+      <a:bgFillStyleLst>
+        <a:solidFill>
+          <a:schemeClr val="phClr"/>
+        </a:solidFill>
+        <a:gradFill rotWithShape="1">
+          <a:gsLst>
+            <a:gs pos="0">
+              <a:schemeClr val="phClr">
+                <a:tint val="40000"/>
+                <a:satMod val="350000"/>
+              </a:schemeClr>
+            </a:gs>
+            <a:gs pos="40000">
+              <a:schemeClr val="phClr">
+                <a:tint val="45000"/>
+                <a:shade val="99000"/>
+                <a:satMod val="350000"/>
+              </a:schemeClr>
+            </a:gs>
+            <a:gs pos="100000">
+              <a:schemeClr val="phClr">
+                <a:shade val="20000"/>
+                <a:satMod val="255000"/>
+              </a:schemeClr>
+            </a:gs>
+          </a:gsLst>
+          <a:path path="circle">
+            <a:fillToRect l="50000" t="-80000" r="50000" b="180000"/>
+          </a:path>
+        </a:gradFill>
+        <a:gradFill rotWithShape="1">
+          <a:gsLst>
+            <a:gs pos="0">
+              <a:schemeClr val="phClr">
+                <a:tint val="80000"/>
+                <a:satMod val="300000"/>
+              </a:schemeClr>
+            </a:gs>
+            <a:gs pos="100000">
+              <a:schemeClr val="phClr">
+                <a:shade val="30000"/>
+                <a:satMod val="200000"/>
+              </a:schemeClr>
+            </a:gs>
+          </a:gsLst>
+          <a:path path="circle">
+            <a:fillToRect l="50000" t="50000" r="50000" b="50000"/>
+          </a:path>
+        </a:gradFill>
+      </a:bgFillStyleLst>
+    </a:fmtScheme>
+  </a:themeElements>
+  <a:objectDefaults>
+    <a:spDef>
+      <a:spPr/>
+      <a:bodyPr/>
+      <a:lstStyle/>
+      <a:style>
+        <a:lnRef idx="1">
+          <a:schemeClr val="accent1"/>
+        </a:lnRef>
+        <a:fillRef idx="3">
+          <a:schemeClr val="accent1"/>
+        </a:fillRef>
+        <a:effectRef idx="2">
+          <a:schemeClr val="accent1"/>
+        </a:effectRef>
+        <a:fontRef idx="minor">
+          <a:schemeClr val="lt1"/>
+        </a:fontRef>
+      </a:style>
+    </a:spDef>
+    <a:lnDef>
+      <a:spPr/>
+      <a:bodyPr/>
+      <a:lstStyle/>
+      <a:style>
+        <a:lnRef idx="2">
+          <a:schemeClr val="accent1"/>
+        </a:lnRef>
+        <a:fillRef idx="0">
+          <a:schemeClr val="accent1"/>
+        </a:fillRef>
+        <a:effectRef idx="1">
+          <a:schemeClr val="accent1"/>
+        </a:effectRef>
+        <a:fontRef idx="minor">
+          <a:schemeClr val="tx1"/>
+        </a:fontRef>
+      </a:style>
+    </a:lnDef>
+  </a:objectDefaults>
+  <a:extraClrSchemeLst/>
+</a:theme>
 </file>